--- a/Chap-3.pptx
+++ b/Chap-3.pptx
@@ -5,7 +5,7 @@
     <p:sldMasterId id="2147483720" r:id="rId1"/>
   </p:sldMasterIdLst>
   <p:notesMasterIdLst>
-    <p:notesMasterId r:id="rId12"/>
+    <p:notesMasterId r:id="rId21"/>
   </p:notesMasterIdLst>
   <p:sldIdLst>
     <p:sldId id="256" r:id="rId2"/>
@@ -18,6 +18,15 @@
     <p:sldId id="265" r:id="rId9"/>
     <p:sldId id="266" r:id="rId10"/>
     <p:sldId id="267" r:id="rId11"/>
+    <p:sldId id="268" r:id="rId12"/>
+    <p:sldId id="269" r:id="rId13"/>
+    <p:sldId id="271" r:id="rId14"/>
+    <p:sldId id="274" r:id="rId15"/>
+    <p:sldId id="270" r:id="rId16"/>
+    <p:sldId id="272" r:id="rId17"/>
+    <p:sldId id="275" r:id="rId18"/>
+    <p:sldId id="273" r:id="rId19"/>
+    <p:sldId id="276" r:id="rId20"/>
   </p:sldIdLst>
   <p:sldSz cx="12192000" cy="6858000"/>
   <p:notesSz cx="6858000" cy="9144000"/>
@@ -206,7 +215,7 @@
           <a:p>
             <a:fld id="{1B33ECCD-5F00-4852-A32E-E7574D04CA66}" type="datetimeFigureOut">
               <a:rPr lang="en-US" smtClean="0"/>
-              <a:t>3/29/2018</a:t>
+              <a:t>4/3/2018</a:t>
             </a:fld>
             <a:endParaRPr lang="en-US"/>
           </a:p>
@@ -474,6 +483,90 @@
 </p:notesMaster>
 </file>
 
+<file path=ppt/notesSlides/notesSlide1.xml><?xml version="1.0" encoding="utf-8"?>
+<p:notes xmlns:a="http://schemas.openxmlformats.org/drawingml/2006/main" xmlns:r="http://schemas.openxmlformats.org/officeDocument/2006/relationships" xmlns:p="http://schemas.openxmlformats.org/presentationml/2006/main">
+  <p:cSld>
+    <p:spTree>
+      <p:nvGrpSpPr>
+        <p:cNvPr id="1" name=""/>
+        <p:cNvGrpSpPr/>
+        <p:nvPr/>
+      </p:nvGrpSpPr>
+      <p:grpSpPr>
+        <a:xfrm>
+          <a:off x="0" y="0"/>
+          <a:ext cx="0" cy="0"/>
+          <a:chOff x="0" y="0"/>
+          <a:chExt cx="0" cy="0"/>
+        </a:xfrm>
+      </p:grpSpPr>
+      <p:sp>
+        <p:nvSpPr>
+          <p:cNvPr id="2" name="Slide Image Placeholder 1"/>
+          <p:cNvSpPr>
+            <a:spLocks noGrp="1" noRot="1" noChangeAspect="1"/>
+          </p:cNvSpPr>
+          <p:nvPr>
+            <p:ph type="sldImg"/>
+          </p:nvPr>
+        </p:nvSpPr>
+        <p:spPr/>
+      </p:sp>
+      <p:sp>
+        <p:nvSpPr>
+          <p:cNvPr id="3" name="Notes Placeholder 2"/>
+          <p:cNvSpPr>
+            <a:spLocks noGrp="1"/>
+          </p:cNvSpPr>
+          <p:nvPr>
+            <p:ph type="body" idx="1"/>
+          </p:nvPr>
+        </p:nvSpPr>
+        <p:spPr/>
+        <p:txBody>
+          <a:bodyPr/>
+          <a:lstStyle/>
+          <a:p>
+            <a:endParaRPr lang="en-US" dirty="0"/>
+          </a:p>
+        </p:txBody>
+      </p:sp>
+      <p:sp>
+        <p:nvSpPr>
+          <p:cNvPr id="4" name="Slide Number Placeholder 3"/>
+          <p:cNvSpPr>
+            <a:spLocks noGrp="1"/>
+          </p:cNvSpPr>
+          <p:nvPr>
+            <p:ph type="sldNum" sz="quarter" idx="10"/>
+          </p:nvPr>
+        </p:nvSpPr>
+        <p:spPr/>
+        <p:txBody>
+          <a:bodyPr/>
+          <a:lstStyle/>
+          <a:p>
+            <a:fld id="{9A4E969C-106E-4146-A158-45D13C482356}" type="slidenum">
+              <a:rPr lang="en-US" smtClean="0"/>
+              <a:t>10</a:t>
+            </a:fld>
+            <a:endParaRPr lang="en-US"/>
+          </a:p>
+        </p:txBody>
+      </p:sp>
+    </p:spTree>
+    <p:extLst>
+      <p:ext uri="{BB962C8B-B14F-4D97-AF65-F5344CB8AC3E}">
+        <p14:creationId xmlns:p14="http://schemas.microsoft.com/office/powerpoint/2010/main" val="1171842865"/>
+      </p:ext>
+    </p:extLst>
+  </p:cSld>
+  <p:clrMapOvr>
+    <a:masterClrMapping/>
+  </p:clrMapOvr>
+</p:notes>
+</file>
+
 <file path=ppt/slideLayouts/slideLayout1.xml><?xml version="1.0" encoding="utf-8"?>
 <p:sldLayout xmlns:a="http://schemas.openxmlformats.org/drawingml/2006/main" xmlns:r="http://schemas.openxmlformats.org/officeDocument/2006/relationships" xmlns:p="http://schemas.openxmlformats.org/presentationml/2006/main" type="title" preserve="1">
   <p:cSld name="Title Slide">
@@ -662,7 +755,7 @@
           <a:p>
             <a:fld id="{636E364E-4E35-4FBD-876E-85607C74F420}" type="datetimeFigureOut">
               <a:rPr lang="en-US" smtClean="0"/>
-              <a:t>3/29/2018</a:t>
+              <a:t>4/3/2018</a:t>
             </a:fld>
             <a:endParaRPr lang="en-US"/>
           </a:p>
@@ -1000,7 +1093,7 @@
           <a:p>
             <a:fld id="{636E364E-4E35-4FBD-876E-85607C74F420}" type="datetimeFigureOut">
               <a:rPr lang="en-US" smtClean="0"/>
-              <a:t>3/29/2018</a:t>
+              <a:t>4/3/2018</a:t>
             </a:fld>
             <a:endParaRPr lang="en-US"/>
           </a:p>
@@ -1401,7 +1494,7 @@
           <a:p>
             <a:fld id="{636E364E-4E35-4FBD-876E-85607C74F420}" type="datetimeFigureOut">
               <a:rPr lang="en-US" smtClean="0"/>
-              <a:t>3/29/2018</a:t>
+              <a:t>4/3/2018</a:t>
             </a:fld>
             <a:endParaRPr lang="en-US"/>
           </a:p>
@@ -1737,7 +1830,7 @@
           <a:p>
             <a:fld id="{636E364E-4E35-4FBD-876E-85607C74F420}" type="datetimeFigureOut">
               <a:rPr lang="en-US" smtClean="0"/>
-              <a:t>3/29/2018</a:t>
+              <a:t>4/3/2018</a:t>
             </a:fld>
             <a:endParaRPr lang="en-US"/>
           </a:p>
@@ -2057,7 +2150,7 @@
           <a:p>
             <a:fld id="{636E364E-4E35-4FBD-876E-85607C74F420}" type="datetimeFigureOut">
               <a:rPr lang="en-US" smtClean="0"/>
-              <a:t>3/29/2018</a:t>
+              <a:t>4/3/2018</a:t>
             </a:fld>
             <a:endParaRPr lang="en-US"/>
           </a:p>
@@ -2453,7 +2546,7 @@
           <a:p>
             <a:fld id="{636E364E-4E35-4FBD-876E-85607C74F420}" type="datetimeFigureOut">
               <a:rPr lang="en-US" smtClean="0"/>
-              <a:t>3/29/2018</a:t>
+              <a:t>4/3/2018</a:t>
             </a:fld>
             <a:endParaRPr lang="en-US"/>
           </a:p>
@@ -2710,7 +2803,7 @@
           <a:p>
             <a:fld id="{636E364E-4E35-4FBD-876E-85607C74F420}" type="datetimeFigureOut">
               <a:rPr lang="en-US" smtClean="0"/>
-              <a:t>3/29/2018</a:t>
+              <a:t>4/3/2018</a:t>
             </a:fld>
             <a:endParaRPr lang="en-US"/>
           </a:p>
@@ -2972,7 +3065,7 @@
           <a:p>
             <a:fld id="{636E364E-4E35-4FBD-876E-85607C74F420}" type="datetimeFigureOut">
               <a:rPr lang="en-US" smtClean="0"/>
-              <a:t>3/29/2018</a:t>
+              <a:t>4/3/2018</a:t>
             </a:fld>
             <a:endParaRPr lang="en-US"/>
           </a:p>
@@ -3234,7 +3327,7 @@
           <a:p>
             <a:fld id="{636E364E-4E35-4FBD-876E-85607C74F420}" type="datetimeFigureOut">
               <a:rPr lang="en-US" smtClean="0"/>
-              <a:t>3/29/2018</a:t>
+              <a:t>4/3/2018</a:t>
             </a:fld>
             <a:endParaRPr lang="en-US"/>
           </a:p>
@@ -3563,7 +3656,7 @@
           <a:p>
             <a:fld id="{636E364E-4E35-4FBD-876E-85607C74F420}" type="datetimeFigureOut">
               <a:rPr lang="en-US" smtClean="0"/>
-              <a:t>3/29/2018</a:t>
+              <a:t>4/3/2018</a:t>
             </a:fld>
             <a:endParaRPr lang="en-US"/>
           </a:p>
@@ -3886,7 +3979,7 @@
           <a:p>
             <a:fld id="{636E364E-4E35-4FBD-876E-85607C74F420}" type="datetimeFigureOut">
               <a:rPr lang="en-US" smtClean="0"/>
-              <a:t>3/29/2018</a:t>
+              <a:t>4/3/2018</a:t>
             </a:fld>
             <a:endParaRPr lang="en-US"/>
           </a:p>
@@ -4348,7 +4441,7 @@
           <a:p>
             <a:fld id="{636E364E-4E35-4FBD-876E-85607C74F420}" type="datetimeFigureOut">
               <a:rPr lang="en-US" smtClean="0"/>
-              <a:t>3/29/2018</a:t>
+              <a:t>4/3/2018</a:t>
             </a:fld>
             <a:endParaRPr lang="en-US"/>
           </a:p>
@@ -4558,7 +4651,7 @@
           <a:p>
             <a:fld id="{636E364E-4E35-4FBD-876E-85607C74F420}" type="datetimeFigureOut">
               <a:rPr lang="en-US" smtClean="0"/>
-              <a:t>3/29/2018</a:t>
+              <a:t>4/3/2018</a:t>
             </a:fld>
             <a:endParaRPr lang="en-US"/>
           </a:p>
@@ -4735,7 +4828,7 @@
           <a:p>
             <a:fld id="{636E364E-4E35-4FBD-876E-85607C74F420}" type="datetimeFigureOut">
               <a:rPr lang="en-US" smtClean="0"/>
-              <a:t>3/29/2018</a:t>
+              <a:t>4/3/2018</a:t>
             </a:fld>
             <a:endParaRPr lang="en-US"/>
           </a:p>
@@ -5068,7 +5161,7 @@
           <a:p>
             <a:fld id="{636E364E-4E35-4FBD-876E-85607C74F420}" type="datetimeFigureOut">
               <a:rPr lang="en-US" smtClean="0"/>
-              <a:t>3/29/2018</a:t>
+              <a:t>4/3/2018</a:t>
             </a:fld>
             <a:endParaRPr lang="en-US"/>
           </a:p>
@@ -5418,7 +5511,7 @@
           <a:p>
             <a:fld id="{636E364E-4E35-4FBD-876E-85607C74F420}" type="datetimeFigureOut">
               <a:rPr lang="en-US" smtClean="0"/>
-              <a:t>3/29/2018</a:t>
+              <a:t>4/3/2018</a:t>
             </a:fld>
             <a:endParaRPr lang="en-US"/>
           </a:p>
@@ -7535,7 +7628,7 @@
           <a:p>
             <a:fld id="{636E364E-4E35-4FBD-876E-85607C74F420}" type="datetimeFigureOut">
               <a:rPr lang="en-US" smtClean="0"/>
-              <a:t>3/29/2018</a:t>
+              <a:t>4/3/2018</a:t>
             </a:fld>
             <a:endParaRPr lang="en-US"/>
           </a:p>
@@ -8219,7 +8312,7 @@
         <p:spPr>
           <a:xfrm>
             <a:off x="2589211" y="2133600"/>
-            <a:ext cx="5374092" cy="4724400"/>
+            <a:ext cx="4043601" cy="4724400"/>
           </a:xfrm>
         </p:spPr>
         <p:txBody>
@@ -8230,19 +8323,11 @@
           <a:p>
             <a:pPr>
               <a:buFont typeface="+mj-lt"/>
-              <a:buAutoNum type="arabicPeriod" startAt="11"/>
+              <a:buAutoNum type="arabicPeriod" startAt="10"/>
             </a:pPr>
             <a:r>
-              <a:rPr lang="en-US" dirty="0" smtClean="0"/>
-              <a:t>R.E	=	</a:t>
-            </a:r>
-            <a:r>
-              <a:rPr lang="en-US" dirty="0" smtClean="0"/>
-              <a:t>a* +a(a+b</a:t>
-            </a:r>
-            <a:r>
-              <a:rPr lang="en-US" dirty="0" smtClean="0"/>
-              <a:t>)</a:t>
+              <a:rPr lang="en-US" dirty="0"/>
+              <a:t>R.E	=	(a+b)*a(a+b)*</a:t>
             </a:r>
           </a:p>
           <a:p>
@@ -8250,12 +8335,8 @@
               <a:buNone/>
             </a:pPr>
             <a:r>
-              <a:rPr lang="en-US" sz="1800" dirty="0" smtClean="0"/>
-              <a:t>S		</a:t>
-            </a:r>
-            <a:r>
-              <a:rPr lang="en-US" sz="1800" dirty="0" smtClean="0"/>
-              <a:t>X|Y</a:t>
+              <a:rPr lang="en-US" sz="1800" dirty="0"/>
+              <a:t>S		XYX</a:t>
             </a:r>
           </a:p>
           <a:p>
@@ -8268,15 +8349,100 @@
             </a:r>
             <a:r>
               <a:rPr lang="en-US" sz="1800" dirty="0"/>
+              <a:t>		€</a:t>
+            </a:r>
+          </a:p>
+          <a:p>
+            <a:pPr marL="400050" lvl="1" indent="0">
+              <a:buNone/>
+            </a:pPr>
+            <a:r>
+              <a:rPr lang="en-US" sz="1800" dirty="0"/>
+              <a:t>X		</a:t>
+            </a:r>
+            <a:r>
+              <a:rPr lang="en-US" sz="1800" dirty="0" smtClean="0"/>
+              <a:t>YX</a:t>
+            </a:r>
+            <a:endParaRPr lang="en-US" sz="1800" dirty="0"/>
+          </a:p>
+          <a:p>
+            <a:pPr marL="400050" lvl="1" indent="0">
+              <a:buNone/>
+            </a:pPr>
+            <a:r>
+              <a:rPr lang="en-US" sz="1800" dirty="0"/>
+              <a:t>X		</a:t>
+            </a:r>
+            <a:r>
+              <a:rPr lang="en-US" sz="1800" dirty="0" smtClean="0"/>
+              <a:t>ZX	</a:t>
+            </a:r>
+          </a:p>
+          <a:p>
+            <a:pPr marL="400050" lvl="1" indent="0">
+              <a:buNone/>
+            </a:pPr>
+            <a:r>
+              <a:rPr lang="en-US" sz="1800" dirty="0" smtClean="0"/>
+              <a:t>Y</a:t>
+            </a:r>
+            <a:r>
+              <a:rPr lang="en-US" sz="1800" dirty="0"/>
               <a:t>		</a:t>
             </a:r>
             <a:r>
-              <a:rPr lang="en-US" sz="1800" dirty="0" smtClean="0">
+              <a:rPr lang="en-US" sz="1800" dirty="0" smtClean="0"/>
+              <a:t>a	</a:t>
+            </a:r>
+          </a:p>
+          <a:p>
+            <a:pPr marL="400050" lvl="1" indent="0">
+              <a:buNone/>
+            </a:pPr>
+            <a:r>
+              <a:rPr lang="en-US" sz="1800" dirty="0" smtClean="0"/>
+              <a:t>Z		b</a:t>
+            </a:r>
+          </a:p>
+          <a:p>
+            <a:pPr>
+              <a:buFont typeface="+mj-lt"/>
+              <a:buAutoNum type="arabicPeriod" startAt="11"/>
+            </a:pPr>
+            <a:r>
+              <a:rPr lang="en-US" dirty="0" smtClean="0"/>
+              <a:t>R.E</a:t>
+            </a:r>
+            <a:r>
+              <a:rPr lang="en-US" dirty="0"/>
+              <a:t>	=	a* +a(a+b)</a:t>
+            </a:r>
+          </a:p>
+          <a:p>
+            <a:pPr marL="400050" lvl="1" indent="0">
+              <a:buNone/>
+            </a:pPr>
+            <a:r>
+              <a:rPr lang="en-US" sz="1800" dirty="0"/>
+              <a:t>S		X|Y</a:t>
+            </a:r>
+          </a:p>
+          <a:p>
+            <a:pPr marL="400050" lvl="1" indent="0">
+              <a:buNone/>
+            </a:pPr>
+            <a:r>
+              <a:rPr lang="en-US" sz="1800" dirty="0"/>
+              <a:t>X		</a:t>
+            </a:r>
+            <a:r>
+              <a:rPr lang="en-US" sz="1800" dirty="0">
                 <a:latin typeface="Century Gothic" panose="020B0502020202020204" pitchFamily="34" charset="0"/>
               </a:rPr>
               <a:t>€</a:t>
             </a:r>
-            <a:endParaRPr lang="en-US" sz="1800" dirty="0" smtClean="0"/>
+            <a:endParaRPr lang="en-US" sz="1800" dirty="0"/>
           </a:p>
           <a:p>
             <a:pPr marL="400050" lvl="1" indent="0">
@@ -8284,17 +8450,13 @@
             </a:pPr>
             <a:r>
               <a:rPr lang="en-US" sz="1800" dirty="0"/>
-              <a:t>X</a:t>
-            </a:r>
-            <a:r>
-              <a:rPr lang="en-US" sz="1800" dirty="0"/>
-              <a:t>		</a:t>
-            </a:r>
-            <a:r>
-              <a:rPr lang="en-US" sz="1800" dirty="0" err="1" smtClean="0"/>
-              <a:t>aX</a:t>
-            </a:r>
-            <a:endParaRPr lang="en-US" sz="1800" dirty="0" smtClean="0"/>
+              <a:t>X		</a:t>
+            </a:r>
+            <a:r>
+              <a:rPr lang="en-US" sz="1800" dirty="0" smtClean="0"/>
+              <a:t>AX</a:t>
+            </a:r>
+            <a:endParaRPr lang="en-US" sz="1800" dirty="0"/>
           </a:p>
           <a:p>
             <a:pPr marL="400050" lvl="1" indent="0">
@@ -8302,109 +8464,26 @@
             </a:pPr>
             <a:r>
               <a:rPr lang="en-US" sz="1800" dirty="0"/>
-              <a:t>Y		</a:t>
-            </a:r>
-            <a:r>
-              <a:rPr lang="en-US" sz="1800" dirty="0" smtClean="0"/>
-              <a:t>AZ</a:t>
-            </a:r>
-            <a:endParaRPr lang="en-US" sz="1800" dirty="0"/>
+              <a:t>Y		AZ</a:t>
+            </a:r>
           </a:p>
           <a:p>
             <a:pPr marL="400050" lvl="1" indent="0">
               <a:buNone/>
             </a:pPr>
-            <a:r>
-              <a:rPr lang="en-US" sz="1800" dirty="0"/>
-              <a:t>Z		a| b</a:t>
-            </a:r>
-          </a:p>
-          <a:p>
-            <a:pPr marL="400050" lvl="1" indent="0">
-              <a:buNone/>
-            </a:pPr>
-            <a:r>
-              <a:rPr lang="en-US" sz="1800" dirty="0"/>
-              <a:t>A		a</a:t>
-            </a:r>
-          </a:p>
-          <a:p>
-            <a:pPr marL="400050" lvl="1" indent="0">
-              <a:buNone/>
-            </a:pPr>
-            <a:r>
-              <a:rPr lang="en-US" sz="1800" dirty="0" smtClean="0"/>
-              <a:t>B</a:t>
-            </a:r>
-            <a:r>
-              <a:rPr lang="en-US" sz="1800" dirty="0"/>
-              <a:t>		</a:t>
-            </a:r>
-            <a:r>
-              <a:rPr lang="en-US" sz="1800" dirty="0" smtClean="0"/>
-              <a:t>b</a:t>
-            </a:r>
-            <a:endParaRPr lang="en-US" sz="1800" dirty="0" smtClean="0"/>
+            <a:endParaRPr lang="en-US" sz="1800" dirty="0"/>
           </a:p>
           <a:p>
             <a:pPr>
               <a:buFont typeface="+mj-lt"/>
-              <a:buAutoNum type="arabicPeriod" startAt="12"/>
+              <a:buAutoNum type="arabicPeriod" startAt="10"/>
             </a:pPr>
-            <a:r>
-              <a:rPr lang="en-US" dirty="0" smtClean="0"/>
-              <a:t>R.E = (a+b)*(a+b)+(</a:t>
-            </a:r>
-            <a:r>
-              <a:rPr lang="en-US" dirty="0" err="1" smtClean="0"/>
-              <a:t>ab+ba</a:t>
-            </a:r>
-            <a:r>
-              <a:rPr lang="en-US" dirty="0" smtClean="0"/>
-              <a:t>)*(a+b)*B(a+b)+a</a:t>
-            </a:r>
-            <a:endParaRPr lang="en-US" dirty="0"/>
-          </a:p>
-          <a:p>
-            <a:pPr marL="400050" lvl="1" indent="0">
-              <a:buNone/>
-            </a:pPr>
-            <a:r>
-              <a:rPr lang="en-US" sz="1800" dirty="0" smtClean="0"/>
-              <a:t>S		XYZ</a:t>
-            </a:r>
-          </a:p>
-          <a:p>
-            <a:pPr marL="400050" lvl="1" indent="0">
-              <a:buNone/>
-            </a:pPr>
-            <a:r>
-              <a:rPr lang="en-US" sz="1800" dirty="0" smtClean="0"/>
-              <a:t>Z		a</a:t>
-            </a:r>
-            <a:endParaRPr lang="en-US" sz="1800" dirty="0"/>
-          </a:p>
-          <a:p>
-            <a:pPr marL="400050" lvl="1" indent="0">
-              <a:buNone/>
-            </a:pPr>
-            <a:r>
-              <a:rPr lang="en-US" sz="1800" dirty="0" smtClean="0"/>
-              <a:t>X		PQ</a:t>
-            </a:r>
-            <a:endParaRPr lang="en-US" sz="1800" dirty="0"/>
+            <a:endParaRPr lang="en-US" dirty="0" smtClean="0"/>
           </a:p>
           <a:p>
             <a:pPr>
               <a:buFont typeface="+mj-lt"/>
-              <a:buAutoNum type="arabicPeriod"/>
-            </a:pPr>
-            <a:endParaRPr lang="en-US" dirty="0" smtClean="0"/>
-          </a:p>
-          <a:p>
-            <a:pPr>
-              <a:buFont typeface="+mj-lt"/>
-              <a:buAutoNum type="arabicPeriod"/>
+              <a:buAutoNum type="arabicPeriod" startAt="10"/>
             </a:pPr>
             <a:endParaRPr lang="en-US" dirty="0"/>
           </a:p>
@@ -8577,13 +8656,13 @@
       </p:cxnSp>
       <p:cxnSp>
         <p:nvCxnSpPr>
-          <p:cNvPr id="9" name="Straight Arrow Connector 8"/>
+          <p:cNvPr id="30" name="Straight Arrow Connector 29"/>
           <p:cNvCxnSpPr/>
           <p:nvPr/>
         </p:nvCxnSpPr>
         <p:spPr>
           <a:xfrm>
-            <a:off x="3274307" y="5906787"/>
+            <a:off x="3274307" y="4713711"/>
             <a:ext cx="721895" cy="0"/>
           </a:xfrm>
           <a:prstGeom prst="straightConnector1">
@@ -8610,7 +8689,7 @@
       </p:cxnSp>
       <p:sp>
         <p:nvSpPr>
-          <p:cNvPr id="11" name="Content Placeholder 2"/>
+          <p:cNvPr id="31" name="Content Placeholder 2"/>
           <p:cNvSpPr txBox="1">
             <a:spLocks/>
           </p:cNvSpPr>
@@ -8618,8 +8697,8 @@
         </p:nvSpPr>
         <p:spPr>
           <a:xfrm>
-            <a:off x="7963303" y="2141622"/>
-            <a:ext cx="4244725" cy="4724400"/>
+            <a:off x="6820033" y="2133600"/>
+            <a:ext cx="5374092" cy="4724400"/>
           </a:xfrm>
           <a:prstGeom prst="rect">
             <a:avLst/>
@@ -8848,12 +8927,94 @@
             </a:lvl9pPr>
           </a:lstStyle>
           <a:p>
+            <a:pPr marL="400050" lvl="1" indent="0">
+              <a:buFont typeface="Wingdings 3" charset="2"/>
+              <a:buNone/>
+            </a:pPr>
+            <a:r>
+              <a:rPr lang="en-US" sz="1800" dirty="0" smtClean="0"/>
+              <a:t>Z		A| </a:t>
+            </a:r>
+            <a:r>
+              <a:rPr lang="en-US" sz="1800" dirty="0"/>
+              <a:t>B</a:t>
+            </a:r>
+            <a:endParaRPr lang="en-US" sz="1800" dirty="0" smtClean="0"/>
+          </a:p>
+          <a:p>
+            <a:pPr marL="400050" lvl="1" indent="0">
+              <a:buFont typeface="Wingdings 3" charset="2"/>
+              <a:buNone/>
+            </a:pPr>
+            <a:r>
+              <a:rPr lang="en-US" sz="1800" dirty="0" smtClean="0"/>
+              <a:t>A 		a</a:t>
+            </a:r>
+          </a:p>
+          <a:p>
+            <a:pPr marL="400050" lvl="1" indent="0">
+              <a:buFont typeface="Wingdings 3" charset="2"/>
+              <a:buNone/>
+            </a:pPr>
+            <a:r>
+              <a:rPr lang="en-US" sz="1800" dirty="0" smtClean="0"/>
+              <a:t>B		b</a:t>
+            </a:r>
+          </a:p>
+          <a:p>
+            <a:pPr>
+              <a:buFont typeface="+mj-lt"/>
+              <a:buAutoNum type="arabicPeriod" startAt="12"/>
+            </a:pPr>
+            <a:r>
+              <a:rPr lang="en-US" dirty="0" smtClean="0"/>
+              <a:t>R.E = (a+b)*(a+b)+(</a:t>
+            </a:r>
+            <a:r>
+              <a:rPr lang="en-US" dirty="0" err="1" smtClean="0"/>
+              <a:t>ab+ba</a:t>
+            </a:r>
+            <a:r>
+              <a:rPr lang="en-US" dirty="0" smtClean="0"/>
+              <a:t>)*(a+b)*B(a+b)+a</a:t>
+            </a:r>
+          </a:p>
+          <a:p>
+            <a:pPr marL="400050" lvl="1" indent="0">
+              <a:buFont typeface="Wingdings 3" charset="2"/>
+              <a:buNone/>
+            </a:pPr>
+            <a:r>
+              <a:rPr lang="en-US" sz="1800" dirty="0" smtClean="0"/>
+              <a:t>S		</a:t>
+            </a:r>
+            <a:r>
+              <a:rPr lang="en-US" sz="1800" dirty="0" smtClean="0"/>
+              <a:t>X|Y|Z</a:t>
+            </a:r>
+            <a:endParaRPr lang="en-US" sz="1800" dirty="0" smtClean="0"/>
+          </a:p>
+          <a:p>
+            <a:pPr marL="400050" lvl="1" indent="0">
+              <a:buFont typeface="Wingdings 3" charset="2"/>
+              <a:buNone/>
+            </a:pPr>
+            <a:r>
+              <a:rPr lang="en-US" sz="1800" dirty="0" smtClean="0"/>
+              <a:t>X		PQ</a:t>
+            </a:r>
+          </a:p>
+          <a:p>
             <a:pPr marL="0" indent="0">
               <a:buNone/>
             </a:pPr>
             <a:r>
               <a:rPr lang="en-US" dirty="0" smtClean="0"/>
-              <a:t>	P		</a:t>
+              <a:t>	P</a:t>
+            </a:r>
+            <a:r>
+              <a:rPr lang="en-US" dirty="0"/>
+              <a:t>		</a:t>
             </a:r>
             <a:r>
               <a:rPr lang="en-US" dirty="0">
@@ -8868,53 +9029,52 @@
               <a:buNone/>
             </a:pPr>
             <a:r>
+              <a:rPr lang="en-US" dirty="0"/>
+              <a:t>	P		Z</a:t>
+            </a:r>
+            <a:r>
               <a:rPr lang="en-US" dirty="0" smtClean="0"/>
-              <a:t>	P		</a:t>
-            </a:r>
-            <a:r>
-              <a:rPr lang="en-US" dirty="0" err="1" smtClean="0"/>
-              <a:t>aP</a:t>
-            </a:r>
-            <a:endParaRPr lang="en-US" dirty="0" smtClean="0"/>
+              <a:t>P</a:t>
+            </a:r>
+            <a:endParaRPr lang="en-US" dirty="0"/>
           </a:p>
           <a:p>
             <a:pPr marL="0" indent="0">
               <a:buNone/>
             </a:pPr>
             <a:r>
+              <a:rPr lang="en-US" dirty="0"/>
+              <a:t>	P		R</a:t>
+            </a:r>
+            <a:r>
               <a:rPr lang="en-US" dirty="0" smtClean="0"/>
-              <a:t>	P		</a:t>
-            </a:r>
-            <a:r>
-              <a:rPr lang="en-US" dirty="0" err="1" smtClean="0"/>
-              <a:t>bP</a:t>
-            </a:r>
-            <a:r>
-              <a:rPr lang="en-US" dirty="0" smtClean="0"/>
+              <a:t>P</a:t>
+            </a:r>
+            <a:r>
+              <a:rPr lang="en-US" dirty="0"/>
               <a:t>		</a:t>
             </a:r>
-            <a:endParaRPr lang="en-US" dirty="0"/>
           </a:p>
           <a:p>
             <a:pPr marL="400050" lvl="1" indent="0">
               <a:buNone/>
             </a:pPr>
             <a:r>
+              <a:rPr lang="en-US" sz="1800" dirty="0"/>
+              <a:t>Q		</a:t>
+            </a:r>
+            <a:r>
               <a:rPr lang="en-US" sz="1800" dirty="0" smtClean="0"/>
-              <a:t>Q		</a:t>
-            </a:r>
-            <a:r>
-              <a:rPr lang="en-US" sz="1800" dirty="0" err="1" smtClean="0"/>
-              <a:t>a|b</a:t>
-            </a:r>
-            <a:endParaRPr lang="en-US" sz="1800" dirty="0" smtClean="0"/>
+              <a:t>Z|R</a:t>
+            </a:r>
+            <a:endParaRPr lang="en-US" sz="1800" dirty="0"/>
           </a:p>
           <a:p>
             <a:pPr marL="400050" lvl="1" indent="0">
               <a:buNone/>
             </a:pPr>
             <a:r>
-              <a:rPr lang="en-US" sz="1800" dirty="0" smtClean="0"/>
+              <a:rPr lang="en-US" sz="1800" dirty="0"/>
               <a:t>Y		LPNQ</a:t>
             </a:r>
           </a:p>
@@ -8923,70 +9083,901 @@
               <a:buNone/>
             </a:pPr>
             <a:r>
+              <a:rPr lang="en-US" sz="1800" dirty="0"/>
+              <a:t>N		B</a:t>
+            </a:r>
+            <a:endParaRPr lang="en-US" sz="1800" dirty="0" smtClean="0"/>
+          </a:p>
+          <a:p>
+            <a:pPr>
+              <a:buFont typeface="+mj-lt"/>
+              <a:buAutoNum type="arabicPeriod"/>
+            </a:pPr>
+            <a:endParaRPr lang="en-US" dirty="0" smtClean="0"/>
+          </a:p>
+          <a:p>
+            <a:pPr>
+              <a:buFont typeface="+mj-lt"/>
+              <a:buAutoNum type="arabicPeriod"/>
+            </a:pPr>
+            <a:endParaRPr lang="en-US" dirty="0"/>
+          </a:p>
+        </p:txBody>
+      </p:sp>
+      <p:cxnSp>
+        <p:nvCxnSpPr>
+          <p:cNvPr id="34" name="Straight Arrow Connector 33"/>
+          <p:cNvCxnSpPr/>
+          <p:nvPr/>
+        </p:nvCxnSpPr>
+        <p:spPr>
+          <a:xfrm>
+            <a:off x="3266285" y="5530883"/>
+            <a:ext cx="721895" cy="0"/>
+          </a:xfrm>
+          <a:prstGeom prst="straightConnector1">
+            <a:avLst/>
+          </a:prstGeom>
+          <a:ln>
+            <a:tailEnd type="triangle"/>
+          </a:ln>
+        </p:spPr>
+        <p:style>
+          <a:lnRef idx="1">
+            <a:schemeClr val="dk1"/>
+          </a:lnRef>
+          <a:fillRef idx="0">
+            <a:schemeClr val="dk1"/>
+          </a:fillRef>
+          <a:effectRef idx="0">
+            <a:schemeClr val="dk1"/>
+          </a:effectRef>
+          <a:fontRef idx="minor">
+            <a:schemeClr val="tx1"/>
+          </a:fontRef>
+        </p:style>
+      </p:cxnSp>
+      <p:cxnSp>
+        <p:nvCxnSpPr>
+          <p:cNvPr id="35" name="Straight Arrow Connector 34"/>
+          <p:cNvCxnSpPr/>
+          <p:nvPr/>
+        </p:nvCxnSpPr>
+        <p:spPr>
+          <a:xfrm>
+            <a:off x="3274307" y="5942017"/>
+            <a:ext cx="721895" cy="0"/>
+          </a:xfrm>
+          <a:prstGeom prst="straightConnector1">
+            <a:avLst/>
+          </a:prstGeom>
+          <a:ln>
+            <a:tailEnd type="triangle"/>
+          </a:ln>
+        </p:spPr>
+        <p:style>
+          <a:lnRef idx="1">
+            <a:schemeClr val="dk1"/>
+          </a:lnRef>
+          <a:fillRef idx="0">
+            <a:schemeClr val="dk1"/>
+          </a:fillRef>
+          <a:effectRef idx="0">
+            <a:schemeClr val="dk1"/>
+          </a:effectRef>
+          <a:fontRef idx="minor">
+            <a:schemeClr val="tx1"/>
+          </a:fontRef>
+        </p:style>
+      </p:cxnSp>
+      <p:cxnSp>
+        <p:nvCxnSpPr>
+          <p:cNvPr id="37" name="Straight Arrow Connector 36"/>
+          <p:cNvCxnSpPr/>
+          <p:nvPr/>
+        </p:nvCxnSpPr>
+        <p:spPr>
+          <a:xfrm>
+            <a:off x="3266285" y="6744757"/>
+            <a:ext cx="721895" cy="0"/>
+          </a:xfrm>
+          <a:prstGeom prst="straightConnector1">
+            <a:avLst/>
+          </a:prstGeom>
+          <a:ln>
+            <a:tailEnd type="triangle"/>
+          </a:ln>
+        </p:spPr>
+        <p:style>
+          <a:lnRef idx="1">
+            <a:schemeClr val="dk1"/>
+          </a:lnRef>
+          <a:fillRef idx="0">
+            <a:schemeClr val="dk1"/>
+          </a:fillRef>
+          <a:effectRef idx="0">
+            <a:schemeClr val="dk1"/>
+          </a:effectRef>
+          <a:fontRef idx="minor">
+            <a:schemeClr val="tx1"/>
+          </a:fontRef>
+        </p:style>
+      </p:cxnSp>
+      <p:cxnSp>
+        <p:nvCxnSpPr>
+          <p:cNvPr id="38" name="Straight Arrow Connector 37"/>
+          <p:cNvCxnSpPr/>
+          <p:nvPr/>
+        </p:nvCxnSpPr>
+        <p:spPr>
+          <a:xfrm>
+            <a:off x="3266285" y="6352867"/>
+            <a:ext cx="721895" cy="0"/>
+          </a:xfrm>
+          <a:prstGeom prst="straightConnector1">
+            <a:avLst/>
+          </a:prstGeom>
+          <a:ln>
+            <a:tailEnd type="triangle"/>
+          </a:ln>
+        </p:spPr>
+        <p:style>
+          <a:lnRef idx="1">
+            <a:schemeClr val="dk1"/>
+          </a:lnRef>
+          <a:fillRef idx="0">
+            <a:schemeClr val="dk1"/>
+          </a:fillRef>
+          <a:effectRef idx="0">
+            <a:schemeClr val="dk1"/>
+          </a:effectRef>
+          <a:fontRef idx="minor">
+            <a:schemeClr val="tx1"/>
+          </a:fontRef>
+        </p:style>
+      </p:cxnSp>
+      <p:cxnSp>
+        <p:nvCxnSpPr>
+          <p:cNvPr id="39" name="Straight Arrow Connector 38"/>
+          <p:cNvCxnSpPr/>
+          <p:nvPr/>
+        </p:nvCxnSpPr>
+        <p:spPr>
+          <a:xfrm>
+            <a:off x="7518769" y="2318918"/>
+            <a:ext cx="721895" cy="0"/>
+          </a:xfrm>
+          <a:prstGeom prst="straightConnector1">
+            <a:avLst/>
+          </a:prstGeom>
+          <a:ln>
+            <a:tailEnd type="triangle"/>
+          </a:ln>
+        </p:spPr>
+        <p:style>
+          <a:lnRef idx="1">
+            <a:schemeClr val="dk1"/>
+          </a:lnRef>
+          <a:fillRef idx="0">
+            <a:schemeClr val="dk1"/>
+          </a:fillRef>
+          <a:effectRef idx="0">
+            <a:schemeClr val="dk1"/>
+          </a:effectRef>
+          <a:fontRef idx="minor">
+            <a:schemeClr val="tx1"/>
+          </a:fontRef>
+        </p:style>
+      </p:cxnSp>
+      <p:cxnSp>
+        <p:nvCxnSpPr>
+          <p:cNvPr id="40" name="Straight Arrow Connector 39"/>
+          <p:cNvCxnSpPr/>
+          <p:nvPr/>
+        </p:nvCxnSpPr>
+        <p:spPr>
+          <a:xfrm>
+            <a:off x="7510747" y="3090683"/>
+            <a:ext cx="721895" cy="0"/>
+          </a:xfrm>
+          <a:prstGeom prst="straightConnector1">
+            <a:avLst/>
+          </a:prstGeom>
+          <a:ln>
+            <a:tailEnd type="triangle"/>
+          </a:ln>
+        </p:spPr>
+        <p:style>
+          <a:lnRef idx="1">
+            <a:schemeClr val="dk1"/>
+          </a:lnRef>
+          <a:fillRef idx="0">
+            <a:schemeClr val="dk1"/>
+          </a:fillRef>
+          <a:effectRef idx="0">
+            <a:schemeClr val="dk1"/>
+          </a:effectRef>
+          <a:fontRef idx="minor">
+            <a:schemeClr val="tx1"/>
+          </a:fontRef>
+        </p:style>
+      </p:cxnSp>
+      <p:cxnSp>
+        <p:nvCxnSpPr>
+          <p:cNvPr id="41" name="Straight Arrow Connector 40"/>
+          <p:cNvCxnSpPr/>
+          <p:nvPr/>
+        </p:nvCxnSpPr>
+        <p:spPr>
+          <a:xfrm>
+            <a:off x="7518769" y="2697970"/>
+            <a:ext cx="721895" cy="0"/>
+          </a:xfrm>
+          <a:prstGeom prst="straightConnector1">
+            <a:avLst/>
+          </a:prstGeom>
+          <a:ln>
+            <a:tailEnd type="triangle"/>
+          </a:ln>
+        </p:spPr>
+        <p:style>
+          <a:lnRef idx="1">
+            <a:schemeClr val="dk1"/>
+          </a:lnRef>
+          <a:fillRef idx="0">
+            <a:schemeClr val="dk1"/>
+          </a:fillRef>
+          <a:effectRef idx="0">
+            <a:schemeClr val="dk1"/>
+          </a:effectRef>
+          <a:fontRef idx="minor">
+            <a:schemeClr val="tx1"/>
+          </a:fontRef>
+        </p:style>
+      </p:cxnSp>
+      <p:cxnSp>
+        <p:nvCxnSpPr>
+          <p:cNvPr id="42" name="Straight Arrow Connector 41"/>
+          <p:cNvCxnSpPr/>
+          <p:nvPr/>
+        </p:nvCxnSpPr>
+        <p:spPr>
+          <a:xfrm>
+            <a:off x="7505121" y="3907292"/>
+            <a:ext cx="721895" cy="0"/>
+          </a:xfrm>
+          <a:prstGeom prst="straightConnector1">
+            <a:avLst/>
+          </a:prstGeom>
+          <a:ln>
+            <a:tailEnd type="triangle"/>
+          </a:ln>
+        </p:spPr>
+        <p:style>
+          <a:lnRef idx="1">
+            <a:schemeClr val="dk1"/>
+          </a:lnRef>
+          <a:fillRef idx="0">
+            <a:schemeClr val="dk1"/>
+          </a:fillRef>
+          <a:effectRef idx="0">
+            <a:schemeClr val="dk1"/>
+          </a:effectRef>
+          <a:fontRef idx="minor">
+            <a:schemeClr val="tx1"/>
+          </a:fontRef>
+        </p:style>
+      </p:cxnSp>
+      <p:cxnSp>
+        <p:nvCxnSpPr>
+          <p:cNvPr id="43" name="Straight Arrow Connector 42"/>
+          <p:cNvCxnSpPr/>
+          <p:nvPr/>
+        </p:nvCxnSpPr>
+        <p:spPr>
+          <a:xfrm>
+            <a:off x="7497099" y="4679057"/>
+            <a:ext cx="721895" cy="0"/>
+          </a:xfrm>
+          <a:prstGeom prst="straightConnector1">
+            <a:avLst/>
+          </a:prstGeom>
+          <a:ln>
+            <a:tailEnd type="triangle"/>
+          </a:ln>
+        </p:spPr>
+        <p:style>
+          <a:lnRef idx="1">
+            <a:schemeClr val="dk1"/>
+          </a:lnRef>
+          <a:fillRef idx="0">
+            <a:schemeClr val="dk1"/>
+          </a:fillRef>
+          <a:effectRef idx="0">
+            <a:schemeClr val="dk1"/>
+          </a:effectRef>
+          <a:fontRef idx="minor">
+            <a:schemeClr val="tx1"/>
+          </a:fontRef>
+        </p:style>
+      </p:cxnSp>
+      <p:cxnSp>
+        <p:nvCxnSpPr>
+          <p:cNvPr id="44" name="Straight Arrow Connector 43"/>
+          <p:cNvCxnSpPr/>
+          <p:nvPr/>
+        </p:nvCxnSpPr>
+        <p:spPr>
+          <a:xfrm>
+            <a:off x="7505121" y="4286344"/>
+            <a:ext cx="721895" cy="0"/>
+          </a:xfrm>
+          <a:prstGeom prst="straightConnector1">
+            <a:avLst/>
+          </a:prstGeom>
+          <a:ln>
+            <a:tailEnd type="triangle"/>
+          </a:ln>
+        </p:spPr>
+        <p:style>
+          <a:lnRef idx="1">
+            <a:schemeClr val="dk1"/>
+          </a:lnRef>
+          <a:fillRef idx="0">
+            <a:schemeClr val="dk1"/>
+          </a:fillRef>
+          <a:effectRef idx="0">
+            <a:schemeClr val="dk1"/>
+          </a:effectRef>
+          <a:fontRef idx="minor">
+            <a:schemeClr val="tx1"/>
+          </a:fontRef>
+        </p:style>
+      </p:cxnSp>
+      <p:cxnSp>
+        <p:nvCxnSpPr>
+          <p:cNvPr id="45" name="Straight Arrow Connector 44"/>
+          <p:cNvCxnSpPr/>
+          <p:nvPr/>
+        </p:nvCxnSpPr>
+        <p:spPr>
+          <a:xfrm>
+            <a:off x="7510747" y="5536393"/>
+            <a:ext cx="721895" cy="0"/>
+          </a:xfrm>
+          <a:prstGeom prst="straightConnector1">
+            <a:avLst/>
+          </a:prstGeom>
+          <a:ln>
+            <a:tailEnd type="triangle"/>
+          </a:ln>
+        </p:spPr>
+        <p:style>
+          <a:lnRef idx="1">
+            <a:schemeClr val="dk1"/>
+          </a:lnRef>
+          <a:fillRef idx="0">
+            <a:schemeClr val="dk1"/>
+          </a:fillRef>
+          <a:effectRef idx="0">
+            <a:schemeClr val="dk1"/>
+          </a:effectRef>
+          <a:fontRef idx="minor">
+            <a:schemeClr val="tx1"/>
+          </a:fontRef>
+        </p:style>
+      </p:cxnSp>
+      <p:cxnSp>
+        <p:nvCxnSpPr>
+          <p:cNvPr id="46" name="Straight Arrow Connector 45"/>
+          <p:cNvCxnSpPr/>
+          <p:nvPr/>
+        </p:nvCxnSpPr>
+        <p:spPr>
+          <a:xfrm>
+            <a:off x="7510747" y="5943071"/>
+            <a:ext cx="721895" cy="0"/>
+          </a:xfrm>
+          <a:prstGeom prst="straightConnector1">
+            <a:avLst/>
+          </a:prstGeom>
+          <a:ln>
+            <a:tailEnd type="triangle"/>
+          </a:ln>
+        </p:spPr>
+        <p:style>
+          <a:lnRef idx="1">
+            <a:schemeClr val="dk1"/>
+          </a:lnRef>
+          <a:fillRef idx="0">
+            <a:schemeClr val="dk1"/>
+          </a:fillRef>
+          <a:effectRef idx="0">
+            <a:schemeClr val="dk1"/>
+          </a:effectRef>
+          <a:fontRef idx="minor">
+            <a:schemeClr val="tx1"/>
+          </a:fontRef>
+        </p:style>
+      </p:cxnSp>
+      <p:cxnSp>
+        <p:nvCxnSpPr>
+          <p:cNvPr id="47" name="Straight Arrow Connector 46"/>
+          <p:cNvCxnSpPr/>
+          <p:nvPr/>
+        </p:nvCxnSpPr>
+        <p:spPr>
+          <a:xfrm>
+            <a:off x="7518769" y="6340557"/>
+            <a:ext cx="721895" cy="0"/>
+          </a:xfrm>
+          <a:prstGeom prst="straightConnector1">
+            <a:avLst/>
+          </a:prstGeom>
+          <a:ln>
+            <a:tailEnd type="triangle"/>
+          </a:ln>
+        </p:spPr>
+        <p:style>
+          <a:lnRef idx="1">
+            <a:schemeClr val="dk1"/>
+          </a:lnRef>
+          <a:fillRef idx="0">
+            <a:schemeClr val="dk1"/>
+          </a:fillRef>
+          <a:effectRef idx="0">
+            <a:schemeClr val="dk1"/>
+          </a:effectRef>
+          <a:fontRef idx="minor">
+            <a:schemeClr val="tx1"/>
+          </a:fontRef>
+        </p:style>
+      </p:cxnSp>
+      <p:cxnSp>
+        <p:nvCxnSpPr>
+          <p:cNvPr id="48" name="Straight Arrow Connector 47"/>
+          <p:cNvCxnSpPr/>
+          <p:nvPr/>
+        </p:nvCxnSpPr>
+        <p:spPr>
+          <a:xfrm>
+            <a:off x="7518769" y="5116384"/>
+            <a:ext cx="721895" cy="0"/>
+          </a:xfrm>
+          <a:prstGeom prst="straightConnector1">
+            <a:avLst/>
+          </a:prstGeom>
+          <a:ln>
+            <a:tailEnd type="triangle"/>
+          </a:ln>
+        </p:spPr>
+        <p:style>
+          <a:lnRef idx="1">
+            <a:schemeClr val="dk1"/>
+          </a:lnRef>
+          <a:fillRef idx="0">
+            <a:schemeClr val="dk1"/>
+          </a:fillRef>
+          <a:effectRef idx="0">
+            <a:schemeClr val="dk1"/>
+          </a:effectRef>
+          <a:fontRef idx="minor">
+            <a:schemeClr val="tx1"/>
+          </a:fontRef>
+        </p:style>
+      </p:cxnSp>
+      <p:cxnSp>
+        <p:nvCxnSpPr>
+          <p:cNvPr id="49" name="Straight Arrow Connector 48"/>
+          <p:cNvCxnSpPr/>
+          <p:nvPr/>
+        </p:nvCxnSpPr>
+        <p:spPr>
+          <a:xfrm>
+            <a:off x="7518769" y="6722695"/>
+            <a:ext cx="721895" cy="0"/>
+          </a:xfrm>
+          <a:prstGeom prst="straightConnector1">
+            <a:avLst/>
+          </a:prstGeom>
+          <a:ln>
+            <a:tailEnd type="triangle"/>
+          </a:ln>
+        </p:spPr>
+        <p:style>
+          <a:lnRef idx="1">
+            <a:schemeClr val="dk1"/>
+          </a:lnRef>
+          <a:fillRef idx="0">
+            <a:schemeClr val="dk1"/>
+          </a:fillRef>
+          <a:effectRef idx="0">
+            <a:schemeClr val="dk1"/>
+          </a:effectRef>
+          <a:fontRef idx="minor">
+            <a:schemeClr val="tx1"/>
+          </a:fontRef>
+        </p:style>
+      </p:cxnSp>
+    </p:spTree>
+    <p:extLst>
+      <p:ext uri="{BB962C8B-B14F-4D97-AF65-F5344CB8AC3E}">
+        <p14:creationId xmlns:p14="http://schemas.microsoft.com/office/powerpoint/2010/main" val="668283654"/>
+      </p:ext>
+    </p:extLst>
+  </p:cSld>
+  <p:clrMapOvr>
+    <a:masterClrMapping/>
+  </p:clrMapOvr>
+</p:sld>
+</file>
+
+<file path=ppt/slides/slide11.xml><?xml version="1.0" encoding="utf-8"?>
+<p:sld xmlns:a="http://schemas.openxmlformats.org/drawingml/2006/main" xmlns:r="http://schemas.openxmlformats.org/officeDocument/2006/relationships" xmlns:p="http://schemas.openxmlformats.org/presentationml/2006/main">
+  <p:cSld>
+    <p:spTree>
+      <p:nvGrpSpPr>
+        <p:cNvPr id="1" name=""/>
+        <p:cNvGrpSpPr/>
+        <p:nvPr/>
+      </p:nvGrpSpPr>
+      <p:grpSpPr>
+        <a:xfrm>
+          <a:off x="0" y="0"/>
+          <a:ext cx="0" cy="0"/>
+          <a:chOff x="0" y="0"/>
+          <a:chExt cx="0" cy="0"/>
+        </a:xfrm>
+      </p:grpSpPr>
+      <p:sp>
+        <p:nvSpPr>
+          <p:cNvPr id="2" name="Title 1"/>
+          <p:cNvSpPr>
+            <a:spLocks noGrp="1"/>
+          </p:cNvSpPr>
+          <p:nvPr>
+            <p:ph type="title"/>
+          </p:nvPr>
+        </p:nvSpPr>
+        <p:spPr/>
+        <p:txBody>
+          <a:bodyPr/>
+          <a:lstStyle/>
+          <a:p>
+            <a:r>
+              <a:rPr lang="en-US" dirty="0" smtClean="0"/>
+              <a:t>Convert Regular Expression to Context Free Grammar:</a:t>
+            </a:r>
+            <a:endParaRPr lang="en-US" dirty="0"/>
+          </a:p>
+        </p:txBody>
+      </p:sp>
+      <p:sp>
+        <p:nvSpPr>
+          <p:cNvPr id="11" name="Content Placeholder 2"/>
+          <p:cNvSpPr txBox="1">
+            <a:spLocks/>
+          </p:cNvSpPr>
+          <p:nvPr/>
+        </p:nvSpPr>
+        <p:spPr>
+          <a:xfrm>
+            <a:off x="2599739" y="2133600"/>
+            <a:ext cx="4244725" cy="4724400"/>
+          </a:xfrm>
+          <a:prstGeom prst="rect">
+            <a:avLst/>
+          </a:prstGeom>
+        </p:spPr>
+        <p:txBody>
+          <a:bodyPr vert="horz" lIns="91440" tIns="45720" rIns="91440" bIns="45720" rtlCol="0">
+            <a:noAutofit/>
+          </a:bodyPr>
+          <a:lstStyle>
+            <a:lvl1pPr marL="342900" indent="-342900" algn="l" defTabSz="457200" rtl="0" eaLnBrk="1" latinLnBrk="0" hangingPunct="1">
+              <a:spcBef>
+                <a:spcPts val="1000"/>
+              </a:spcBef>
+              <a:spcAft>
+                <a:spcPts val="0"/>
+              </a:spcAft>
+              <a:buClr>
+                <a:schemeClr val="accent1"/>
+              </a:buClr>
+              <a:buFont typeface="Wingdings 3" charset="2"/>
+              <a:buChar char=""/>
+              <a:defRPr sz="1800" kern="1200">
+                <a:solidFill>
+                  <a:schemeClr val="tx1">
+                    <a:lumMod val="75000"/>
+                    <a:lumOff val="25000"/>
+                  </a:schemeClr>
+                </a:solidFill>
+                <a:latin typeface="+mn-lt"/>
+                <a:ea typeface="+mn-ea"/>
+                <a:cs typeface="+mn-cs"/>
+              </a:defRPr>
+            </a:lvl1pPr>
+            <a:lvl2pPr marL="742950" indent="-285750" algn="l" defTabSz="457200" rtl="0" eaLnBrk="1" latinLnBrk="0" hangingPunct="1">
+              <a:spcBef>
+                <a:spcPts val="1000"/>
+              </a:spcBef>
+              <a:spcAft>
+                <a:spcPts val="0"/>
+              </a:spcAft>
+              <a:buClr>
+                <a:schemeClr val="accent1"/>
+              </a:buClr>
+              <a:buFont typeface="Wingdings 3" charset="2"/>
+              <a:buChar char=""/>
+              <a:defRPr sz="1600" kern="1200">
+                <a:solidFill>
+                  <a:schemeClr val="tx1">
+                    <a:lumMod val="75000"/>
+                    <a:lumOff val="25000"/>
+                  </a:schemeClr>
+                </a:solidFill>
+                <a:latin typeface="+mn-lt"/>
+                <a:ea typeface="+mn-ea"/>
+                <a:cs typeface="+mn-cs"/>
+              </a:defRPr>
+            </a:lvl2pPr>
+            <a:lvl3pPr marL="1143000" indent="-228600" algn="l" defTabSz="457200" rtl="0" eaLnBrk="1" latinLnBrk="0" hangingPunct="1">
+              <a:spcBef>
+                <a:spcPts val="1000"/>
+              </a:spcBef>
+              <a:spcAft>
+                <a:spcPts val="0"/>
+              </a:spcAft>
+              <a:buClr>
+                <a:schemeClr val="accent1"/>
+              </a:buClr>
+              <a:buFont typeface="Wingdings 3" charset="2"/>
+              <a:buChar char=""/>
+              <a:defRPr sz="1400" kern="1200">
+                <a:solidFill>
+                  <a:schemeClr val="tx1">
+                    <a:lumMod val="75000"/>
+                    <a:lumOff val="25000"/>
+                  </a:schemeClr>
+                </a:solidFill>
+                <a:latin typeface="+mn-lt"/>
+                <a:ea typeface="+mn-ea"/>
+                <a:cs typeface="+mn-cs"/>
+              </a:defRPr>
+            </a:lvl3pPr>
+            <a:lvl4pPr marL="1600200" indent="-228600" algn="l" defTabSz="457200" rtl="0" eaLnBrk="1" latinLnBrk="0" hangingPunct="1">
+              <a:spcBef>
+                <a:spcPts val="1000"/>
+              </a:spcBef>
+              <a:spcAft>
+                <a:spcPts val="0"/>
+              </a:spcAft>
+              <a:buClr>
+                <a:schemeClr val="accent1"/>
+              </a:buClr>
+              <a:buFont typeface="Wingdings 3" charset="2"/>
+              <a:buChar char=""/>
+              <a:defRPr sz="1200" kern="1200">
+                <a:solidFill>
+                  <a:schemeClr val="tx1">
+                    <a:lumMod val="75000"/>
+                    <a:lumOff val="25000"/>
+                  </a:schemeClr>
+                </a:solidFill>
+                <a:latin typeface="+mn-lt"/>
+                <a:ea typeface="+mn-ea"/>
+                <a:cs typeface="+mn-cs"/>
+              </a:defRPr>
+            </a:lvl4pPr>
+            <a:lvl5pPr marL="2057400" indent="-228600" algn="l" defTabSz="457200" rtl="0" eaLnBrk="1" latinLnBrk="0" hangingPunct="1">
+              <a:spcBef>
+                <a:spcPts val="1000"/>
+              </a:spcBef>
+              <a:spcAft>
+                <a:spcPts val="0"/>
+              </a:spcAft>
+              <a:buClr>
+                <a:schemeClr val="accent1"/>
+              </a:buClr>
+              <a:buFont typeface="Wingdings 3" charset="2"/>
+              <a:buChar char=""/>
+              <a:defRPr sz="1200" kern="1200">
+                <a:solidFill>
+                  <a:schemeClr val="tx1">
+                    <a:lumMod val="75000"/>
+                    <a:lumOff val="25000"/>
+                  </a:schemeClr>
+                </a:solidFill>
+                <a:latin typeface="+mn-lt"/>
+                <a:ea typeface="+mn-ea"/>
+                <a:cs typeface="+mn-cs"/>
+              </a:defRPr>
+            </a:lvl5pPr>
+            <a:lvl6pPr marL="2514600" indent="-228600" algn="l" defTabSz="457200" rtl="0" eaLnBrk="1" latinLnBrk="0" hangingPunct="1">
+              <a:spcBef>
+                <a:spcPts val="1000"/>
+              </a:spcBef>
+              <a:spcAft>
+                <a:spcPts val="0"/>
+              </a:spcAft>
+              <a:buClr>
+                <a:schemeClr val="accent1"/>
+              </a:buClr>
+              <a:buFont typeface="Wingdings 3" charset="2"/>
+              <a:buChar char=""/>
+              <a:defRPr sz="1200" kern="1200">
+                <a:solidFill>
+                  <a:schemeClr val="tx1">
+                    <a:lumMod val="75000"/>
+                    <a:lumOff val="25000"/>
+                  </a:schemeClr>
+                </a:solidFill>
+                <a:latin typeface="+mn-lt"/>
+                <a:ea typeface="+mn-ea"/>
+                <a:cs typeface="+mn-cs"/>
+              </a:defRPr>
+            </a:lvl6pPr>
+            <a:lvl7pPr marL="2971800" indent="-228600" algn="l" defTabSz="457200" rtl="0" eaLnBrk="1" latinLnBrk="0" hangingPunct="1">
+              <a:spcBef>
+                <a:spcPts val="1000"/>
+              </a:spcBef>
+              <a:spcAft>
+                <a:spcPts val="0"/>
+              </a:spcAft>
+              <a:buClr>
+                <a:schemeClr val="accent1"/>
+              </a:buClr>
+              <a:buFont typeface="Wingdings 3" charset="2"/>
+              <a:buChar char=""/>
+              <a:defRPr sz="1200" kern="1200">
+                <a:solidFill>
+                  <a:schemeClr val="tx1">
+                    <a:lumMod val="75000"/>
+                    <a:lumOff val="25000"/>
+                  </a:schemeClr>
+                </a:solidFill>
+                <a:latin typeface="+mn-lt"/>
+                <a:ea typeface="+mn-ea"/>
+                <a:cs typeface="+mn-cs"/>
+              </a:defRPr>
+            </a:lvl7pPr>
+            <a:lvl8pPr marL="3429000" indent="-228600" algn="l" defTabSz="457200" rtl="0" eaLnBrk="1" latinLnBrk="0" hangingPunct="1">
+              <a:spcBef>
+                <a:spcPts val="1000"/>
+              </a:spcBef>
+              <a:spcAft>
+                <a:spcPts val="0"/>
+              </a:spcAft>
+              <a:buClr>
+                <a:schemeClr val="accent1"/>
+              </a:buClr>
+              <a:buFont typeface="Wingdings 3" charset="2"/>
+              <a:buChar char=""/>
+              <a:defRPr sz="1200" kern="1200">
+                <a:solidFill>
+                  <a:schemeClr val="tx1">
+                    <a:lumMod val="75000"/>
+                    <a:lumOff val="25000"/>
+                  </a:schemeClr>
+                </a:solidFill>
+                <a:latin typeface="+mn-lt"/>
+                <a:ea typeface="+mn-ea"/>
+                <a:cs typeface="+mn-cs"/>
+              </a:defRPr>
+            </a:lvl8pPr>
+            <a:lvl9pPr marL="3886200" indent="-228600" algn="l" defTabSz="457200" rtl="0" eaLnBrk="1" latinLnBrk="0" hangingPunct="1">
+              <a:spcBef>
+                <a:spcPts val="1000"/>
+              </a:spcBef>
+              <a:spcAft>
+                <a:spcPts val="0"/>
+              </a:spcAft>
+              <a:buClr>
+                <a:schemeClr val="accent1"/>
+              </a:buClr>
+              <a:buFont typeface="Wingdings 3" charset="2"/>
+              <a:buChar char=""/>
+              <a:defRPr sz="1200" kern="1200">
+                <a:solidFill>
+                  <a:schemeClr val="tx1">
+                    <a:lumMod val="75000"/>
+                    <a:lumOff val="25000"/>
+                  </a:schemeClr>
+                </a:solidFill>
+                <a:latin typeface="+mn-lt"/>
+                <a:ea typeface="+mn-ea"/>
+                <a:cs typeface="+mn-cs"/>
+              </a:defRPr>
+            </a:lvl9pPr>
+          </a:lstStyle>
+          <a:p>
+            <a:pPr marL="0" indent="0">
+              <a:buNone/>
+            </a:pPr>
+            <a:r>
+              <a:rPr lang="en-US" dirty="0"/>
+              <a:t>	</a:t>
+            </a:r>
+            <a:r>
               <a:rPr lang="en-US" sz="1800" dirty="0" smtClean="0"/>
               <a:t>L		</a:t>
             </a:r>
             <a:r>
-              <a:rPr lang="en-US" sz="1800" dirty="0">
+              <a:rPr lang="en-US" sz="1800" dirty="0" smtClean="0">
                 <a:latin typeface="Century Gothic" panose="020B0502020202020204" pitchFamily="34" charset="0"/>
               </a:rPr>
               <a:t>€</a:t>
             </a:r>
-            <a:endParaRPr lang="en-US" sz="1800" dirty="0"/>
-          </a:p>
-          <a:p>
-            <a:pPr marL="400050" lvl="1" indent="0">
+            <a:endParaRPr lang="en-US" dirty="0"/>
+          </a:p>
+          <a:p>
+            <a:pPr marL="0" indent="0">
               <a:buNone/>
             </a:pPr>
             <a:r>
+              <a:rPr lang="en-US" sz="1800" dirty="0"/>
+              <a:t>	</a:t>
+            </a:r>
+            <a:r>
               <a:rPr lang="en-US" sz="1800" dirty="0" smtClean="0"/>
-              <a:t>L		TRL</a:t>
-            </a:r>
-          </a:p>
-          <a:p>
-            <a:pPr marL="400050" lvl="1" indent="0">
+              <a:t>L		ZRL</a:t>
+            </a:r>
+          </a:p>
+          <a:p>
+            <a:pPr marL="0" indent="0">
               <a:buNone/>
             </a:pPr>
             <a:r>
+              <a:rPr lang="en-US" dirty="0"/>
+              <a:t>	</a:t>
+            </a:r>
+            <a:r>
               <a:rPr lang="en-US" sz="1800" dirty="0" smtClean="0"/>
-              <a:t>L		RTL</a:t>
-            </a:r>
-          </a:p>
-          <a:p>
-            <a:pPr marL="400050" lvl="1" indent="0">
+              <a:t>L		RZL</a:t>
+            </a:r>
+          </a:p>
+          <a:p>
+            <a:pPr marL="0" indent="0">
               <a:buNone/>
             </a:pPr>
             <a:r>
-              <a:rPr lang="en-US" sz="1800" dirty="0"/>
-              <a:t>T</a:t>
+              <a:rPr lang="en-US" dirty="0"/>
+              <a:t>	</a:t>
             </a:r>
             <a:r>
               <a:rPr lang="en-US" sz="1800" dirty="0" smtClean="0"/>
-              <a:t>		a</a:t>
-            </a:r>
-          </a:p>
-          <a:p>
-            <a:pPr marL="400050" lvl="1" indent="0">
+              <a:t>R		b</a:t>
+            </a:r>
+          </a:p>
+          <a:p>
+            <a:pPr marL="0" indent="0">
               <a:buNone/>
             </a:pPr>
             <a:r>
-              <a:rPr lang="en-US" sz="1800" dirty="0"/>
-              <a:t>R</a:t>
-            </a:r>
-            <a:r>
-              <a:rPr lang="en-US" sz="1800" dirty="0" smtClean="0"/>
-              <a:t>		b</a:t>
-            </a:r>
-          </a:p>
-          <a:p>
-            <a:pPr marL="400050" lvl="1" indent="0">
+              <a:rPr lang="en-US" dirty="0" smtClean="0"/>
+              <a:t>	Z</a:t>
+            </a:r>
+            <a:r>
+              <a:rPr lang="en-US" dirty="0"/>
+              <a:t>		a</a:t>
+            </a:r>
+          </a:p>
+          <a:p>
+            <a:pPr marL="0" indent="0">
               <a:buNone/>
             </a:pPr>
-            <a:r>
-              <a:rPr lang="en-US" sz="1800" dirty="0" smtClean="0"/>
-              <a:t>N		B</a:t>
-            </a:r>
-            <a:endParaRPr lang="en-US" sz="1800" dirty="0"/>
+            <a:endParaRPr lang="en-US" sz="1800" dirty="0" smtClean="0"/>
+          </a:p>
+          <a:p>
+            <a:pPr marL="0" indent="0">
+              <a:buNone/>
+            </a:pPr>
+            <a:r>
+              <a:rPr lang="en-US" dirty="0"/>
+              <a:t>	</a:t>
+            </a:r>
+            <a:endParaRPr lang="en-US" sz="1800" dirty="0" smtClean="0"/>
           </a:p>
           <a:p>
             <a:pPr marL="400050" lvl="1" indent="0">
@@ -8996,13 +9987,6 @@
             <a:endParaRPr lang="en-US" sz="1800" dirty="0" smtClean="0"/>
           </a:p>
           <a:p>
-            <a:pPr marL="400050" lvl="1" indent="0">
-              <a:buFont typeface="Wingdings 3" charset="2"/>
-              <a:buNone/>
-            </a:pPr>
-            <a:endParaRPr lang="en-US" sz="1800" dirty="0" smtClean="0"/>
-          </a:p>
-          <a:p>
             <a:pPr>
               <a:buFont typeface="+mj-lt"/>
               <a:buAutoNum type="arabicPeriod" startAt="8"/>
@@ -9018,6 +10002,910 @@
           </a:p>
         </p:txBody>
       </p:sp>
+      <p:cxnSp>
+        <p:nvCxnSpPr>
+          <p:cNvPr id="14" name="Straight Arrow Connector 13"/>
+          <p:cNvCxnSpPr/>
+          <p:nvPr/>
+        </p:nvCxnSpPr>
+        <p:spPr>
+          <a:xfrm>
+            <a:off x="3322120" y="2314811"/>
+            <a:ext cx="721895" cy="0"/>
+          </a:xfrm>
+          <a:prstGeom prst="straightConnector1">
+            <a:avLst/>
+          </a:prstGeom>
+          <a:ln>
+            <a:tailEnd type="triangle"/>
+          </a:ln>
+        </p:spPr>
+        <p:style>
+          <a:lnRef idx="1">
+            <a:schemeClr val="dk1"/>
+          </a:lnRef>
+          <a:fillRef idx="0">
+            <a:schemeClr val="dk1"/>
+          </a:fillRef>
+          <a:effectRef idx="0">
+            <a:schemeClr val="dk1"/>
+          </a:effectRef>
+          <a:fontRef idx="minor">
+            <a:schemeClr val="tx1"/>
+          </a:fontRef>
+        </p:style>
+      </p:cxnSp>
+      <p:cxnSp>
+        <p:nvCxnSpPr>
+          <p:cNvPr id="19" name="Straight Arrow Connector 18"/>
+          <p:cNvCxnSpPr/>
+          <p:nvPr/>
+        </p:nvCxnSpPr>
+        <p:spPr>
+          <a:xfrm>
+            <a:off x="3322120" y="3894738"/>
+            <a:ext cx="721895" cy="0"/>
+          </a:xfrm>
+          <a:prstGeom prst="straightConnector1">
+            <a:avLst/>
+          </a:prstGeom>
+          <a:ln>
+            <a:tailEnd type="triangle"/>
+          </a:ln>
+        </p:spPr>
+        <p:style>
+          <a:lnRef idx="1">
+            <a:schemeClr val="dk1"/>
+          </a:lnRef>
+          <a:fillRef idx="0">
+            <a:schemeClr val="dk1"/>
+          </a:fillRef>
+          <a:effectRef idx="0">
+            <a:schemeClr val="dk1"/>
+          </a:effectRef>
+          <a:fontRef idx="minor">
+            <a:schemeClr val="tx1"/>
+          </a:fontRef>
+        </p:style>
+      </p:cxnSp>
+      <p:cxnSp>
+        <p:nvCxnSpPr>
+          <p:cNvPr id="20" name="Straight Arrow Connector 19"/>
+          <p:cNvCxnSpPr/>
+          <p:nvPr/>
+        </p:nvCxnSpPr>
+        <p:spPr>
+          <a:xfrm>
+            <a:off x="3294824" y="3121489"/>
+            <a:ext cx="721895" cy="0"/>
+          </a:xfrm>
+          <a:prstGeom prst="straightConnector1">
+            <a:avLst/>
+          </a:prstGeom>
+          <a:ln>
+            <a:tailEnd type="triangle"/>
+          </a:ln>
+        </p:spPr>
+        <p:style>
+          <a:lnRef idx="1">
+            <a:schemeClr val="dk1"/>
+          </a:lnRef>
+          <a:fillRef idx="0">
+            <a:schemeClr val="dk1"/>
+          </a:fillRef>
+          <a:effectRef idx="0">
+            <a:schemeClr val="dk1"/>
+          </a:effectRef>
+          <a:fontRef idx="minor">
+            <a:schemeClr val="tx1"/>
+          </a:fontRef>
+        </p:style>
+      </p:cxnSp>
+      <p:cxnSp>
+        <p:nvCxnSpPr>
+          <p:cNvPr id="21" name="Straight Arrow Connector 20"/>
+          <p:cNvCxnSpPr/>
+          <p:nvPr/>
+        </p:nvCxnSpPr>
+        <p:spPr>
+          <a:xfrm>
+            <a:off x="3294824" y="3524166"/>
+            <a:ext cx="721895" cy="0"/>
+          </a:xfrm>
+          <a:prstGeom prst="straightConnector1">
+            <a:avLst/>
+          </a:prstGeom>
+          <a:ln>
+            <a:tailEnd type="triangle"/>
+          </a:ln>
+        </p:spPr>
+        <p:style>
+          <a:lnRef idx="1">
+            <a:schemeClr val="dk1"/>
+          </a:lnRef>
+          <a:fillRef idx="0">
+            <a:schemeClr val="dk1"/>
+          </a:fillRef>
+          <a:effectRef idx="0">
+            <a:schemeClr val="dk1"/>
+          </a:effectRef>
+          <a:fontRef idx="minor">
+            <a:schemeClr val="tx1"/>
+          </a:fontRef>
+        </p:style>
+      </p:cxnSp>
+      <p:cxnSp>
+        <p:nvCxnSpPr>
+          <p:cNvPr id="23" name="Straight Arrow Connector 22"/>
+          <p:cNvCxnSpPr/>
+          <p:nvPr/>
+        </p:nvCxnSpPr>
+        <p:spPr>
+          <a:xfrm>
+            <a:off x="3294824" y="2723205"/>
+            <a:ext cx="721895" cy="0"/>
+          </a:xfrm>
+          <a:prstGeom prst="straightConnector1">
+            <a:avLst/>
+          </a:prstGeom>
+          <a:ln>
+            <a:tailEnd type="triangle"/>
+          </a:ln>
+        </p:spPr>
+        <p:style>
+          <a:lnRef idx="1">
+            <a:schemeClr val="dk1"/>
+          </a:lnRef>
+          <a:fillRef idx="0">
+            <a:schemeClr val="dk1"/>
+          </a:fillRef>
+          <a:effectRef idx="0">
+            <a:schemeClr val="dk1"/>
+          </a:effectRef>
+          <a:fontRef idx="minor">
+            <a:schemeClr val="tx1"/>
+          </a:fontRef>
+        </p:style>
+      </p:cxnSp>
+    </p:spTree>
+    <p:extLst>
+      <p:ext uri="{BB962C8B-B14F-4D97-AF65-F5344CB8AC3E}">
+        <p14:creationId xmlns:p14="http://schemas.microsoft.com/office/powerpoint/2010/main" val="379863520"/>
+      </p:ext>
+    </p:extLst>
+  </p:cSld>
+  <p:clrMapOvr>
+    <a:masterClrMapping/>
+  </p:clrMapOvr>
+</p:sld>
+</file>
+
+<file path=ppt/slides/slide12.xml><?xml version="1.0" encoding="utf-8"?>
+<p:sld xmlns:a="http://schemas.openxmlformats.org/drawingml/2006/main" xmlns:r="http://schemas.openxmlformats.org/officeDocument/2006/relationships" xmlns:p="http://schemas.openxmlformats.org/presentationml/2006/main">
+  <p:cSld>
+    <p:spTree>
+      <p:nvGrpSpPr>
+        <p:cNvPr id="1" name=""/>
+        <p:cNvGrpSpPr/>
+        <p:nvPr/>
+      </p:nvGrpSpPr>
+      <p:grpSpPr>
+        <a:xfrm>
+          <a:off x="0" y="0"/>
+          <a:ext cx="0" cy="0"/>
+          <a:chOff x="0" y="0"/>
+          <a:chExt cx="0" cy="0"/>
+        </a:xfrm>
+      </p:grpSpPr>
+      <p:sp>
+        <p:nvSpPr>
+          <p:cNvPr id="2" name="Title 1"/>
+          <p:cNvSpPr>
+            <a:spLocks noGrp="1"/>
+          </p:cNvSpPr>
+          <p:nvPr>
+            <p:ph type="title"/>
+          </p:nvPr>
+        </p:nvSpPr>
+        <p:spPr/>
+        <p:txBody>
+          <a:bodyPr/>
+          <a:lstStyle/>
+          <a:p>
+            <a:r>
+              <a:rPr lang="en-US" dirty="0" smtClean="0"/>
+              <a:t>Leftmost Derivations:</a:t>
+            </a:r>
+            <a:endParaRPr lang="en-US" dirty="0"/>
+          </a:p>
+        </p:txBody>
+      </p:sp>
+      <mc:AlternateContent xmlns:mc="http://schemas.openxmlformats.org/markup-compatibility/2006" xmlns:a14="http://schemas.microsoft.com/office/drawing/2010/main">
+        <mc:Choice Requires="a14">
+          <p:sp>
+            <p:nvSpPr>
+              <p:cNvPr id="3" name="Content Placeholder 2"/>
+              <p:cNvSpPr>
+                <a:spLocks noGrp="1"/>
+              </p:cNvSpPr>
+              <p:nvPr>
+                <p:ph idx="1"/>
+              </p:nvPr>
+            </p:nvSpPr>
+            <p:spPr>
+              <a:xfrm>
+                <a:off x="2589212" y="2133600"/>
+                <a:ext cx="8915400" cy="4724400"/>
+              </a:xfrm>
+            </p:spPr>
+            <p:txBody>
+              <a:bodyPr>
+                <a:normAutofit/>
+              </a:bodyPr>
+              <a:lstStyle/>
+              <a:p>
+                <a:r>
+                  <a:rPr lang="en-US" dirty="0"/>
+                  <a:t>A derivation is said to be </a:t>
+                </a:r>
+                <a:r>
+                  <a:rPr lang="en-US" b="1" dirty="0" smtClean="0"/>
+                  <a:t>Leftmost Derivations, </a:t>
+                </a:r>
+                <a:r>
+                  <a:rPr lang="en-US" dirty="0"/>
+                  <a:t>if in each step the leftmost variable in the sentential form </a:t>
+                </a:r>
+                <a:r>
+                  <a:rPr lang="en-US" dirty="0" smtClean="0"/>
+                  <a:t>is replaced</a:t>
+                </a:r>
+                <a:r>
+                  <a:rPr lang="en-US" dirty="0"/>
+                  <a:t>. </a:t>
+                </a:r>
+                <a:endParaRPr lang="en-US" dirty="0" smtClean="0"/>
+              </a:p>
+              <a:p>
+                <a:endParaRPr lang="en-US" dirty="0">
+                  <a:latin typeface="Century Gothic" panose="020B0502020202020204" pitchFamily="34" charset="0"/>
+                </a:endParaRPr>
+              </a:p>
+              <a:p>
+                <a:r>
+                  <a:rPr lang="en-US" dirty="0" smtClean="0">
+                    <a:latin typeface="Century Gothic" panose="020B0502020202020204" pitchFamily="34" charset="0"/>
+                  </a:rPr>
+                  <a:t>G</a:t>
+                </a:r>
+                <a:r>
+                  <a:rPr lang="en-US" dirty="0">
+                    <a:latin typeface="Century Gothic" panose="020B0502020202020204" pitchFamily="34" charset="0"/>
+                  </a:rPr>
+                  <a:t>= </a:t>
+                </a:r>
+                <a:r>
+                  <a:rPr lang="en-US" dirty="0" smtClean="0">
+                    <a:latin typeface="Century Gothic" panose="020B0502020202020204" pitchFamily="34" charset="0"/>
+                  </a:rPr>
+                  <a:t>({S,A,B},{</a:t>
+                </a:r>
+                <a:r>
+                  <a:rPr lang="en-US" dirty="0" err="1" smtClean="0">
+                    <a:latin typeface="Century Gothic" panose="020B0502020202020204" pitchFamily="34" charset="0"/>
+                  </a:rPr>
+                  <a:t>a,b</a:t>
+                </a:r>
+                <a:r>
+                  <a:rPr lang="en-US" dirty="0" smtClean="0">
+                    <a:latin typeface="Century Gothic" panose="020B0502020202020204" pitchFamily="34" charset="0"/>
+                  </a:rPr>
+                  <a:t>},S,(S     AB, </a:t>
+                </a:r>
+                <a:r>
+                  <a:rPr lang="en-US" dirty="0">
+                    <a:latin typeface="Century Gothic" panose="020B0502020202020204" pitchFamily="34" charset="0"/>
+                  </a:rPr>
+                  <a:t>A    </a:t>
+                </a:r>
+                <a:r>
+                  <a:rPr lang="en-US" dirty="0" smtClean="0">
+                    <a:latin typeface="Century Gothic" panose="020B0502020202020204" pitchFamily="34" charset="0"/>
+                  </a:rPr>
+                  <a:t> </a:t>
+                </a:r>
+                <a:r>
+                  <a:rPr lang="en-US" dirty="0" err="1" smtClean="0">
+                    <a:latin typeface="Century Gothic" panose="020B0502020202020204" pitchFamily="34" charset="0"/>
+                  </a:rPr>
+                  <a:t>aaA</a:t>
+                </a:r>
+                <a:r>
+                  <a:rPr lang="en-US" dirty="0" smtClean="0">
+                    <a:latin typeface="Century Gothic" panose="020B0502020202020204" pitchFamily="34" charset="0"/>
+                  </a:rPr>
+                  <a:t>|€, B</a:t>
+                </a:r>
+                <a:r>
+                  <a:rPr lang="en-US" dirty="0">
+                    <a:latin typeface="Century Gothic" panose="020B0502020202020204" pitchFamily="34" charset="0"/>
+                  </a:rPr>
+                  <a:t> </a:t>
+                </a:r>
+                <a:r>
+                  <a:rPr lang="en-US" dirty="0" smtClean="0">
+                    <a:latin typeface="Century Gothic" panose="020B0502020202020204" pitchFamily="34" charset="0"/>
+                  </a:rPr>
+                  <a:t>    Bb|€))</a:t>
+                </a:r>
+                <a:endParaRPr lang="en-US" dirty="0">
+                  <a:latin typeface="Century Gothic" panose="020B0502020202020204" pitchFamily="34" charset="0"/>
+                </a:endParaRPr>
+              </a:p>
+              <a:p>
+                <a:r>
+                  <a:rPr lang="en-US" dirty="0">
+                    <a:latin typeface="Century Gothic" panose="020B0502020202020204" pitchFamily="34" charset="0"/>
+                  </a:rPr>
+                  <a:t>S		</a:t>
+                </a:r>
+                <a:r>
+                  <a:rPr lang="en-US" dirty="0" smtClean="0">
+                    <a:latin typeface="Century Gothic" panose="020B0502020202020204" pitchFamily="34" charset="0"/>
+                  </a:rPr>
+                  <a:t>AB</a:t>
+                </a:r>
+                <a:endParaRPr lang="en-US" dirty="0">
+                  <a:latin typeface="Century Gothic" panose="020B0502020202020204" pitchFamily="34" charset="0"/>
+                </a:endParaRPr>
+              </a:p>
+              <a:p>
+                <a:r>
+                  <a:rPr lang="en-US" dirty="0">
+                    <a:latin typeface="Century Gothic" panose="020B0502020202020204" pitchFamily="34" charset="0"/>
+                  </a:rPr>
+                  <a:t>S		</a:t>
+                </a:r>
+                <a:r>
+                  <a:rPr lang="en-US" dirty="0" err="1" smtClean="0">
+                    <a:latin typeface="Century Gothic" panose="020B0502020202020204" pitchFamily="34" charset="0"/>
+                  </a:rPr>
+                  <a:t>aaAB</a:t>
+                </a:r>
+                <a:r>
+                  <a:rPr lang="en-US" dirty="0">
+                    <a:latin typeface="Century Gothic" panose="020B0502020202020204" pitchFamily="34" charset="0"/>
+                  </a:rPr>
+                  <a:t>		(by production rule  A 	</a:t>
+                </a:r>
+                <a:r>
+                  <a:rPr lang="en-US" dirty="0" err="1" smtClean="0">
+                    <a:latin typeface="Century Gothic" panose="020B0502020202020204" pitchFamily="34" charset="0"/>
+                  </a:rPr>
+                  <a:t>aaA</a:t>
+                </a:r>
+                <a:r>
+                  <a:rPr lang="en-US" dirty="0" smtClean="0">
+                    <a:latin typeface="Century Gothic" panose="020B0502020202020204" pitchFamily="34" charset="0"/>
+                  </a:rPr>
+                  <a:t>)</a:t>
+                </a:r>
+                <a:endParaRPr lang="en-US" dirty="0">
+                  <a:latin typeface="Century Gothic" panose="020B0502020202020204" pitchFamily="34" charset="0"/>
+                </a:endParaRPr>
+              </a:p>
+              <a:p>
+                <a:r>
+                  <a:rPr lang="en-US" dirty="0">
+                    <a:latin typeface="Century Gothic" panose="020B0502020202020204" pitchFamily="34" charset="0"/>
+                  </a:rPr>
+                  <a:t>S		</a:t>
+                </a:r>
+                <a:r>
+                  <a:rPr lang="en-US" dirty="0" err="1" smtClean="0">
+                    <a:latin typeface="Century Gothic" panose="020B0502020202020204" pitchFamily="34" charset="0"/>
+                  </a:rPr>
+                  <a:t>aaB</a:t>
+                </a:r>
+                <a:r>
+                  <a:rPr lang="en-US" dirty="0" smtClean="0">
+                    <a:latin typeface="Century Gothic" panose="020B0502020202020204" pitchFamily="34" charset="0"/>
+                  </a:rPr>
+                  <a:t>		</a:t>
+                </a:r>
+                <a:r>
+                  <a:rPr lang="en-US" dirty="0">
+                    <a:latin typeface="Century Gothic" panose="020B0502020202020204" pitchFamily="34" charset="0"/>
+                  </a:rPr>
+                  <a:t>	(by production rule  A 	 €</a:t>
+                </a:r>
+                <a:r>
+                  <a:rPr lang="en-US" dirty="0" smtClean="0">
+                    <a:latin typeface="Century Gothic" panose="020B0502020202020204" pitchFamily="34" charset="0"/>
+                  </a:rPr>
+                  <a:t>)</a:t>
+                </a:r>
+                <a:endParaRPr lang="en-US" dirty="0">
+                  <a:latin typeface="Century Gothic" panose="020B0502020202020204" pitchFamily="34" charset="0"/>
+                </a:endParaRPr>
+              </a:p>
+              <a:p>
+                <a:r>
+                  <a:rPr lang="en-US" dirty="0">
+                    <a:latin typeface="Century Gothic" panose="020B0502020202020204" pitchFamily="34" charset="0"/>
+                  </a:rPr>
+                  <a:t>S		</a:t>
+                </a:r>
+                <a:r>
+                  <a:rPr lang="en-US" dirty="0" err="1" smtClean="0">
+                    <a:latin typeface="Century Gothic" panose="020B0502020202020204" pitchFamily="34" charset="0"/>
+                  </a:rPr>
+                  <a:t>aaBb</a:t>
+                </a:r>
+                <a:r>
+                  <a:rPr lang="en-US" dirty="0">
+                    <a:latin typeface="Century Gothic" panose="020B0502020202020204" pitchFamily="34" charset="0"/>
+                  </a:rPr>
+                  <a:t>	</a:t>
+                </a:r>
+                <a:r>
+                  <a:rPr lang="en-US" dirty="0" smtClean="0">
+                    <a:latin typeface="Century Gothic" panose="020B0502020202020204" pitchFamily="34" charset="0"/>
+                  </a:rPr>
+                  <a:t>	(</a:t>
+                </a:r>
+                <a:r>
+                  <a:rPr lang="en-US" dirty="0">
+                    <a:latin typeface="Century Gothic" panose="020B0502020202020204" pitchFamily="34" charset="0"/>
+                  </a:rPr>
+                  <a:t>by production rule  </a:t>
+                </a:r>
+                <a:r>
+                  <a:rPr lang="en-US" dirty="0" smtClean="0">
+                    <a:latin typeface="Century Gothic" panose="020B0502020202020204" pitchFamily="34" charset="0"/>
+                  </a:rPr>
+                  <a:t>B </a:t>
+                </a:r>
+                <a:r>
+                  <a:rPr lang="en-US" dirty="0">
+                    <a:latin typeface="Century Gothic" panose="020B0502020202020204" pitchFamily="34" charset="0"/>
+                  </a:rPr>
+                  <a:t>	 </a:t>
+                </a:r>
+                <a:r>
+                  <a:rPr lang="en-US" dirty="0" smtClean="0">
+                    <a:latin typeface="Century Gothic" panose="020B0502020202020204" pitchFamily="34" charset="0"/>
+                  </a:rPr>
+                  <a:t>Bb)</a:t>
+                </a:r>
+                <a:endParaRPr lang="en-US" dirty="0">
+                  <a:latin typeface="Century Gothic" panose="020B0502020202020204" pitchFamily="34" charset="0"/>
+                </a:endParaRPr>
+              </a:p>
+              <a:p>
+                <a:r>
+                  <a:rPr lang="en-US" dirty="0">
+                    <a:latin typeface="Century Gothic" panose="020B0502020202020204" pitchFamily="34" charset="0"/>
+                  </a:rPr>
+                  <a:t>S		</a:t>
+                </a:r>
+                <a:r>
+                  <a:rPr lang="en-US" dirty="0" smtClean="0">
+                    <a:latin typeface="Century Gothic" panose="020B0502020202020204" pitchFamily="34" charset="0"/>
+                  </a:rPr>
+                  <a:t>aab		</a:t>
+                </a:r>
+                <a:r>
+                  <a:rPr lang="en-US" dirty="0">
+                    <a:latin typeface="Century Gothic" panose="020B0502020202020204" pitchFamily="34" charset="0"/>
+                  </a:rPr>
+                  <a:t>(by production rule  B 	 €)</a:t>
+                </a:r>
+              </a:p>
+              <a:p>
+                <a:r>
+                  <a:rPr lang="en-US" dirty="0">
+                    <a:latin typeface="Century Gothic" panose="020B0502020202020204" pitchFamily="34" charset="0"/>
+                  </a:rPr>
+                  <a:t>S		</a:t>
+                </a:r>
+                <a14:m>
+                  <m:oMath xmlns:m="http://schemas.openxmlformats.org/officeDocument/2006/math">
+                    <m:sSup>
+                      <m:sSupPr>
+                        <m:ctrlPr>
+                          <a:rPr lang="en-US" i="1">
+                            <a:latin typeface="Cambria Math" panose="02040503050406030204" pitchFamily="18" charset="0"/>
+                          </a:rPr>
+                        </m:ctrlPr>
+                      </m:sSupPr>
+                      <m:e>
+                        <m:r>
+                          <m:rPr>
+                            <m:sty m:val="p"/>
+                          </m:rPr>
+                          <a:rPr lang="en-US">
+                            <a:latin typeface="Cambria Math" panose="02040503050406030204" pitchFamily="18" charset="0"/>
+                          </a:rPr>
+                          <m:t>a</m:t>
+                        </m:r>
+                      </m:e>
+                      <m:sup>
+                        <m:r>
+                          <a:rPr lang="en-US">
+                            <a:latin typeface="Cambria Math" panose="02040503050406030204" pitchFamily="18" charset="0"/>
+                          </a:rPr>
+                          <m:t>2</m:t>
+                        </m:r>
+                      </m:sup>
+                    </m:sSup>
+                    <m:sSup>
+                      <m:sSupPr>
+                        <m:ctrlPr>
+                          <a:rPr lang="en-US" i="1">
+                            <a:latin typeface="Cambria Math" panose="02040503050406030204" pitchFamily="18" charset="0"/>
+                          </a:rPr>
+                        </m:ctrlPr>
+                      </m:sSupPr>
+                      <m:e>
+                        <m:r>
+                          <m:rPr>
+                            <m:sty m:val="p"/>
+                          </m:rPr>
+                          <a:rPr lang="en-US">
+                            <a:latin typeface="Cambria Math" panose="02040503050406030204" pitchFamily="18" charset="0"/>
+                          </a:rPr>
+                          <m:t>b</m:t>
+                        </m:r>
+                      </m:e>
+                      <m:sup/>
+                    </m:sSup>
+                  </m:oMath>
+                </a14:m>
+                <a:r>
+                  <a:rPr lang="en-US" dirty="0"/>
+                  <a:t>		</a:t>
+                </a:r>
+                <a14:m>
+                  <m:oMath xmlns:m="http://schemas.openxmlformats.org/officeDocument/2006/math">
+                    <m:sSup>
+                      <m:sSupPr>
+                        <m:ctrlPr>
+                          <a:rPr lang="en-US" i="1">
+                            <a:latin typeface="Cambria Math" panose="02040503050406030204" pitchFamily="18" charset="0"/>
+                          </a:rPr>
+                        </m:ctrlPr>
+                      </m:sSupPr>
+                      <m:e>
+                        <m:r>
+                          <m:rPr>
+                            <m:sty m:val="p"/>
+                          </m:rPr>
+                          <a:rPr lang="en-US">
+                            <a:latin typeface="Cambria Math" panose="02040503050406030204" pitchFamily="18" charset="0"/>
+                          </a:rPr>
+                          <m:t>a</m:t>
+                        </m:r>
+                      </m:e>
+                      <m:sup>
+                        <m:r>
+                          <m:rPr>
+                            <m:sty m:val="p"/>
+                          </m:rPr>
+                          <a:rPr lang="en-US">
+                            <a:latin typeface="Cambria Math" panose="02040503050406030204" pitchFamily="18" charset="0"/>
+                          </a:rPr>
+                          <m:t>n</m:t>
+                        </m:r>
+                      </m:sup>
+                    </m:sSup>
+                    <m:sSup>
+                      <m:sSupPr>
+                        <m:ctrlPr>
+                          <a:rPr lang="en-US" i="1">
+                            <a:latin typeface="Cambria Math" panose="02040503050406030204" pitchFamily="18" charset="0"/>
+                          </a:rPr>
+                        </m:ctrlPr>
+                      </m:sSupPr>
+                      <m:e>
+                        <m:r>
+                          <m:rPr>
+                            <m:sty m:val="p"/>
+                          </m:rPr>
+                          <a:rPr lang="en-US">
+                            <a:latin typeface="Cambria Math" panose="02040503050406030204" pitchFamily="18" charset="0"/>
+                          </a:rPr>
+                          <m:t>b</m:t>
+                        </m:r>
+                      </m:e>
+                      <m:sup>
+                        <m:r>
+                          <m:rPr>
+                            <m:sty m:val="p"/>
+                          </m:rPr>
+                          <a:rPr lang="en-US">
+                            <a:latin typeface="Cambria Math" panose="02040503050406030204" pitchFamily="18" charset="0"/>
+                          </a:rPr>
+                          <m:t>m</m:t>
+                        </m:r>
+                      </m:sup>
+                    </m:sSup>
+                  </m:oMath>
+                </a14:m>
+                <a:endParaRPr lang="en-US" dirty="0"/>
+              </a:p>
+            </p:txBody>
+          </p:sp>
+        </mc:Choice>
+        <mc:Fallback xmlns="">
+          <p:sp>
+            <p:nvSpPr>
+              <p:cNvPr id="3" name="Content Placeholder 2"/>
+              <p:cNvSpPr>
+                <a:spLocks noGrp="1" noRot="1" noChangeAspect="1" noMove="1" noResize="1" noEditPoints="1" noAdjustHandles="1" noChangeArrowheads="1" noChangeShapeType="1" noTextEdit="1"/>
+              </p:cNvSpPr>
+              <p:nvPr>
+                <p:ph idx="1"/>
+              </p:nvPr>
+            </p:nvSpPr>
+            <p:spPr>
+              <a:xfrm>
+                <a:off x="2589212" y="2133600"/>
+                <a:ext cx="8915400" cy="4724400"/>
+              </a:xfrm>
+              <a:blipFill rotWithShape="0">
+                <a:blip r:embed="rId2"/>
+                <a:stretch>
+                  <a:fillRect l="-479" t="-645"/>
+                </a:stretch>
+              </a:blipFill>
+            </p:spPr>
+            <p:txBody>
+              <a:bodyPr/>
+              <a:lstStyle/>
+              <a:p>
+                <a:r>
+                  <a:rPr lang="en-US">
+                    <a:noFill/>
+                  </a:rPr>
+                  <a:t> </a:t>
+                </a:r>
+              </a:p>
+            </p:txBody>
+          </p:sp>
+        </mc:Fallback>
+      </mc:AlternateContent>
+      <p:cxnSp>
+        <p:nvCxnSpPr>
+          <p:cNvPr id="4" name="Straight Arrow Connector 3"/>
+          <p:cNvCxnSpPr/>
+          <p:nvPr/>
+        </p:nvCxnSpPr>
+        <p:spPr>
+          <a:xfrm>
+            <a:off x="5316433" y="3407637"/>
+            <a:ext cx="209550" cy="0"/>
+          </a:xfrm>
+          <a:prstGeom prst="straightConnector1">
+            <a:avLst/>
+          </a:prstGeom>
+          <a:ln>
+            <a:tailEnd type="triangle"/>
+          </a:ln>
+        </p:spPr>
+        <p:style>
+          <a:lnRef idx="1">
+            <a:schemeClr val="dk1"/>
+          </a:lnRef>
+          <a:fillRef idx="0">
+            <a:schemeClr val="dk1"/>
+          </a:fillRef>
+          <a:effectRef idx="0">
+            <a:schemeClr val="dk1"/>
+          </a:effectRef>
+          <a:fontRef idx="minor">
+            <a:schemeClr val="tx1"/>
+          </a:fontRef>
+        </p:style>
+      </p:cxnSp>
+      <p:cxnSp>
+        <p:nvCxnSpPr>
+          <p:cNvPr id="5" name="Straight Arrow Connector 4"/>
+          <p:cNvCxnSpPr/>
+          <p:nvPr/>
+        </p:nvCxnSpPr>
+        <p:spPr>
+          <a:xfrm>
+            <a:off x="6247160" y="3407637"/>
+            <a:ext cx="209550" cy="0"/>
+          </a:xfrm>
+          <a:prstGeom prst="straightConnector1">
+            <a:avLst/>
+          </a:prstGeom>
+          <a:ln>
+            <a:tailEnd type="triangle"/>
+          </a:ln>
+        </p:spPr>
+        <p:style>
+          <a:lnRef idx="1">
+            <a:schemeClr val="dk1"/>
+          </a:lnRef>
+          <a:fillRef idx="0">
+            <a:schemeClr val="dk1"/>
+          </a:fillRef>
+          <a:effectRef idx="0">
+            <a:schemeClr val="dk1"/>
+          </a:effectRef>
+          <a:fontRef idx="minor">
+            <a:schemeClr val="tx1"/>
+          </a:fontRef>
+        </p:style>
+      </p:cxnSp>
+      <p:cxnSp>
+        <p:nvCxnSpPr>
+          <p:cNvPr id="7" name="Straight Arrow Connector 6"/>
+          <p:cNvCxnSpPr/>
+          <p:nvPr/>
+        </p:nvCxnSpPr>
+        <p:spPr>
+          <a:xfrm>
+            <a:off x="3244516" y="3753894"/>
+            <a:ext cx="721895" cy="0"/>
+          </a:xfrm>
+          <a:prstGeom prst="straightConnector1">
+            <a:avLst/>
+          </a:prstGeom>
+          <a:ln>
+            <a:tailEnd type="triangle"/>
+          </a:ln>
+        </p:spPr>
+        <p:style>
+          <a:lnRef idx="1">
+            <a:schemeClr val="dk1"/>
+          </a:lnRef>
+          <a:fillRef idx="0">
+            <a:schemeClr val="dk1"/>
+          </a:fillRef>
+          <a:effectRef idx="0">
+            <a:schemeClr val="dk1"/>
+          </a:effectRef>
+          <a:fontRef idx="minor">
+            <a:schemeClr val="tx1"/>
+          </a:fontRef>
+        </p:style>
+      </p:cxnSp>
+      <p:cxnSp>
+        <p:nvCxnSpPr>
+          <p:cNvPr id="8" name="Straight Arrow Connector 7"/>
+          <p:cNvCxnSpPr/>
+          <p:nvPr/>
+        </p:nvCxnSpPr>
+        <p:spPr>
+          <a:xfrm>
+            <a:off x="7911766" y="5392412"/>
+            <a:ext cx="209550" cy="0"/>
+          </a:xfrm>
+          <a:prstGeom prst="straightConnector1">
+            <a:avLst/>
+          </a:prstGeom>
+          <a:ln>
+            <a:tailEnd type="triangle"/>
+          </a:ln>
+        </p:spPr>
+        <p:style>
+          <a:lnRef idx="1">
+            <a:schemeClr val="dk1"/>
+          </a:lnRef>
+          <a:fillRef idx="0">
+            <a:schemeClr val="dk1"/>
+          </a:fillRef>
+          <a:effectRef idx="0">
+            <a:schemeClr val="dk1"/>
+          </a:effectRef>
+          <a:fontRef idx="minor">
+            <a:schemeClr val="tx1"/>
+          </a:fontRef>
+        </p:style>
+      </p:cxnSp>
+      <p:cxnSp>
+        <p:nvCxnSpPr>
+          <p:cNvPr id="9" name="Straight Arrow Connector 8"/>
+          <p:cNvCxnSpPr/>
+          <p:nvPr/>
+        </p:nvCxnSpPr>
+        <p:spPr>
+          <a:xfrm>
+            <a:off x="3244516" y="4188416"/>
+            <a:ext cx="721895" cy="0"/>
+          </a:xfrm>
+          <a:prstGeom prst="straightConnector1">
+            <a:avLst/>
+          </a:prstGeom>
+          <a:ln>
+            <a:tailEnd type="triangle"/>
+          </a:ln>
+        </p:spPr>
+        <p:style>
+          <a:lnRef idx="1">
+            <a:schemeClr val="dk1"/>
+          </a:lnRef>
+          <a:fillRef idx="0">
+            <a:schemeClr val="dk1"/>
+          </a:fillRef>
+          <a:effectRef idx="0">
+            <a:schemeClr val="dk1"/>
+          </a:effectRef>
+          <a:fontRef idx="minor">
+            <a:schemeClr val="tx1"/>
+          </a:fontRef>
+        </p:style>
+      </p:cxnSp>
+      <p:cxnSp>
+        <p:nvCxnSpPr>
+          <p:cNvPr id="10" name="Straight Arrow Connector 9"/>
+          <p:cNvCxnSpPr/>
+          <p:nvPr/>
+        </p:nvCxnSpPr>
+        <p:spPr>
+          <a:xfrm>
+            <a:off x="7911766" y="4175841"/>
+            <a:ext cx="209550" cy="0"/>
+          </a:xfrm>
+          <a:prstGeom prst="straightConnector1">
+            <a:avLst/>
+          </a:prstGeom>
+          <a:ln>
+            <a:tailEnd type="triangle"/>
+          </a:ln>
+        </p:spPr>
+        <p:style>
+          <a:lnRef idx="1">
+            <a:schemeClr val="dk1"/>
+          </a:lnRef>
+          <a:fillRef idx="0">
+            <a:schemeClr val="dk1"/>
+          </a:fillRef>
+          <a:effectRef idx="0">
+            <a:schemeClr val="dk1"/>
+          </a:effectRef>
+          <a:fontRef idx="minor">
+            <a:schemeClr val="tx1"/>
+          </a:fontRef>
+        </p:style>
+      </p:cxnSp>
+      <p:cxnSp>
+        <p:nvCxnSpPr>
+          <p:cNvPr id="11" name="Straight Arrow Connector 10"/>
+          <p:cNvCxnSpPr/>
+          <p:nvPr/>
+        </p:nvCxnSpPr>
+        <p:spPr>
+          <a:xfrm>
+            <a:off x="3244516" y="4617496"/>
+            <a:ext cx="721895" cy="0"/>
+          </a:xfrm>
+          <a:prstGeom prst="straightConnector1">
+            <a:avLst/>
+          </a:prstGeom>
+          <a:ln>
+            <a:tailEnd type="triangle"/>
+          </a:ln>
+        </p:spPr>
+        <p:style>
+          <a:lnRef idx="1">
+            <a:schemeClr val="dk1"/>
+          </a:lnRef>
+          <a:fillRef idx="0">
+            <a:schemeClr val="dk1"/>
+          </a:fillRef>
+          <a:effectRef idx="0">
+            <a:schemeClr val="dk1"/>
+          </a:effectRef>
+          <a:fontRef idx="minor">
+            <a:schemeClr val="tx1"/>
+          </a:fontRef>
+        </p:style>
+      </p:cxnSp>
       <p:cxnSp>
         <p:nvCxnSpPr>
           <p:cNvPr id="12" name="Straight Arrow Connector 11"/>
@@ -9026,8 +10914,8 @@
         </p:nvCxnSpPr>
         <p:spPr>
           <a:xfrm>
-            <a:off x="8644746" y="2361714"/>
-            <a:ext cx="721895" cy="0"/>
+            <a:off x="7911766" y="4570489"/>
+            <a:ext cx="209550" cy="0"/>
           </a:xfrm>
           <a:prstGeom prst="straightConnector1">
             <a:avLst/>
@@ -9059,8 +10947,1129 @@
         </p:nvCxnSpPr>
         <p:spPr>
           <a:xfrm>
-            <a:off x="8644746" y="2746725"/>
+            <a:off x="3244516" y="4997592"/>
             <a:ext cx="721895" cy="0"/>
+          </a:xfrm>
+          <a:prstGeom prst="straightConnector1">
+            <a:avLst/>
+          </a:prstGeom>
+          <a:ln>
+            <a:tailEnd type="triangle"/>
+          </a:ln>
+        </p:spPr>
+        <p:style>
+          <a:lnRef idx="1">
+            <a:schemeClr val="dk1"/>
+          </a:lnRef>
+          <a:fillRef idx="0">
+            <a:schemeClr val="dk1"/>
+          </a:fillRef>
+          <a:effectRef idx="0">
+            <a:schemeClr val="dk1"/>
+          </a:effectRef>
+          <a:fontRef idx="minor">
+            <a:schemeClr val="tx1"/>
+          </a:fontRef>
+        </p:style>
+      </p:cxnSp>
+      <p:cxnSp>
+        <p:nvCxnSpPr>
+          <p:cNvPr id="16" name="Straight Arrow Connector 15"/>
+          <p:cNvCxnSpPr/>
+          <p:nvPr/>
+        </p:nvCxnSpPr>
+        <p:spPr>
+          <a:xfrm>
+            <a:off x="7575218" y="3414897"/>
+            <a:ext cx="209550" cy="0"/>
+          </a:xfrm>
+          <a:prstGeom prst="straightConnector1">
+            <a:avLst/>
+          </a:prstGeom>
+          <a:ln>
+            <a:tailEnd type="triangle"/>
+          </a:ln>
+        </p:spPr>
+        <p:style>
+          <a:lnRef idx="1">
+            <a:schemeClr val="dk1"/>
+          </a:lnRef>
+          <a:fillRef idx="0">
+            <a:schemeClr val="dk1"/>
+          </a:fillRef>
+          <a:effectRef idx="0">
+            <a:schemeClr val="dk1"/>
+          </a:effectRef>
+          <a:fontRef idx="minor">
+            <a:schemeClr val="tx1"/>
+          </a:fontRef>
+        </p:style>
+      </p:cxnSp>
+      <p:cxnSp>
+        <p:nvCxnSpPr>
+          <p:cNvPr id="17" name="Straight Arrow Connector 16"/>
+          <p:cNvCxnSpPr/>
+          <p:nvPr/>
+        </p:nvCxnSpPr>
+        <p:spPr>
+          <a:xfrm>
+            <a:off x="7911766" y="4967046"/>
+            <a:ext cx="209550" cy="0"/>
+          </a:xfrm>
+          <a:prstGeom prst="straightConnector1">
+            <a:avLst/>
+          </a:prstGeom>
+          <a:ln>
+            <a:tailEnd type="triangle"/>
+          </a:ln>
+        </p:spPr>
+        <p:style>
+          <a:lnRef idx="1">
+            <a:schemeClr val="dk1"/>
+          </a:lnRef>
+          <a:fillRef idx="0">
+            <a:schemeClr val="dk1"/>
+          </a:fillRef>
+          <a:effectRef idx="0">
+            <a:schemeClr val="dk1"/>
+          </a:effectRef>
+          <a:fontRef idx="minor">
+            <a:schemeClr val="tx1"/>
+          </a:fontRef>
+        </p:style>
+      </p:cxnSp>
+      <p:cxnSp>
+        <p:nvCxnSpPr>
+          <p:cNvPr id="18" name="Straight Arrow Connector 17"/>
+          <p:cNvCxnSpPr/>
+          <p:nvPr/>
+        </p:nvCxnSpPr>
+        <p:spPr>
+          <a:xfrm>
+            <a:off x="3244516" y="5403990"/>
+            <a:ext cx="721895" cy="0"/>
+          </a:xfrm>
+          <a:prstGeom prst="straightConnector1">
+            <a:avLst/>
+          </a:prstGeom>
+          <a:ln>
+            <a:tailEnd type="triangle"/>
+          </a:ln>
+        </p:spPr>
+        <p:style>
+          <a:lnRef idx="1">
+            <a:schemeClr val="dk1"/>
+          </a:lnRef>
+          <a:fillRef idx="0">
+            <a:schemeClr val="dk1"/>
+          </a:fillRef>
+          <a:effectRef idx="0">
+            <a:schemeClr val="dk1"/>
+          </a:effectRef>
+          <a:fontRef idx="minor">
+            <a:schemeClr val="tx1"/>
+          </a:fontRef>
+        </p:style>
+      </p:cxnSp>
+      <p:cxnSp>
+        <p:nvCxnSpPr>
+          <p:cNvPr id="20" name="Straight Arrow Connector 19"/>
+          <p:cNvCxnSpPr/>
+          <p:nvPr/>
+        </p:nvCxnSpPr>
+        <p:spPr>
+          <a:xfrm>
+            <a:off x="3244516" y="5789527"/>
+            <a:ext cx="721895" cy="0"/>
+          </a:xfrm>
+          <a:prstGeom prst="straightConnector1">
+            <a:avLst/>
+          </a:prstGeom>
+          <a:ln>
+            <a:tailEnd type="triangle"/>
+          </a:ln>
+        </p:spPr>
+        <p:style>
+          <a:lnRef idx="1">
+            <a:schemeClr val="dk1"/>
+          </a:lnRef>
+          <a:fillRef idx="0">
+            <a:schemeClr val="dk1"/>
+          </a:fillRef>
+          <a:effectRef idx="0">
+            <a:schemeClr val="dk1"/>
+          </a:effectRef>
+          <a:fontRef idx="minor">
+            <a:schemeClr val="tx1"/>
+          </a:fontRef>
+        </p:style>
+      </p:cxnSp>
+      <p:cxnSp>
+        <p:nvCxnSpPr>
+          <p:cNvPr id="21" name="Straight Arrow Connector 20"/>
+          <p:cNvCxnSpPr/>
+          <p:nvPr/>
+        </p:nvCxnSpPr>
+        <p:spPr>
+          <a:xfrm>
+            <a:off x="4705350" y="5808577"/>
+            <a:ext cx="425116" cy="0"/>
+          </a:xfrm>
+          <a:prstGeom prst="straightConnector1">
+            <a:avLst/>
+          </a:prstGeom>
+          <a:ln w="47625" cap="sq" cmpd="dbl">
+            <a:solidFill>
+              <a:schemeClr val="tx1">
+                <a:lumMod val="95000"/>
+                <a:lumOff val="5000"/>
+              </a:schemeClr>
+            </a:solidFill>
+            <a:miter lim="800000"/>
+            <a:headEnd type="none"/>
+            <a:tailEnd type="stealth" w="med" len="med"/>
+          </a:ln>
+        </p:spPr>
+        <p:style>
+          <a:lnRef idx="3">
+            <a:schemeClr val="dk1"/>
+          </a:lnRef>
+          <a:fillRef idx="0">
+            <a:schemeClr val="dk1"/>
+          </a:fillRef>
+          <a:effectRef idx="2">
+            <a:schemeClr val="dk1"/>
+          </a:effectRef>
+          <a:fontRef idx="minor">
+            <a:schemeClr val="tx1"/>
+          </a:fontRef>
+        </p:style>
+      </p:cxnSp>
+    </p:spTree>
+    <p:extLst>
+      <p:ext uri="{BB962C8B-B14F-4D97-AF65-F5344CB8AC3E}">
+        <p14:creationId xmlns:p14="http://schemas.microsoft.com/office/powerpoint/2010/main" val="172497487"/>
+      </p:ext>
+    </p:extLst>
+  </p:cSld>
+  <p:clrMapOvr>
+    <a:masterClrMapping/>
+  </p:clrMapOvr>
+</p:sld>
+</file>
+
+<file path=ppt/slides/slide13.xml><?xml version="1.0" encoding="utf-8"?>
+<p:sld xmlns:a="http://schemas.openxmlformats.org/drawingml/2006/main" xmlns:r="http://schemas.openxmlformats.org/officeDocument/2006/relationships" xmlns:p="http://schemas.openxmlformats.org/presentationml/2006/main">
+  <p:cSld>
+    <p:spTree>
+      <p:nvGrpSpPr>
+        <p:cNvPr id="1" name=""/>
+        <p:cNvGrpSpPr/>
+        <p:nvPr/>
+      </p:nvGrpSpPr>
+      <p:grpSpPr>
+        <a:xfrm>
+          <a:off x="0" y="0"/>
+          <a:ext cx="0" cy="0"/>
+          <a:chOff x="0" y="0"/>
+          <a:chExt cx="0" cy="0"/>
+        </a:xfrm>
+      </p:grpSpPr>
+      <p:sp>
+        <p:nvSpPr>
+          <p:cNvPr id="2" name="Title 1"/>
+          <p:cNvSpPr>
+            <a:spLocks noGrp="1"/>
+          </p:cNvSpPr>
+          <p:nvPr>
+            <p:ph type="title"/>
+          </p:nvPr>
+        </p:nvSpPr>
+        <p:spPr/>
+        <p:txBody>
+          <a:bodyPr/>
+          <a:lstStyle/>
+          <a:p>
+            <a:r>
+              <a:rPr lang="en-US" dirty="0" smtClean="0"/>
+              <a:t>Leftmost Derivations:</a:t>
+            </a:r>
+            <a:endParaRPr lang="en-US" dirty="0"/>
+          </a:p>
+        </p:txBody>
+      </p:sp>
+      <p:sp>
+        <p:nvSpPr>
+          <p:cNvPr id="3" name="Content Placeholder 2"/>
+          <p:cNvSpPr>
+            <a:spLocks noGrp="1"/>
+          </p:cNvSpPr>
+          <p:nvPr>
+            <p:ph idx="1"/>
+          </p:nvPr>
+        </p:nvSpPr>
+        <p:spPr>
+          <a:xfrm>
+            <a:off x="2589212" y="2133600"/>
+            <a:ext cx="8915400" cy="4724400"/>
+          </a:xfrm>
+        </p:spPr>
+        <p:txBody>
+          <a:bodyPr>
+            <a:normAutofit/>
+          </a:bodyPr>
+          <a:lstStyle/>
+          <a:p>
+            <a:r>
+              <a:rPr lang="en-US" dirty="0" smtClean="0">
+                <a:latin typeface="Century Gothic" panose="020B0502020202020204" pitchFamily="34" charset="0"/>
+              </a:rPr>
+              <a:t>S= </a:t>
+            </a:r>
+            <a:r>
+              <a:rPr lang="en-US" dirty="0" smtClean="0">
+                <a:latin typeface="Century Gothic" panose="020B0502020202020204" pitchFamily="34" charset="0"/>
+              </a:rPr>
+              <a:t>S+S|S*</a:t>
+            </a:r>
+            <a:r>
+              <a:rPr lang="en-US" dirty="0" err="1" smtClean="0">
+                <a:latin typeface="Century Gothic" panose="020B0502020202020204" pitchFamily="34" charset="0"/>
+              </a:rPr>
+              <a:t>S|a|b|c</a:t>
+            </a:r>
+            <a:endParaRPr lang="en-US" dirty="0" smtClean="0">
+              <a:latin typeface="Century Gothic" panose="020B0502020202020204" pitchFamily="34" charset="0"/>
+            </a:endParaRPr>
+          </a:p>
+          <a:p>
+            <a:r>
+              <a:rPr lang="en-US" dirty="0" smtClean="0">
+                <a:latin typeface="Century Gothic" panose="020B0502020202020204" pitchFamily="34" charset="0"/>
+              </a:rPr>
+              <a:t>W= a+b*c</a:t>
+            </a:r>
+          </a:p>
+          <a:p>
+            <a:r>
+              <a:rPr lang="en-US" dirty="0" smtClean="0">
+                <a:latin typeface="Century Gothic" panose="020B0502020202020204" pitchFamily="34" charset="0"/>
+              </a:rPr>
+              <a:t>S</a:t>
+            </a:r>
+            <a:r>
+              <a:rPr lang="en-US" dirty="0">
+                <a:latin typeface="Century Gothic" panose="020B0502020202020204" pitchFamily="34" charset="0"/>
+              </a:rPr>
+              <a:t>		</a:t>
+            </a:r>
+            <a:r>
+              <a:rPr lang="en-US" dirty="0" smtClean="0">
+                <a:latin typeface="Century Gothic" panose="020B0502020202020204" pitchFamily="34" charset="0"/>
+              </a:rPr>
+              <a:t>S+S</a:t>
+            </a:r>
+          </a:p>
+          <a:p>
+            <a:r>
+              <a:rPr lang="en-US" dirty="0">
+                <a:latin typeface="Century Gothic" panose="020B0502020202020204" pitchFamily="34" charset="0"/>
+              </a:rPr>
+              <a:t>S		</a:t>
+            </a:r>
+            <a:r>
+              <a:rPr lang="en-US" dirty="0" smtClean="0">
+                <a:latin typeface="Century Gothic" panose="020B0502020202020204" pitchFamily="34" charset="0"/>
+              </a:rPr>
+              <a:t>a+S</a:t>
+            </a:r>
+          </a:p>
+          <a:p>
+            <a:r>
+              <a:rPr lang="en-US" dirty="0" smtClean="0">
+                <a:latin typeface="Century Gothic" panose="020B0502020202020204" pitchFamily="34" charset="0"/>
+              </a:rPr>
+              <a:t>S</a:t>
+            </a:r>
+            <a:r>
+              <a:rPr lang="en-US" dirty="0">
+                <a:latin typeface="Century Gothic" panose="020B0502020202020204" pitchFamily="34" charset="0"/>
+              </a:rPr>
+              <a:t>		</a:t>
+            </a:r>
+            <a:r>
+              <a:rPr lang="en-US" dirty="0" smtClean="0">
+                <a:latin typeface="Century Gothic" panose="020B0502020202020204" pitchFamily="34" charset="0"/>
+              </a:rPr>
+              <a:t>a+S*S		</a:t>
+            </a:r>
+            <a:r>
+              <a:rPr lang="en-US" dirty="0">
+                <a:latin typeface="Century Gothic" panose="020B0502020202020204" pitchFamily="34" charset="0"/>
+              </a:rPr>
+              <a:t>	</a:t>
+            </a:r>
+            <a:endParaRPr lang="en-US" dirty="0" smtClean="0">
+              <a:latin typeface="Century Gothic" panose="020B0502020202020204" pitchFamily="34" charset="0"/>
+            </a:endParaRPr>
+          </a:p>
+          <a:p>
+            <a:r>
+              <a:rPr lang="en-US" dirty="0" smtClean="0">
+                <a:latin typeface="Century Gothic" panose="020B0502020202020204" pitchFamily="34" charset="0"/>
+              </a:rPr>
+              <a:t>S</a:t>
+            </a:r>
+            <a:r>
+              <a:rPr lang="en-US" dirty="0">
+                <a:latin typeface="Century Gothic" panose="020B0502020202020204" pitchFamily="34" charset="0"/>
+              </a:rPr>
+              <a:t>		</a:t>
+            </a:r>
+            <a:r>
+              <a:rPr lang="en-US" dirty="0" smtClean="0">
+                <a:latin typeface="Century Gothic" panose="020B0502020202020204" pitchFamily="34" charset="0"/>
+              </a:rPr>
+              <a:t>a+b*S</a:t>
+            </a:r>
+            <a:r>
+              <a:rPr lang="en-US" dirty="0">
+                <a:latin typeface="Century Gothic" panose="020B0502020202020204" pitchFamily="34" charset="0"/>
+              </a:rPr>
+              <a:t>	</a:t>
+            </a:r>
+            <a:r>
+              <a:rPr lang="en-US" dirty="0" smtClean="0">
+                <a:latin typeface="Century Gothic" panose="020B0502020202020204" pitchFamily="34" charset="0"/>
+              </a:rPr>
+              <a:t>	</a:t>
+            </a:r>
+          </a:p>
+          <a:p>
+            <a:r>
+              <a:rPr lang="en-US" dirty="0" smtClean="0">
+                <a:latin typeface="Century Gothic" panose="020B0502020202020204" pitchFamily="34" charset="0"/>
+              </a:rPr>
+              <a:t>S</a:t>
+            </a:r>
+            <a:r>
+              <a:rPr lang="en-US" dirty="0">
+                <a:latin typeface="Century Gothic" panose="020B0502020202020204" pitchFamily="34" charset="0"/>
+              </a:rPr>
+              <a:t>		</a:t>
+            </a:r>
+            <a:r>
+              <a:rPr lang="en-US" dirty="0" smtClean="0">
+                <a:latin typeface="Century Gothic" panose="020B0502020202020204" pitchFamily="34" charset="0"/>
+              </a:rPr>
+              <a:t>a+b*c		</a:t>
+            </a:r>
+            <a:endParaRPr lang="en-US" dirty="0">
+              <a:latin typeface="Century Gothic" panose="020B0502020202020204" pitchFamily="34" charset="0"/>
+            </a:endParaRPr>
+          </a:p>
+          <a:p>
+            <a:endParaRPr lang="en-US" dirty="0"/>
+          </a:p>
+        </p:txBody>
+      </p:sp>
+      <p:cxnSp>
+        <p:nvCxnSpPr>
+          <p:cNvPr id="11" name="Straight Arrow Connector 10"/>
+          <p:cNvCxnSpPr/>
+          <p:nvPr/>
+        </p:nvCxnSpPr>
+        <p:spPr>
+          <a:xfrm>
+            <a:off x="3244516" y="3157665"/>
+            <a:ext cx="721895" cy="0"/>
+          </a:xfrm>
+          <a:prstGeom prst="straightConnector1">
+            <a:avLst/>
+          </a:prstGeom>
+          <a:ln>
+            <a:tailEnd type="triangle"/>
+          </a:ln>
+        </p:spPr>
+        <p:style>
+          <a:lnRef idx="1">
+            <a:schemeClr val="dk1"/>
+          </a:lnRef>
+          <a:fillRef idx="0">
+            <a:schemeClr val="dk1"/>
+          </a:fillRef>
+          <a:effectRef idx="0">
+            <a:schemeClr val="dk1"/>
+          </a:effectRef>
+          <a:fontRef idx="minor">
+            <a:schemeClr val="tx1"/>
+          </a:fontRef>
+        </p:style>
+      </p:cxnSp>
+      <p:cxnSp>
+        <p:nvCxnSpPr>
+          <p:cNvPr id="13" name="Straight Arrow Connector 12"/>
+          <p:cNvCxnSpPr/>
+          <p:nvPr/>
+        </p:nvCxnSpPr>
+        <p:spPr>
+          <a:xfrm>
+            <a:off x="3244516" y="3537761"/>
+            <a:ext cx="721895" cy="0"/>
+          </a:xfrm>
+          <a:prstGeom prst="straightConnector1">
+            <a:avLst/>
+          </a:prstGeom>
+          <a:ln>
+            <a:tailEnd type="triangle"/>
+          </a:ln>
+        </p:spPr>
+        <p:style>
+          <a:lnRef idx="1">
+            <a:schemeClr val="dk1"/>
+          </a:lnRef>
+          <a:fillRef idx="0">
+            <a:schemeClr val="dk1"/>
+          </a:fillRef>
+          <a:effectRef idx="0">
+            <a:schemeClr val="dk1"/>
+          </a:effectRef>
+          <a:fontRef idx="minor">
+            <a:schemeClr val="tx1"/>
+          </a:fontRef>
+        </p:style>
+      </p:cxnSp>
+      <p:cxnSp>
+        <p:nvCxnSpPr>
+          <p:cNvPr id="18" name="Straight Arrow Connector 17"/>
+          <p:cNvCxnSpPr/>
+          <p:nvPr/>
+        </p:nvCxnSpPr>
+        <p:spPr>
+          <a:xfrm>
+            <a:off x="3244516" y="3944159"/>
+            <a:ext cx="721895" cy="0"/>
+          </a:xfrm>
+          <a:prstGeom prst="straightConnector1">
+            <a:avLst/>
+          </a:prstGeom>
+          <a:ln>
+            <a:tailEnd type="triangle"/>
+          </a:ln>
+        </p:spPr>
+        <p:style>
+          <a:lnRef idx="1">
+            <a:schemeClr val="dk1"/>
+          </a:lnRef>
+          <a:fillRef idx="0">
+            <a:schemeClr val="dk1"/>
+          </a:fillRef>
+          <a:effectRef idx="0">
+            <a:schemeClr val="dk1"/>
+          </a:effectRef>
+          <a:fontRef idx="minor">
+            <a:schemeClr val="tx1"/>
+          </a:fontRef>
+        </p:style>
+      </p:cxnSp>
+      <p:cxnSp>
+        <p:nvCxnSpPr>
+          <p:cNvPr id="20" name="Straight Arrow Connector 19"/>
+          <p:cNvCxnSpPr/>
+          <p:nvPr/>
+        </p:nvCxnSpPr>
+        <p:spPr>
+          <a:xfrm>
+            <a:off x="3244516" y="4329696"/>
+            <a:ext cx="721895" cy="0"/>
+          </a:xfrm>
+          <a:prstGeom prst="straightConnector1">
+            <a:avLst/>
+          </a:prstGeom>
+          <a:ln>
+            <a:tailEnd type="triangle"/>
+          </a:ln>
+        </p:spPr>
+        <p:style>
+          <a:lnRef idx="1">
+            <a:schemeClr val="dk1"/>
+          </a:lnRef>
+          <a:fillRef idx="0">
+            <a:schemeClr val="dk1"/>
+          </a:fillRef>
+          <a:effectRef idx="0">
+            <a:schemeClr val="dk1"/>
+          </a:effectRef>
+          <a:fontRef idx="minor">
+            <a:schemeClr val="tx1"/>
+          </a:fontRef>
+        </p:style>
+      </p:cxnSp>
+      <p:cxnSp>
+        <p:nvCxnSpPr>
+          <p:cNvPr id="19" name="Straight Arrow Connector 18"/>
+          <p:cNvCxnSpPr/>
+          <p:nvPr/>
+        </p:nvCxnSpPr>
+        <p:spPr>
+          <a:xfrm>
+            <a:off x="3244516" y="4748796"/>
+            <a:ext cx="721895" cy="0"/>
+          </a:xfrm>
+          <a:prstGeom prst="straightConnector1">
+            <a:avLst/>
+          </a:prstGeom>
+          <a:ln>
+            <a:tailEnd type="triangle"/>
+          </a:ln>
+        </p:spPr>
+        <p:style>
+          <a:lnRef idx="1">
+            <a:schemeClr val="dk1"/>
+          </a:lnRef>
+          <a:fillRef idx="0">
+            <a:schemeClr val="dk1"/>
+          </a:fillRef>
+          <a:effectRef idx="0">
+            <a:schemeClr val="dk1"/>
+          </a:effectRef>
+          <a:fontRef idx="minor">
+            <a:schemeClr val="tx1"/>
+          </a:fontRef>
+        </p:style>
+      </p:cxnSp>
+    </p:spTree>
+    <p:extLst>
+      <p:ext uri="{BB962C8B-B14F-4D97-AF65-F5344CB8AC3E}">
+        <p14:creationId xmlns:p14="http://schemas.microsoft.com/office/powerpoint/2010/main" val="1170557917"/>
+      </p:ext>
+    </p:extLst>
+  </p:cSld>
+  <p:clrMapOvr>
+    <a:masterClrMapping/>
+  </p:clrMapOvr>
+</p:sld>
+</file>
+
+<file path=ppt/slides/slide14.xml><?xml version="1.0" encoding="utf-8"?>
+<p:sld xmlns:a="http://schemas.openxmlformats.org/drawingml/2006/main" xmlns:r="http://schemas.openxmlformats.org/officeDocument/2006/relationships" xmlns:p="http://schemas.openxmlformats.org/presentationml/2006/main">
+  <p:cSld>
+    <p:spTree>
+      <p:nvGrpSpPr>
+        <p:cNvPr id="1" name=""/>
+        <p:cNvGrpSpPr/>
+        <p:nvPr/>
+      </p:nvGrpSpPr>
+      <p:grpSpPr>
+        <a:xfrm>
+          <a:off x="0" y="0"/>
+          <a:ext cx="0" cy="0"/>
+          <a:chOff x="0" y="0"/>
+          <a:chExt cx="0" cy="0"/>
+        </a:xfrm>
+      </p:grpSpPr>
+      <p:sp>
+        <p:nvSpPr>
+          <p:cNvPr id="2" name="Title 1"/>
+          <p:cNvSpPr>
+            <a:spLocks noGrp="1"/>
+          </p:cNvSpPr>
+          <p:nvPr>
+            <p:ph type="title"/>
+          </p:nvPr>
+        </p:nvSpPr>
+        <p:spPr/>
+        <p:txBody>
+          <a:bodyPr/>
+          <a:lstStyle/>
+          <a:p>
+            <a:r>
+              <a:rPr lang="en-US" dirty="0" smtClean="0"/>
+              <a:t>Leftmost Derivations:</a:t>
+            </a:r>
+            <a:endParaRPr lang="en-US" dirty="0"/>
+          </a:p>
+        </p:txBody>
+      </p:sp>
+      <p:sp>
+        <p:nvSpPr>
+          <p:cNvPr id="3" name="Content Placeholder 2"/>
+          <p:cNvSpPr>
+            <a:spLocks noGrp="1"/>
+          </p:cNvSpPr>
+          <p:nvPr>
+            <p:ph idx="1"/>
+          </p:nvPr>
+        </p:nvSpPr>
+        <p:spPr>
+          <a:xfrm>
+            <a:off x="2589212" y="2133600"/>
+            <a:ext cx="8915400" cy="4724400"/>
+          </a:xfrm>
+        </p:spPr>
+        <p:txBody>
+          <a:bodyPr>
+            <a:normAutofit/>
+          </a:bodyPr>
+          <a:lstStyle/>
+          <a:p>
+            <a:r>
+              <a:rPr lang="en-US" dirty="0" smtClean="0">
+                <a:latin typeface="Century Gothic" panose="020B0502020202020204" pitchFamily="34" charset="0"/>
+              </a:rPr>
+              <a:t>S	 </a:t>
+            </a:r>
+            <a:r>
+              <a:rPr lang="en-US" dirty="0" err="1" smtClean="0">
+                <a:latin typeface="Century Gothic" panose="020B0502020202020204" pitchFamily="34" charset="0"/>
+              </a:rPr>
+              <a:t>aAB</a:t>
+            </a:r>
+            <a:r>
+              <a:rPr lang="en-US" dirty="0">
+                <a:latin typeface="Century Gothic" panose="020B0502020202020204" pitchFamily="34" charset="0"/>
+              </a:rPr>
+              <a:t>	</a:t>
+            </a:r>
+            <a:endParaRPr lang="en-US" dirty="0" smtClean="0">
+              <a:latin typeface="Century Gothic" panose="020B0502020202020204" pitchFamily="34" charset="0"/>
+            </a:endParaRPr>
+          </a:p>
+          <a:p>
+            <a:r>
+              <a:rPr lang="en-US" dirty="0" smtClean="0">
+                <a:latin typeface="Century Gothic" panose="020B0502020202020204" pitchFamily="34" charset="0"/>
+              </a:rPr>
+              <a:t>A	</a:t>
+            </a:r>
+            <a:r>
+              <a:rPr lang="en-US" dirty="0" err="1" smtClean="0">
+                <a:latin typeface="Century Gothic" panose="020B0502020202020204" pitchFamily="34" charset="0"/>
+              </a:rPr>
+              <a:t>bBb</a:t>
+            </a:r>
+            <a:endParaRPr lang="en-US" dirty="0" smtClean="0">
+              <a:latin typeface="Century Gothic" panose="020B0502020202020204" pitchFamily="34" charset="0"/>
+            </a:endParaRPr>
+          </a:p>
+          <a:p>
+            <a:r>
+              <a:rPr lang="en-US" dirty="0" smtClean="0">
+                <a:latin typeface="Century Gothic" panose="020B0502020202020204" pitchFamily="34" charset="0"/>
+              </a:rPr>
+              <a:t>B</a:t>
+            </a:r>
+            <a:r>
+              <a:rPr lang="en-US" dirty="0">
+                <a:latin typeface="Century Gothic" panose="020B0502020202020204" pitchFamily="34" charset="0"/>
+              </a:rPr>
+              <a:t>	</a:t>
+            </a:r>
+            <a:r>
+              <a:rPr lang="en-US" dirty="0">
+                <a:latin typeface="Century Gothic" panose="020B0502020202020204" pitchFamily="34" charset="0"/>
+              </a:rPr>
+              <a:t>A| €</a:t>
+            </a:r>
+            <a:endParaRPr lang="en-US" dirty="0" smtClean="0">
+              <a:latin typeface="Century Gothic" panose="020B0502020202020204" pitchFamily="34" charset="0"/>
+            </a:endParaRPr>
+          </a:p>
+          <a:p>
+            <a:r>
+              <a:rPr lang="en-US" dirty="0" smtClean="0">
+                <a:latin typeface="Century Gothic" panose="020B0502020202020204" pitchFamily="34" charset="0"/>
+              </a:rPr>
+              <a:t>S		</a:t>
+            </a:r>
+            <a:r>
+              <a:rPr lang="en-US" dirty="0" err="1" smtClean="0">
+                <a:latin typeface="Century Gothic" panose="020B0502020202020204" pitchFamily="34" charset="0"/>
+              </a:rPr>
+              <a:t>aAB</a:t>
+            </a:r>
+            <a:endParaRPr lang="en-US" dirty="0" smtClean="0">
+              <a:latin typeface="Century Gothic" panose="020B0502020202020204" pitchFamily="34" charset="0"/>
+            </a:endParaRPr>
+          </a:p>
+          <a:p>
+            <a:r>
+              <a:rPr lang="en-US" dirty="0">
+                <a:latin typeface="Century Gothic" panose="020B0502020202020204" pitchFamily="34" charset="0"/>
+              </a:rPr>
+              <a:t>S		</a:t>
+            </a:r>
+            <a:r>
+              <a:rPr lang="en-US" dirty="0" err="1" smtClean="0">
+                <a:latin typeface="Century Gothic" panose="020B0502020202020204" pitchFamily="34" charset="0"/>
+              </a:rPr>
+              <a:t>a</a:t>
+            </a:r>
+            <a:r>
+              <a:rPr lang="en-US" dirty="0" err="1" smtClean="0">
+                <a:latin typeface="Century Gothic" panose="020B0502020202020204" pitchFamily="34" charset="0"/>
+              </a:rPr>
+              <a:t>bBbB</a:t>
+            </a:r>
+            <a:endParaRPr lang="en-US" dirty="0" smtClean="0">
+              <a:latin typeface="Century Gothic" panose="020B0502020202020204" pitchFamily="34" charset="0"/>
+            </a:endParaRPr>
+          </a:p>
+          <a:p>
+            <a:r>
+              <a:rPr lang="en-US" dirty="0" smtClean="0">
+                <a:latin typeface="Century Gothic" panose="020B0502020202020204" pitchFamily="34" charset="0"/>
+              </a:rPr>
+              <a:t>S</a:t>
+            </a:r>
+            <a:r>
+              <a:rPr lang="en-US" dirty="0">
+                <a:latin typeface="Century Gothic" panose="020B0502020202020204" pitchFamily="34" charset="0"/>
+              </a:rPr>
+              <a:t>		</a:t>
+            </a:r>
+            <a:r>
+              <a:rPr lang="en-US" dirty="0" err="1" smtClean="0">
+                <a:latin typeface="Century Gothic" panose="020B0502020202020204" pitchFamily="34" charset="0"/>
+              </a:rPr>
+              <a:t>abAbB</a:t>
+            </a:r>
+            <a:r>
+              <a:rPr lang="en-US" dirty="0" smtClean="0">
+                <a:latin typeface="Century Gothic" panose="020B0502020202020204" pitchFamily="34" charset="0"/>
+              </a:rPr>
+              <a:t>		</a:t>
+            </a:r>
+            <a:r>
+              <a:rPr lang="en-US" dirty="0">
+                <a:latin typeface="Century Gothic" panose="020B0502020202020204" pitchFamily="34" charset="0"/>
+              </a:rPr>
+              <a:t>	</a:t>
+            </a:r>
+            <a:endParaRPr lang="en-US" dirty="0" smtClean="0">
+              <a:latin typeface="Century Gothic" panose="020B0502020202020204" pitchFamily="34" charset="0"/>
+            </a:endParaRPr>
+          </a:p>
+          <a:p>
+            <a:r>
+              <a:rPr lang="en-US" dirty="0" smtClean="0">
+                <a:latin typeface="Century Gothic" panose="020B0502020202020204" pitchFamily="34" charset="0"/>
+              </a:rPr>
+              <a:t>S</a:t>
+            </a:r>
+            <a:r>
+              <a:rPr lang="en-US" dirty="0">
+                <a:latin typeface="Century Gothic" panose="020B0502020202020204" pitchFamily="34" charset="0"/>
+              </a:rPr>
+              <a:t>		</a:t>
+            </a:r>
+            <a:r>
+              <a:rPr lang="en-US" dirty="0" err="1" smtClean="0">
+                <a:latin typeface="Century Gothic" panose="020B0502020202020204" pitchFamily="34" charset="0"/>
+              </a:rPr>
+              <a:t>abbBbbB</a:t>
+            </a:r>
+            <a:r>
+              <a:rPr lang="en-US" dirty="0">
+                <a:latin typeface="Century Gothic" panose="020B0502020202020204" pitchFamily="34" charset="0"/>
+              </a:rPr>
+              <a:t>	</a:t>
+            </a:r>
+            <a:r>
+              <a:rPr lang="en-US" dirty="0" smtClean="0">
+                <a:latin typeface="Century Gothic" panose="020B0502020202020204" pitchFamily="34" charset="0"/>
+              </a:rPr>
+              <a:t>	</a:t>
+            </a:r>
+          </a:p>
+          <a:p>
+            <a:r>
+              <a:rPr lang="en-US" dirty="0" smtClean="0">
+                <a:latin typeface="Century Gothic" panose="020B0502020202020204" pitchFamily="34" charset="0"/>
+              </a:rPr>
+              <a:t>S</a:t>
+            </a:r>
+            <a:r>
+              <a:rPr lang="en-US" dirty="0">
+                <a:latin typeface="Century Gothic" panose="020B0502020202020204" pitchFamily="34" charset="0"/>
+              </a:rPr>
+              <a:t>		</a:t>
+            </a:r>
+            <a:r>
+              <a:rPr lang="en-US" dirty="0" err="1">
+                <a:latin typeface="Century Gothic" panose="020B0502020202020204" pitchFamily="34" charset="0"/>
+              </a:rPr>
+              <a:t>abb</a:t>
+            </a:r>
+            <a:r>
+              <a:rPr lang="en-US" dirty="0" err="1" smtClean="0">
+                <a:latin typeface="Century Gothic" panose="020B0502020202020204" pitchFamily="34" charset="0"/>
+              </a:rPr>
+              <a:t>€bbB</a:t>
+            </a:r>
+            <a:endParaRPr lang="en-US" dirty="0" smtClean="0">
+              <a:latin typeface="Century Gothic" panose="020B0502020202020204" pitchFamily="34" charset="0"/>
+            </a:endParaRPr>
+          </a:p>
+          <a:p>
+            <a:r>
+              <a:rPr lang="en-US" dirty="0" smtClean="0">
+                <a:latin typeface="Century Gothic" panose="020B0502020202020204" pitchFamily="34" charset="0"/>
+              </a:rPr>
+              <a:t>S		</a:t>
+            </a:r>
+            <a:r>
+              <a:rPr lang="en-US" dirty="0" err="1" smtClean="0">
+                <a:latin typeface="Century Gothic" panose="020B0502020202020204" pitchFamily="34" charset="0"/>
+              </a:rPr>
+              <a:t>abbbb</a:t>
+            </a:r>
+            <a:r>
+              <a:rPr lang="en-US" dirty="0" smtClean="0">
+                <a:latin typeface="Century Gothic" panose="020B0502020202020204" pitchFamily="34" charset="0"/>
+              </a:rPr>
+              <a:t>€</a:t>
+            </a:r>
+            <a:endParaRPr lang="en-US" dirty="0">
+              <a:latin typeface="Century Gothic" panose="020B0502020202020204" pitchFamily="34" charset="0"/>
+            </a:endParaRPr>
+          </a:p>
+          <a:p>
+            <a:r>
+              <a:rPr lang="en-US" dirty="0" smtClean="0">
+                <a:latin typeface="Century Gothic" panose="020B0502020202020204" pitchFamily="34" charset="0"/>
+              </a:rPr>
+              <a:t>S		</a:t>
+            </a:r>
+            <a:r>
+              <a:rPr lang="en-US" dirty="0" err="1" smtClean="0">
+                <a:latin typeface="Century Gothic" panose="020B0502020202020204" pitchFamily="34" charset="0"/>
+              </a:rPr>
+              <a:t>abbbb</a:t>
+            </a:r>
+            <a:r>
+              <a:rPr lang="en-US" dirty="0" smtClean="0">
+                <a:latin typeface="Century Gothic" panose="020B0502020202020204" pitchFamily="34" charset="0"/>
+              </a:rPr>
+              <a:t>		</a:t>
+            </a:r>
+            <a:endParaRPr lang="en-US" dirty="0">
+              <a:latin typeface="Century Gothic" panose="020B0502020202020204" pitchFamily="34" charset="0"/>
+            </a:endParaRPr>
+          </a:p>
+          <a:p>
+            <a:endParaRPr lang="en-US" dirty="0"/>
+          </a:p>
+        </p:txBody>
+      </p:sp>
+      <p:cxnSp>
+        <p:nvCxnSpPr>
+          <p:cNvPr id="11" name="Straight Arrow Connector 10"/>
+          <p:cNvCxnSpPr/>
+          <p:nvPr/>
+        </p:nvCxnSpPr>
+        <p:spPr>
+          <a:xfrm>
+            <a:off x="3244516" y="5119815"/>
+            <a:ext cx="721895" cy="0"/>
+          </a:xfrm>
+          <a:prstGeom prst="straightConnector1">
+            <a:avLst/>
+          </a:prstGeom>
+          <a:ln>
+            <a:tailEnd type="triangle"/>
+          </a:ln>
+        </p:spPr>
+        <p:style>
+          <a:lnRef idx="1">
+            <a:schemeClr val="dk1"/>
+          </a:lnRef>
+          <a:fillRef idx="0">
+            <a:schemeClr val="dk1"/>
+          </a:fillRef>
+          <a:effectRef idx="0">
+            <a:schemeClr val="dk1"/>
+          </a:effectRef>
+          <a:fontRef idx="minor">
+            <a:schemeClr val="tx1"/>
+          </a:fontRef>
+        </p:style>
+      </p:cxnSp>
+      <p:cxnSp>
+        <p:nvCxnSpPr>
+          <p:cNvPr id="13" name="Straight Arrow Connector 12"/>
+          <p:cNvCxnSpPr/>
+          <p:nvPr/>
+        </p:nvCxnSpPr>
+        <p:spPr>
+          <a:xfrm>
+            <a:off x="3244516" y="3537761"/>
+            <a:ext cx="721895" cy="0"/>
+          </a:xfrm>
+          <a:prstGeom prst="straightConnector1">
+            <a:avLst/>
+          </a:prstGeom>
+          <a:ln>
+            <a:tailEnd type="triangle"/>
+          </a:ln>
+        </p:spPr>
+        <p:style>
+          <a:lnRef idx="1">
+            <a:schemeClr val="dk1"/>
+          </a:lnRef>
+          <a:fillRef idx="0">
+            <a:schemeClr val="dk1"/>
+          </a:fillRef>
+          <a:effectRef idx="0">
+            <a:schemeClr val="dk1"/>
+          </a:effectRef>
+          <a:fontRef idx="minor">
+            <a:schemeClr val="tx1"/>
+          </a:fontRef>
+        </p:style>
+      </p:cxnSp>
+      <p:cxnSp>
+        <p:nvCxnSpPr>
+          <p:cNvPr id="18" name="Straight Arrow Connector 17"/>
+          <p:cNvCxnSpPr/>
+          <p:nvPr/>
+        </p:nvCxnSpPr>
+        <p:spPr>
+          <a:xfrm>
+            <a:off x="3244516" y="3944159"/>
+            <a:ext cx="721895" cy="0"/>
+          </a:xfrm>
+          <a:prstGeom prst="straightConnector1">
+            <a:avLst/>
+          </a:prstGeom>
+          <a:ln>
+            <a:tailEnd type="triangle"/>
+          </a:ln>
+        </p:spPr>
+        <p:style>
+          <a:lnRef idx="1">
+            <a:schemeClr val="dk1"/>
+          </a:lnRef>
+          <a:fillRef idx="0">
+            <a:schemeClr val="dk1"/>
+          </a:fillRef>
+          <a:effectRef idx="0">
+            <a:schemeClr val="dk1"/>
+          </a:effectRef>
+          <a:fontRef idx="minor">
+            <a:schemeClr val="tx1"/>
+          </a:fontRef>
+        </p:style>
+      </p:cxnSp>
+      <p:cxnSp>
+        <p:nvCxnSpPr>
+          <p:cNvPr id="20" name="Straight Arrow Connector 19"/>
+          <p:cNvCxnSpPr/>
+          <p:nvPr/>
+        </p:nvCxnSpPr>
+        <p:spPr>
+          <a:xfrm>
+            <a:off x="3244516" y="4329696"/>
+            <a:ext cx="721895" cy="0"/>
+          </a:xfrm>
+          <a:prstGeom prst="straightConnector1">
+            <a:avLst/>
+          </a:prstGeom>
+          <a:ln>
+            <a:tailEnd type="triangle"/>
+          </a:ln>
+        </p:spPr>
+        <p:style>
+          <a:lnRef idx="1">
+            <a:schemeClr val="dk1"/>
+          </a:lnRef>
+          <a:fillRef idx="0">
+            <a:schemeClr val="dk1"/>
+          </a:fillRef>
+          <a:effectRef idx="0">
+            <a:schemeClr val="dk1"/>
+          </a:effectRef>
+          <a:fontRef idx="minor">
+            <a:schemeClr val="tx1"/>
+          </a:fontRef>
+        </p:style>
+      </p:cxnSp>
+      <p:cxnSp>
+        <p:nvCxnSpPr>
+          <p:cNvPr id="19" name="Straight Arrow Connector 18"/>
+          <p:cNvCxnSpPr/>
+          <p:nvPr/>
+        </p:nvCxnSpPr>
+        <p:spPr>
+          <a:xfrm>
+            <a:off x="3244516" y="4748796"/>
+            <a:ext cx="721895" cy="0"/>
+          </a:xfrm>
+          <a:prstGeom prst="straightConnector1">
+            <a:avLst/>
+          </a:prstGeom>
+          <a:ln>
+            <a:tailEnd type="triangle"/>
+          </a:ln>
+        </p:spPr>
+        <p:style>
+          <a:lnRef idx="1">
+            <a:schemeClr val="dk1"/>
+          </a:lnRef>
+          <a:fillRef idx="0">
+            <a:schemeClr val="dk1"/>
+          </a:fillRef>
+          <a:effectRef idx="0">
+            <a:schemeClr val="dk1"/>
+          </a:effectRef>
+          <a:fontRef idx="minor">
+            <a:schemeClr val="tx1"/>
+          </a:fontRef>
+        </p:style>
+      </p:cxnSp>
+      <p:cxnSp>
+        <p:nvCxnSpPr>
+          <p:cNvPr id="10" name="Straight Arrow Connector 9"/>
+          <p:cNvCxnSpPr/>
+          <p:nvPr/>
+        </p:nvCxnSpPr>
+        <p:spPr>
+          <a:xfrm>
+            <a:off x="3282616" y="2308941"/>
+            <a:ext cx="209550" cy="0"/>
+          </a:xfrm>
+          <a:prstGeom prst="straightConnector1">
+            <a:avLst/>
+          </a:prstGeom>
+          <a:ln>
+            <a:tailEnd type="triangle"/>
+          </a:ln>
+        </p:spPr>
+        <p:style>
+          <a:lnRef idx="1">
+            <a:schemeClr val="dk1"/>
+          </a:lnRef>
+          <a:fillRef idx="0">
+            <a:schemeClr val="dk1"/>
+          </a:fillRef>
+          <a:effectRef idx="0">
+            <a:schemeClr val="dk1"/>
+          </a:effectRef>
+          <a:fontRef idx="minor">
+            <a:schemeClr val="tx1"/>
+          </a:fontRef>
+        </p:style>
+      </p:cxnSp>
+      <p:cxnSp>
+        <p:nvCxnSpPr>
+          <p:cNvPr id="12" name="Straight Arrow Connector 11"/>
+          <p:cNvCxnSpPr/>
+          <p:nvPr/>
+        </p:nvCxnSpPr>
+        <p:spPr>
+          <a:xfrm>
+            <a:off x="3282616" y="2703589"/>
+            <a:ext cx="209550" cy="0"/>
           </a:xfrm>
           <a:prstGeom prst="straightConnector1">
             <a:avLst/>
@@ -9092,8 +12101,990 @@
         </p:nvCxnSpPr>
         <p:spPr>
           <a:xfrm>
-            <a:off x="8644746" y="4320381"/>
+            <a:off x="3282616" y="3100146"/>
+            <a:ext cx="209550" cy="0"/>
+          </a:xfrm>
+          <a:prstGeom prst="straightConnector1">
+            <a:avLst/>
+          </a:prstGeom>
+          <a:ln>
+            <a:tailEnd type="triangle"/>
+          </a:ln>
+        </p:spPr>
+        <p:style>
+          <a:lnRef idx="1">
+            <a:schemeClr val="dk1"/>
+          </a:lnRef>
+          <a:fillRef idx="0">
+            <a:schemeClr val="dk1"/>
+          </a:fillRef>
+          <a:effectRef idx="0">
+            <a:schemeClr val="dk1"/>
+          </a:effectRef>
+          <a:fontRef idx="minor">
+            <a:schemeClr val="tx1"/>
+          </a:fontRef>
+        </p:style>
+      </p:cxnSp>
+      <p:cxnSp>
+        <p:nvCxnSpPr>
+          <p:cNvPr id="15" name="Straight Arrow Connector 14"/>
+          <p:cNvCxnSpPr/>
+          <p:nvPr/>
+        </p:nvCxnSpPr>
+        <p:spPr>
+          <a:xfrm>
+            <a:off x="3244516" y="5519865"/>
             <a:ext cx="721895" cy="0"/>
+          </a:xfrm>
+          <a:prstGeom prst="straightConnector1">
+            <a:avLst/>
+          </a:prstGeom>
+          <a:ln>
+            <a:tailEnd type="triangle"/>
+          </a:ln>
+        </p:spPr>
+        <p:style>
+          <a:lnRef idx="1">
+            <a:schemeClr val="dk1"/>
+          </a:lnRef>
+          <a:fillRef idx="0">
+            <a:schemeClr val="dk1"/>
+          </a:fillRef>
+          <a:effectRef idx="0">
+            <a:schemeClr val="dk1"/>
+          </a:effectRef>
+          <a:fontRef idx="minor">
+            <a:schemeClr val="tx1"/>
+          </a:fontRef>
+        </p:style>
+      </p:cxnSp>
+      <p:cxnSp>
+        <p:nvCxnSpPr>
+          <p:cNvPr id="16" name="Straight Arrow Connector 15"/>
+          <p:cNvCxnSpPr/>
+          <p:nvPr/>
+        </p:nvCxnSpPr>
+        <p:spPr>
+          <a:xfrm>
+            <a:off x="3244516" y="5938965"/>
+            <a:ext cx="721895" cy="0"/>
+          </a:xfrm>
+          <a:prstGeom prst="straightConnector1">
+            <a:avLst/>
+          </a:prstGeom>
+          <a:ln>
+            <a:tailEnd type="triangle"/>
+          </a:ln>
+        </p:spPr>
+        <p:style>
+          <a:lnRef idx="1">
+            <a:schemeClr val="dk1"/>
+          </a:lnRef>
+          <a:fillRef idx="0">
+            <a:schemeClr val="dk1"/>
+          </a:fillRef>
+          <a:effectRef idx="0">
+            <a:schemeClr val="dk1"/>
+          </a:effectRef>
+          <a:fontRef idx="minor">
+            <a:schemeClr val="tx1"/>
+          </a:fontRef>
+        </p:style>
+      </p:cxnSp>
+    </p:spTree>
+    <p:extLst>
+      <p:ext uri="{BB962C8B-B14F-4D97-AF65-F5344CB8AC3E}">
+        <p14:creationId xmlns:p14="http://schemas.microsoft.com/office/powerpoint/2010/main" val="92435631"/>
+      </p:ext>
+    </p:extLst>
+  </p:cSld>
+  <p:clrMapOvr>
+    <a:masterClrMapping/>
+  </p:clrMapOvr>
+</p:sld>
+</file>
+
+<file path=ppt/slides/slide15.xml><?xml version="1.0" encoding="utf-8"?>
+<p:sld xmlns:a="http://schemas.openxmlformats.org/drawingml/2006/main" xmlns:r="http://schemas.openxmlformats.org/officeDocument/2006/relationships" xmlns:p="http://schemas.openxmlformats.org/presentationml/2006/main">
+  <p:cSld>
+    <p:spTree>
+      <p:nvGrpSpPr>
+        <p:cNvPr id="1" name=""/>
+        <p:cNvGrpSpPr/>
+        <p:nvPr/>
+      </p:nvGrpSpPr>
+      <p:grpSpPr>
+        <a:xfrm>
+          <a:off x="0" y="0"/>
+          <a:ext cx="0" cy="0"/>
+          <a:chOff x="0" y="0"/>
+          <a:chExt cx="0" cy="0"/>
+        </a:xfrm>
+      </p:grpSpPr>
+      <p:sp>
+        <p:nvSpPr>
+          <p:cNvPr id="2" name="Title 1"/>
+          <p:cNvSpPr>
+            <a:spLocks noGrp="1"/>
+          </p:cNvSpPr>
+          <p:nvPr>
+            <p:ph type="title"/>
+          </p:nvPr>
+        </p:nvSpPr>
+        <p:spPr/>
+        <p:txBody>
+          <a:bodyPr/>
+          <a:lstStyle/>
+          <a:p>
+            <a:r>
+              <a:rPr lang="en-US" dirty="0" smtClean="0"/>
+              <a:t>Rightmost Derivations:</a:t>
+            </a:r>
+            <a:endParaRPr lang="en-US" dirty="0"/>
+          </a:p>
+        </p:txBody>
+      </p:sp>
+      <mc:AlternateContent xmlns:mc="http://schemas.openxmlformats.org/markup-compatibility/2006" xmlns:a14="http://schemas.microsoft.com/office/drawing/2010/main">
+        <mc:Choice Requires="a14">
+          <p:sp>
+            <p:nvSpPr>
+              <p:cNvPr id="3" name="Content Placeholder 2"/>
+              <p:cNvSpPr>
+                <a:spLocks noGrp="1"/>
+              </p:cNvSpPr>
+              <p:nvPr>
+                <p:ph idx="1"/>
+              </p:nvPr>
+            </p:nvSpPr>
+            <p:spPr>
+              <a:xfrm>
+                <a:off x="2589212" y="2133600"/>
+                <a:ext cx="8915400" cy="4724400"/>
+              </a:xfrm>
+            </p:spPr>
+            <p:txBody>
+              <a:bodyPr>
+                <a:normAutofit/>
+              </a:bodyPr>
+              <a:lstStyle/>
+              <a:p>
+                <a:r>
+                  <a:rPr lang="en-US" dirty="0" smtClean="0"/>
+                  <a:t>A derivation is said to be </a:t>
+                </a:r>
+                <a:r>
+                  <a:rPr lang="en-US" b="1" dirty="0" smtClean="0"/>
+                  <a:t>Rightmost Derivations, </a:t>
+                </a:r>
+                <a:r>
+                  <a:rPr lang="en-US" dirty="0"/>
+                  <a:t>i</a:t>
+                </a:r>
+                <a:r>
+                  <a:rPr lang="en-US" dirty="0" smtClean="0"/>
+                  <a:t>f </a:t>
+                </a:r>
+                <a:r>
+                  <a:rPr lang="en-US" dirty="0"/>
+                  <a:t>in each step the rightmost variable in the sentential form is </a:t>
+                </a:r>
+                <a:r>
+                  <a:rPr lang="en-US" dirty="0" smtClean="0"/>
+                  <a:t>replaced</a:t>
+                </a:r>
+                <a:r>
+                  <a:rPr lang="en-US" dirty="0"/>
+                  <a:t>.</a:t>
+                </a:r>
+                <a:endParaRPr lang="en-US" dirty="0" smtClean="0"/>
+              </a:p>
+              <a:p>
+                <a:endParaRPr lang="en-US" dirty="0">
+                  <a:latin typeface="Century Gothic" panose="020B0502020202020204" pitchFamily="34" charset="0"/>
+                </a:endParaRPr>
+              </a:p>
+              <a:p>
+                <a:r>
+                  <a:rPr lang="en-US" dirty="0" smtClean="0">
+                    <a:latin typeface="Century Gothic" panose="020B0502020202020204" pitchFamily="34" charset="0"/>
+                  </a:rPr>
+                  <a:t>G</a:t>
+                </a:r>
+                <a:r>
+                  <a:rPr lang="en-US" dirty="0">
+                    <a:latin typeface="Century Gothic" panose="020B0502020202020204" pitchFamily="34" charset="0"/>
+                  </a:rPr>
+                  <a:t>= </a:t>
+                </a:r>
+                <a:r>
+                  <a:rPr lang="en-US" dirty="0" smtClean="0">
+                    <a:latin typeface="Century Gothic" panose="020B0502020202020204" pitchFamily="34" charset="0"/>
+                  </a:rPr>
+                  <a:t>({S,A,B},{</a:t>
+                </a:r>
+                <a:r>
+                  <a:rPr lang="en-US" dirty="0" err="1" smtClean="0">
+                    <a:latin typeface="Century Gothic" panose="020B0502020202020204" pitchFamily="34" charset="0"/>
+                  </a:rPr>
+                  <a:t>a,b</a:t>
+                </a:r>
+                <a:r>
+                  <a:rPr lang="en-US" dirty="0" smtClean="0">
+                    <a:latin typeface="Century Gothic" panose="020B0502020202020204" pitchFamily="34" charset="0"/>
+                  </a:rPr>
+                  <a:t>},S,(S     AB, </a:t>
+                </a:r>
+                <a:r>
+                  <a:rPr lang="en-US" dirty="0">
+                    <a:latin typeface="Century Gothic" panose="020B0502020202020204" pitchFamily="34" charset="0"/>
+                  </a:rPr>
+                  <a:t>A    </a:t>
+                </a:r>
+                <a:r>
+                  <a:rPr lang="en-US" dirty="0" smtClean="0">
+                    <a:latin typeface="Century Gothic" panose="020B0502020202020204" pitchFamily="34" charset="0"/>
+                  </a:rPr>
+                  <a:t> </a:t>
+                </a:r>
+                <a:r>
+                  <a:rPr lang="en-US" dirty="0" err="1" smtClean="0">
+                    <a:latin typeface="Century Gothic" panose="020B0502020202020204" pitchFamily="34" charset="0"/>
+                  </a:rPr>
+                  <a:t>aaA</a:t>
+                </a:r>
+                <a:r>
+                  <a:rPr lang="en-US" dirty="0" smtClean="0">
+                    <a:latin typeface="Century Gothic" panose="020B0502020202020204" pitchFamily="34" charset="0"/>
+                  </a:rPr>
+                  <a:t>|€, B</a:t>
+                </a:r>
+                <a:r>
+                  <a:rPr lang="en-US" dirty="0">
+                    <a:latin typeface="Century Gothic" panose="020B0502020202020204" pitchFamily="34" charset="0"/>
+                  </a:rPr>
+                  <a:t> </a:t>
+                </a:r>
+                <a:r>
+                  <a:rPr lang="en-US" dirty="0" smtClean="0">
+                    <a:latin typeface="Century Gothic" panose="020B0502020202020204" pitchFamily="34" charset="0"/>
+                  </a:rPr>
+                  <a:t>    Bb|€))</a:t>
+                </a:r>
+                <a:endParaRPr lang="en-US" dirty="0">
+                  <a:latin typeface="Century Gothic" panose="020B0502020202020204" pitchFamily="34" charset="0"/>
+                </a:endParaRPr>
+              </a:p>
+              <a:p>
+                <a:r>
+                  <a:rPr lang="en-US" dirty="0">
+                    <a:latin typeface="Century Gothic" panose="020B0502020202020204" pitchFamily="34" charset="0"/>
+                  </a:rPr>
+                  <a:t>S		</a:t>
+                </a:r>
+                <a:r>
+                  <a:rPr lang="en-US" dirty="0" smtClean="0">
+                    <a:latin typeface="Century Gothic" panose="020B0502020202020204" pitchFamily="34" charset="0"/>
+                  </a:rPr>
+                  <a:t>AB</a:t>
+                </a:r>
+                <a:endParaRPr lang="en-US" dirty="0">
+                  <a:latin typeface="Century Gothic" panose="020B0502020202020204" pitchFamily="34" charset="0"/>
+                </a:endParaRPr>
+              </a:p>
+              <a:p>
+                <a:r>
+                  <a:rPr lang="en-US" dirty="0">
+                    <a:latin typeface="Century Gothic" panose="020B0502020202020204" pitchFamily="34" charset="0"/>
+                  </a:rPr>
+                  <a:t>S		</a:t>
+                </a:r>
+                <a:r>
+                  <a:rPr lang="en-US" dirty="0" err="1" smtClean="0">
+                    <a:latin typeface="Century Gothic" panose="020B0502020202020204" pitchFamily="34" charset="0"/>
+                  </a:rPr>
+                  <a:t>ABb</a:t>
+                </a:r>
+                <a:r>
+                  <a:rPr lang="en-US" dirty="0">
+                    <a:latin typeface="Century Gothic" panose="020B0502020202020204" pitchFamily="34" charset="0"/>
+                  </a:rPr>
+                  <a:t>		(by production rule  </a:t>
+                </a:r>
+                <a:r>
+                  <a:rPr lang="en-US" dirty="0" smtClean="0">
+                    <a:latin typeface="Century Gothic" panose="020B0502020202020204" pitchFamily="34" charset="0"/>
+                  </a:rPr>
+                  <a:t>B </a:t>
+                </a:r>
+                <a:r>
+                  <a:rPr lang="en-US" dirty="0">
+                    <a:latin typeface="Century Gothic" panose="020B0502020202020204" pitchFamily="34" charset="0"/>
+                  </a:rPr>
+                  <a:t>	</a:t>
+                </a:r>
+                <a:r>
+                  <a:rPr lang="en-US" dirty="0" smtClean="0">
+                    <a:latin typeface="Century Gothic" panose="020B0502020202020204" pitchFamily="34" charset="0"/>
+                  </a:rPr>
+                  <a:t>Bb)</a:t>
+                </a:r>
+                <a:endParaRPr lang="en-US" dirty="0">
+                  <a:latin typeface="Century Gothic" panose="020B0502020202020204" pitchFamily="34" charset="0"/>
+                </a:endParaRPr>
+              </a:p>
+              <a:p>
+                <a:r>
+                  <a:rPr lang="en-US" dirty="0">
+                    <a:latin typeface="Century Gothic" panose="020B0502020202020204" pitchFamily="34" charset="0"/>
+                  </a:rPr>
+                  <a:t>S		</a:t>
+                </a:r>
+                <a:r>
+                  <a:rPr lang="en-US" dirty="0" smtClean="0">
+                    <a:latin typeface="Century Gothic" panose="020B0502020202020204" pitchFamily="34" charset="0"/>
+                  </a:rPr>
+                  <a:t>Ab			(</a:t>
+                </a:r>
+                <a:r>
+                  <a:rPr lang="en-US" dirty="0">
+                    <a:latin typeface="Century Gothic" panose="020B0502020202020204" pitchFamily="34" charset="0"/>
+                  </a:rPr>
+                  <a:t>by production rule  </a:t>
+                </a:r>
+                <a:r>
+                  <a:rPr lang="en-US" dirty="0" smtClean="0">
+                    <a:latin typeface="Century Gothic" panose="020B0502020202020204" pitchFamily="34" charset="0"/>
+                  </a:rPr>
+                  <a:t>B </a:t>
+                </a:r>
+                <a:r>
+                  <a:rPr lang="en-US" dirty="0">
+                    <a:latin typeface="Century Gothic" panose="020B0502020202020204" pitchFamily="34" charset="0"/>
+                  </a:rPr>
+                  <a:t>	 €</a:t>
+                </a:r>
+                <a:r>
+                  <a:rPr lang="en-US" dirty="0" smtClean="0">
+                    <a:latin typeface="Century Gothic" panose="020B0502020202020204" pitchFamily="34" charset="0"/>
+                  </a:rPr>
+                  <a:t>)</a:t>
+                </a:r>
+                <a:endParaRPr lang="en-US" dirty="0">
+                  <a:latin typeface="Century Gothic" panose="020B0502020202020204" pitchFamily="34" charset="0"/>
+                </a:endParaRPr>
+              </a:p>
+              <a:p>
+                <a:r>
+                  <a:rPr lang="en-US" dirty="0">
+                    <a:latin typeface="Century Gothic" panose="020B0502020202020204" pitchFamily="34" charset="0"/>
+                  </a:rPr>
+                  <a:t>S		</a:t>
+                </a:r>
+                <a:r>
+                  <a:rPr lang="en-US" dirty="0" err="1" smtClean="0">
+                    <a:latin typeface="Century Gothic" panose="020B0502020202020204" pitchFamily="34" charset="0"/>
+                  </a:rPr>
+                  <a:t>aaAb</a:t>
+                </a:r>
+                <a:r>
+                  <a:rPr lang="en-US" dirty="0">
+                    <a:latin typeface="Century Gothic" panose="020B0502020202020204" pitchFamily="34" charset="0"/>
+                  </a:rPr>
+                  <a:t>	</a:t>
+                </a:r>
+                <a:r>
+                  <a:rPr lang="en-US" dirty="0" smtClean="0">
+                    <a:latin typeface="Century Gothic" panose="020B0502020202020204" pitchFamily="34" charset="0"/>
+                  </a:rPr>
+                  <a:t>	(</a:t>
+                </a:r>
+                <a:r>
+                  <a:rPr lang="en-US" dirty="0">
+                    <a:latin typeface="Century Gothic" panose="020B0502020202020204" pitchFamily="34" charset="0"/>
+                  </a:rPr>
+                  <a:t>by production rule  </a:t>
+                </a:r>
+                <a:r>
+                  <a:rPr lang="en-US" dirty="0" smtClean="0">
+                    <a:latin typeface="Century Gothic" panose="020B0502020202020204" pitchFamily="34" charset="0"/>
+                  </a:rPr>
+                  <a:t>A </a:t>
+                </a:r>
+                <a:r>
+                  <a:rPr lang="en-US" dirty="0">
+                    <a:latin typeface="Century Gothic" panose="020B0502020202020204" pitchFamily="34" charset="0"/>
+                  </a:rPr>
+                  <a:t>	 </a:t>
+                </a:r>
+                <a:r>
+                  <a:rPr lang="en-US" dirty="0" err="1" smtClean="0">
+                    <a:latin typeface="Century Gothic" panose="020B0502020202020204" pitchFamily="34" charset="0"/>
+                  </a:rPr>
+                  <a:t>aaA</a:t>
+                </a:r>
+                <a:r>
+                  <a:rPr lang="en-US" dirty="0" smtClean="0">
+                    <a:latin typeface="Century Gothic" panose="020B0502020202020204" pitchFamily="34" charset="0"/>
+                  </a:rPr>
+                  <a:t>)</a:t>
+                </a:r>
+                <a:endParaRPr lang="en-US" dirty="0">
+                  <a:latin typeface="Century Gothic" panose="020B0502020202020204" pitchFamily="34" charset="0"/>
+                </a:endParaRPr>
+              </a:p>
+              <a:p>
+                <a:r>
+                  <a:rPr lang="en-US" dirty="0">
+                    <a:latin typeface="Century Gothic" panose="020B0502020202020204" pitchFamily="34" charset="0"/>
+                  </a:rPr>
+                  <a:t>S		</a:t>
+                </a:r>
+                <a:r>
+                  <a:rPr lang="en-US" dirty="0" smtClean="0">
+                    <a:latin typeface="Century Gothic" panose="020B0502020202020204" pitchFamily="34" charset="0"/>
+                  </a:rPr>
+                  <a:t>aab		</a:t>
+                </a:r>
+                <a:r>
+                  <a:rPr lang="en-US" dirty="0">
+                    <a:latin typeface="Century Gothic" panose="020B0502020202020204" pitchFamily="34" charset="0"/>
+                  </a:rPr>
+                  <a:t>(by production rule  </a:t>
+                </a:r>
+                <a:r>
+                  <a:rPr lang="en-US" dirty="0" smtClean="0">
+                    <a:latin typeface="Century Gothic" panose="020B0502020202020204" pitchFamily="34" charset="0"/>
+                  </a:rPr>
+                  <a:t>A </a:t>
+                </a:r>
+                <a:r>
+                  <a:rPr lang="en-US" dirty="0">
+                    <a:latin typeface="Century Gothic" panose="020B0502020202020204" pitchFamily="34" charset="0"/>
+                  </a:rPr>
+                  <a:t>	 €</a:t>
+                </a:r>
+                <a:r>
+                  <a:rPr lang="en-US" dirty="0" smtClean="0">
+                    <a:latin typeface="Century Gothic" panose="020B0502020202020204" pitchFamily="34" charset="0"/>
+                  </a:rPr>
+                  <a:t>)</a:t>
+                </a:r>
+                <a:endParaRPr lang="en-US" dirty="0" smtClean="0"/>
+              </a:p>
+              <a:p>
+                <a:r>
+                  <a:rPr lang="en-US" dirty="0">
+                    <a:latin typeface="Century Gothic" panose="020B0502020202020204" pitchFamily="34" charset="0"/>
+                  </a:rPr>
+                  <a:t>S		</a:t>
+                </a:r>
+                <a14:m>
+                  <m:oMath xmlns:m="http://schemas.openxmlformats.org/officeDocument/2006/math">
+                    <m:sSup>
+                      <m:sSupPr>
+                        <m:ctrlPr>
+                          <a:rPr lang="en-US" i="1">
+                            <a:latin typeface="Cambria Math" panose="02040503050406030204" pitchFamily="18" charset="0"/>
+                          </a:rPr>
+                        </m:ctrlPr>
+                      </m:sSupPr>
+                      <m:e>
+                        <m:r>
+                          <m:rPr>
+                            <m:sty m:val="p"/>
+                          </m:rPr>
+                          <a:rPr lang="en-US">
+                            <a:latin typeface="Cambria Math" panose="02040503050406030204" pitchFamily="18" charset="0"/>
+                          </a:rPr>
+                          <m:t>a</m:t>
+                        </m:r>
+                      </m:e>
+                      <m:sup>
+                        <m:r>
+                          <a:rPr lang="en-US" b="0" i="0" smtClean="0">
+                            <a:latin typeface="Cambria Math" panose="02040503050406030204" pitchFamily="18" charset="0"/>
+                          </a:rPr>
+                          <m:t>2</m:t>
+                        </m:r>
+                      </m:sup>
+                    </m:sSup>
+                    <m:sSup>
+                      <m:sSupPr>
+                        <m:ctrlPr>
+                          <a:rPr lang="en-US" i="1">
+                            <a:latin typeface="Cambria Math" panose="02040503050406030204" pitchFamily="18" charset="0"/>
+                          </a:rPr>
+                        </m:ctrlPr>
+                      </m:sSupPr>
+                      <m:e>
+                        <m:r>
+                          <m:rPr>
+                            <m:sty m:val="p"/>
+                          </m:rPr>
+                          <a:rPr lang="en-US">
+                            <a:latin typeface="Cambria Math" panose="02040503050406030204" pitchFamily="18" charset="0"/>
+                          </a:rPr>
+                          <m:t>b</m:t>
+                        </m:r>
+                      </m:e>
+                      <m:sup/>
+                    </m:sSup>
+                  </m:oMath>
+                </a14:m>
+                <a:r>
+                  <a:rPr lang="en-US" dirty="0"/>
+                  <a:t>		</a:t>
+                </a:r>
+                <a14:m>
+                  <m:oMath xmlns:m="http://schemas.openxmlformats.org/officeDocument/2006/math">
+                    <m:sSup>
+                      <m:sSupPr>
+                        <m:ctrlPr>
+                          <a:rPr lang="en-US" i="1">
+                            <a:latin typeface="Cambria Math" panose="02040503050406030204" pitchFamily="18" charset="0"/>
+                          </a:rPr>
+                        </m:ctrlPr>
+                      </m:sSupPr>
+                      <m:e>
+                        <m:r>
+                          <m:rPr>
+                            <m:sty m:val="p"/>
+                          </m:rPr>
+                          <a:rPr lang="en-US">
+                            <a:latin typeface="Cambria Math" panose="02040503050406030204" pitchFamily="18" charset="0"/>
+                          </a:rPr>
+                          <m:t>a</m:t>
+                        </m:r>
+                      </m:e>
+                      <m:sup>
+                        <m:r>
+                          <m:rPr>
+                            <m:sty m:val="p"/>
+                          </m:rPr>
+                          <a:rPr lang="en-US">
+                            <a:latin typeface="Cambria Math" panose="02040503050406030204" pitchFamily="18" charset="0"/>
+                          </a:rPr>
+                          <m:t>n</m:t>
+                        </m:r>
+                      </m:sup>
+                    </m:sSup>
+                    <m:sSup>
+                      <m:sSupPr>
+                        <m:ctrlPr>
+                          <a:rPr lang="en-US" i="1">
+                            <a:latin typeface="Cambria Math" panose="02040503050406030204" pitchFamily="18" charset="0"/>
+                          </a:rPr>
+                        </m:ctrlPr>
+                      </m:sSupPr>
+                      <m:e>
+                        <m:r>
+                          <m:rPr>
+                            <m:sty m:val="p"/>
+                          </m:rPr>
+                          <a:rPr lang="en-US">
+                            <a:latin typeface="Cambria Math" panose="02040503050406030204" pitchFamily="18" charset="0"/>
+                          </a:rPr>
+                          <m:t>b</m:t>
+                        </m:r>
+                      </m:e>
+                      <m:sup>
+                        <m:r>
+                          <m:rPr>
+                            <m:sty m:val="p"/>
+                          </m:rPr>
+                          <a:rPr lang="en-US" b="0" i="0" smtClean="0">
+                            <a:latin typeface="Cambria Math" panose="02040503050406030204" pitchFamily="18" charset="0"/>
+                          </a:rPr>
+                          <m:t>m</m:t>
+                        </m:r>
+                      </m:sup>
+                    </m:sSup>
+                  </m:oMath>
+                </a14:m>
+                <a:endParaRPr lang="en-US" dirty="0"/>
+              </a:p>
+            </p:txBody>
+          </p:sp>
+        </mc:Choice>
+        <mc:Fallback xmlns="">
+          <p:sp>
+            <p:nvSpPr>
+              <p:cNvPr id="3" name="Content Placeholder 2"/>
+              <p:cNvSpPr>
+                <a:spLocks noGrp="1" noRot="1" noChangeAspect="1" noMove="1" noResize="1" noEditPoints="1" noAdjustHandles="1" noChangeArrowheads="1" noChangeShapeType="1" noTextEdit="1"/>
+              </p:cNvSpPr>
+              <p:nvPr>
+                <p:ph idx="1"/>
+              </p:nvPr>
+            </p:nvSpPr>
+            <p:spPr>
+              <a:xfrm>
+                <a:off x="2589212" y="2133600"/>
+                <a:ext cx="8915400" cy="4724400"/>
+              </a:xfrm>
+              <a:blipFill rotWithShape="0">
+                <a:blip r:embed="rId2"/>
+                <a:stretch>
+                  <a:fillRect l="-479" t="-645" r="-616"/>
+                </a:stretch>
+              </a:blipFill>
+            </p:spPr>
+            <p:txBody>
+              <a:bodyPr/>
+              <a:lstStyle/>
+              <a:p>
+                <a:r>
+                  <a:rPr lang="en-US">
+                    <a:noFill/>
+                  </a:rPr>
+                  <a:t> </a:t>
+                </a:r>
+              </a:p>
+            </p:txBody>
+          </p:sp>
+        </mc:Fallback>
+      </mc:AlternateContent>
+      <p:cxnSp>
+        <p:nvCxnSpPr>
+          <p:cNvPr id="4" name="Straight Arrow Connector 3"/>
+          <p:cNvCxnSpPr/>
+          <p:nvPr/>
+        </p:nvCxnSpPr>
+        <p:spPr>
+          <a:xfrm>
+            <a:off x="5316433" y="3407637"/>
+            <a:ext cx="209550" cy="0"/>
+          </a:xfrm>
+          <a:prstGeom prst="straightConnector1">
+            <a:avLst/>
+          </a:prstGeom>
+          <a:ln>
+            <a:tailEnd type="triangle"/>
+          </a:ln>
+        </p:spPr>
+        <p:style>
+          <a:lnRef idx="1">
+            <a:schemeClr val="dk1"/>
+          </a:lnRef>
+          <a:fillRef idx="0">
+            <a:schemeClr val="dk1"/>
+          </a:fillRef>
+          <a:effectRef idx="0">
+            <a:schemeClr val="dk1"/>
+          </a:effectRef>
+          <a:fontRef idx="minor">
+            <a:schemeClr val="tx1"/>
+          </a:fontRef>
+        </p:style>
+      </p:cxnSp>
+      <p:cxnSp>
+        <p:nvCxnSpPr>
+          <p:cNvPr id="5" name="Straight Arrow Connector 4"/>
+          <p:cNvCxnSpPr/>
+          <p:nvPr/>
+        </p:nvCxnSpPr>
+        <p:spPr>
+          <a:xfrm>
+            <a:off x="6247160" y="3407637"/>
+            <a:ext cx="209550" cy="0"/>
+          </a:xfrm>
+          <a:prstGeom prst="straightConnector1">
+            <a:avLst/>
+          </a:prstGeom>
+          <a:ln>
+            <a:tailEnd type="triangle"/>
+          </a:ln>
+        </p:spPr>
+        <p:style>
+          <a:lnRef idx="1">
+            <a:schemeClr val="dk1"/>
+          </a:lnRef>
+          <a:fillRef idx="0">
+            <a:schemeClr val="dk1"/>
+          </a:fillRef>
+          <a:effectRef idx="0">
+            <a:schemeClr val="dk1"/>
+          </a:effectRef>
+          <a:fontRef idx="minor">
+            <a:schemeClr val="tx1"/>
+          </a:fontRef>
+        </p:style>
+      </p:cxnSp>
+      <p:cxnSp>
+        <p:nvCxnSpPr>
+          <p:cNvPr id="7" name="Straight Arrow Connector 6"/>
+          <p:cNvCxnSpPr/>
+          <p:nvPr/>
+        </p:nvCxnSpPr>
+        <p:spPr>
+          <a:xfrm>
+            <a:off x="3244516" y="3753894"/>
+            <a:ext cx="721895" cy="0"/>
+          </a:xfrm>
+          <a:prstGeom prst="straightConnector1">
+            <a:avLst/>
+          </a:prstGeom>
+          <a:ln>
+            <a:tailEnd type="triangle"/>
+          </a:ln>
+        </p:spPr>
+        <p:style>
+          <a:lnRef idx="1">
+            <a:schemeClr val="dk1"/>
+          </a:lnRef>
+          <a:fillRef idx="0">
+            <a:schemeClr val="dk1"/>
+          </a:fillRef>
+          <a:effectRef idx="0">
+            <a:schemeClr val="dk1"/>
+          </a:effectRef>
+          <a:fontRef idx="minor">
+            <a:schemeClr val="tx1"/>
+          </a:fontRef>
+        </p:style>
+      </p:cxnSp>
+      <p:cxnSp>
+        <p:nvCxnSpPr>
+          <p:cNvPr id="8" name="Straight Arrow Connector 7"/>
+          <p:cNvCxnSpPr/>
+          <p:nvPr/>
+        </p:nvCxnSpPr>
+        <p:spPr>
+          <a:xfrm>
+            <a:off x="7911766" y="5392412"/>
+            <a:ext cx="209550" cy="0"/>
+          </a:xfrm>
+          <a:prstGeom prst="straightConnector1">
+            <a:avLst/>
+          </a:prstGeom>
+          <a:ln>
+            <a:tailEnd type="triangle"/>
+          </a:ln>
+        </p:spPr>
+        <p:style>
+          <a:lnRef idx="1">
+            <a:schemeClr val="dk1"/>
+          </a:lnRef>
+          <a:fillRef idx="0">
+            <a:schemeClr val="dk1"/>
+          </a:fillRef>
+          <a:effectRef idx="0">
+            <a:schemeClr val="dk1"/>
+          </a:effectRef>
+          <a:fontRef idx="minor">
+            <a:schemeClr val="tx1"/>
+          </a:fontRef>
+        </p:style>
+      </p:cxnSp>
+      <p:cxnSp>
+        <p:nvCxnSpPr>
+          <p:cNvPr id="9" name="Straight Arrow Connector 8"/>
+          <p:cNvCxnSpPr/>
+          <p:nvPr/>
+        </p:nvCxnSpPr>
+        <p:spPr>
+          <a:xfrm>
+            <a:off x="3244516" y="4188416"/>
+            <a:ext cx="721895" cy="0"/>
+          </a:xfrm>
+          <a:prstGeom prst="straightConnector1">
+            <a:avLst/>
+          </a:prstGeom>
+          <a:ln>
+            <a:tailEnd type="triangle"/>
+          </a:ln>
+        </p:spPr>
+        <p:style>
+          <a:lnRef idx="1">
+            <a:schemeClr val="dk1"/>
+          </a:lnRef>
+          <a:fillRef idx="0">
+            <a:schemeClr val="dk1"/>
+          </a:fillRef>
+          <a:effectRef idx="0">
+            <a:schemeClr val="dk1"/>
+          </a:effectRef>
+          <a:fontRef idx="minor">
+            <a:schemeClr val="tx1"/>
+          </a:fontRef>
+        </p:style>
+      </p:cxnSp>
+      <p:cxnSp>
+        <p:nvCxnSpPr>
+          <p:cNvPr id="10" name="Straight Arrow Connector 9"/>
+          <p:cNvCxnSpPr/>
+          <p:nvPr/>
+        </p:nvCxnSpPr>
+        <p:spPr>
+          <a:xfrm>
+            <a:off x="7911766" y="4175841"/>
+            <a:ext cx="209550" cy="0"/>
+          </a:xfrm>
+          <a:prstGeom prst="straightConnector1">
+            <a:avLst/>
+          </a:prstGeom>
+          <a:ln>
+            <a:tailEnd type="triangle"/>
+          </a:ln>
+        </p:spPr>
+        <p:style>
+          <a:lnRef idx="1">
+            <a:schemeClr val="dk1"/>
+          </a:lnRef>
+          <a:fillRef idx="0">
+            <a:schemeClr val="dk1"/>
+          </a:fillRef>
+          <a:effectRef idx="0">
+            <a:schemeClr val="dk1"/>
+          </a:effectRef>
+          <a:fontRef idx="minor">
+            <a:schemeClr val="tx1"/>
+          </a:fontRef>
+        </p:style>
+      </p:cxnSp>
+      <p:cxnSp>
+        <p:nvCxnSpPr>
+          <p:cNvPr id="11" name="Straight Arrow Connector 10"/>
+          <p:cNvCxnSpPr/>
+          <p:nvPr/>
+        </p:nvCxnSpPr>
+        <p:spPr>
+          <a:xfrm>
+            <a:off x="3244516" y="4617496"/>
+            <a:ext cx="721895" cy="0"/>
+          </a:xfrm>
+          <a:prstGeom prst="straightConnector1">
+            <a:avLst/>
+          </a:prstGeom>
+          <a:ln>
+            <a:tailEnd type="triangle"/>
+          </a:ln>
+        </p:spPr>
+        <p:style>
+          <a:lnRef idx="1">
+            <a:schemeClr val="dk1"/>
+          </a:lnRef>
+          <a:fillRef idx="0">
+            <a:schemeClr val="dk1"/>
+          </a:fillRef>
+          <a:effectRef idx="0">
+            <a:schemeClr val="dk1"/>
+          </a:effectRef>
+          <a:fontRef idx="minor">
+            <a:schemeClr val="tx1"/>
+          </a:fontRef>
+        </p:style>
+      </p:cxnSp>
+      <p:cxnSp>
+        <p:nvCxnSpPr>
+          <p:cNvPr id="12" name="Straight Arrow Connector 11"/>
+          <p:cNvCxnSpPr/>
+          <p:nvPr/>
+        </p:nvCxnSpPr>
+        <p:spPr>
+          <a:xfrm>
+            <a:off x="7911766" y="4570489"/>
+            <a:ext cx="209550" cy="0"/>
+          </a:xfrm>
+          <a:prstGeom prst="straightConnector1">
+            <a:avLst/>
+          </a:prstGeom>
+          <a:ln>
+            <a:tailEnd type="triangle"/>
+          </a:ln>
+        </p:spPr>
+        <p:style>
+          <a:lnRef idx="1">
+            <a:schemeClr val="dk1"/>
+          </a:lnRef>
+          <a:fillRef idx="0">
+            <a:schemeClr val="dk1"/>
+          </a:fillRef>
+          <a:effectRef idx="0">
+            <a:schemeClr val="dk1"/>
+          </a:effectRef>
+          <a:fontRef idx="minor">
+            <a:schemeClr val="tx1"/>
+          </a:fontRef>
+        </p:style>
+      </p:cxnSp>
+      <p:cxnSp>
+        <p:nvCxnSpPr>
+          <p:cNvPr id="13" name="Straight Arrow Connector 12"/>
+          <p:cNvCxnSpPr/>
+          <p:nvPr/>
+        </p:nvCxnSpPr>
+        <p:spPr>
+          <a:xfrm>
+            <a:off x="3244516" y="4997592"/>
+            <a:ext cx="721895" cy="0"/>
+          </a:xfrm>
+          <a:prstGeom prst="straightConnector1">
+            <a:avLst/>
+          </a:prstGeom>
+          <a:ln>
+            <a:tailEnd type="triangle"/>
+          </a:ln>
+        </p:spPr>
+        <p:style>
+          <a:lnRef idx="1">
+            <a:schemeClr val="dk1"/>
+          </a:lnRef>
+          <a:fillRef idx="0">
+            <a:schemeClr val="dk1"/>
+          </a:fillRef>
+          <a:effectRef idx="0">
+            <a:schemeClr val="dk1"/>
+          </a:effectRef>
+          <a:fontRef idx="minor">
+            <a:schemeClr val="tx1"/>
+          </a:fontRef>
+        </p:style>
+      </p:cxnSp>
+      <p:cxnSp>
+        <p:nvCxnSpPr>
+          <p:cNvPr id="16" name="Straight Arrow Connector 15"/>
+          <p:cNvCxnSpPr/>
+          <p:nvPr/>
+        </p:nvCxnSpPr>
+        <p:spPr>
+          <a:xfrm>
+            <a:off x="7575218" y="3414897"/>
+            <a:ext cx="209550" cy="0"/>
+          </a:xfrm>
+          <a:prstGeom prst="straightConnector1">
+            <a:avLst/>
+          </a:prstGeom>
+          <a:ln>
+            <a:tailEnd type="triangle"/>
+          </a:ln>
+        </p:spPr>
+        <p:style>
+          <a:lnRef idx="1">
+            <a:schemeClr val="dk1"/>
+          </a:lnRef>
+          <a:fillRef idx="0">
+            <a:schemeClr val="dk1"/>
+          </a:fillRef>
+          <a:effectRef idx="0">
+            <a:schemeClr val="dk1"/>
+          </a:effectRef>
+          <a:fontRef idx="minor">
+            <a:schemeClr val="tx1"/>
+          </a:fontRef>
+        </p:style>
+      </p:cxnSp>
+      <p:cxnSp>
+        <p:nvCxnSpPr>
+          <p:cNvPr id="17" name="Straight Arrow Connector 16"/>
+          <p:cNvCxnSpPr/>
+          <p:nvPr/>
+        </p:nvCxnSpPr>
+        <p:spPr>
+          <a:xfrm>
+            <a:off x="7911766" y="4967046"/>
+            <a:ext cx="209550" cy="0"/>
           </a:xfrm>
           <a:prstGeom prst="straightConnector1">
             <a:avLst/>
@@ -9125,7 +13116,7 @@
         </p:nvCxnSpPr>
         <p:spPr>
           <a:xfrm>
-            <a:off x="8644746" y="3906791"/>
+            <a:off x="3244516" y="5403990"/>
             <a:ext cx="721895" cy="0"/>
           </a:xfrm>
           <a:prstGeom prst="straightConnector1">
@@ -9158,7 +13149,7 @@
         </p:nvCxnSpPr>
         <p:spPr>
           <a:xfrm>
-            <a:off x="8644746" y="5900308"/>
+            <a:off x="3244516" y="5789525"/>
             <a:ext cx="721895" cy="0"/>
           </a:xfrm>
           <a:prstGeom prst="straightConnector1">
@@ -9191,7 +13182,301 @@
         </p:nvCxnSpPr>
         <p:spPr>
           <a:xfrm>
-            <a:off x="8644746" y="5154355"/>
+            <a:off x="4705350" y="5808575"/>
+            <a:ext cx="425116" cy="0"/>
+          </a:xfrm>
+          <a:prstGeom prst="straightConnector1">
+            <a:avLst/>
+          </a:prstGeom>
+          <a:ln w="47625" cap="sq" cmpd="dbl">
+            <a:solidFill>
+              <a:schemeClr val="tx1">
+                <a:lumMod val="95000"/>
+                <a:lumOff val="5000"/>
+              </a:schemeClr>
+            </a:solidFill>
+            <a:miter lim="800000"/>
+            <a:headEnd type="none"/>
+            <a:tailEnd type="stealth" w="med" len="med"/>
+          </a:ln>
+        </p:spPr>
+        <p:style>
+          <a:lnRef idx="3">
+            <a:schemeClr val="dk1"/>
+          </a:lnRef>
+          <a:fillRef idx="0">
+            <a:schemeClr val="dk1"/>
+          </a:fillRef>
+          <a:effectRef idx="2">
+            <a:schemeClr val="dk1"/>
+          </a:effectRef>
+          <a:fontRef idx="minor">
+            <a:schemeClr val="tx1"/>
+          </a:fontRef>
+        </p:style>
+      </p:cxnSp>
+    </p:spTree>
+    <p:extLst>
+      <p:ext uri="{BB962C8B-B14F-4D97-AF65-F5344CB8AC3E}">
+        <p14:creationId xmlns:p14="http://schemas.microsoft.com/office/powerpoint/2010/main" val="1669055155"/>
+      </p:ext>
+    </p:extLst>
+  </p:cSld>
+  <p:clrMapOvr>
+    <a:masterClrMapping/>
+  </p:clrMapOvr>
+</p:sld>
+</file>
+
+<file path=ppt/slides/slide16.xml><?xml version="1.0" encoding="utf-8"?>
+<p:sld xmlns:a="http://schemas.openxmlformats.org/drawingml/2006/main" xmlns:r="http://schemas.openxmlformats.org/officeDocument/2006/relationships" xmlns:p="http://schemas.openxmlformats.org/presentationml/2006/main">
+  <p:cSld>
+    <p:spTree>
+      <p:nvGrpSpPr>
+        <p:cNvPr id="1" name=""/>
+        <p:cNvGrpSpPr/>
+        <p:nvPr/>
+      </p:nvGrpSpPr>
+      <p:grpSpPr>
+        <a:xfrm>
+          <a:off x="0" y="0"/>
+          <a:ext cx="0" cy="0"/>
+          <a:chOff x="0" y="0"/>
+          <a:chExt cx="0" cy="0"/>
+        </a:xfrm>
+      </p:grpSpPr>
+      <p:sp>
+        <p:nvSpPr>
+          <p:cNvPr id="2" name="Title 1"/>
+          <p:cNvSpPr>
+            <a:spLocks noGrp="1"/>
+          </p:cNvSpPr>
+          <p:nvPr>
+            <p:ph type="title"/>
+          </p:nvPr>
+        </p:nvSpPr>
+        <p:spPr/>
+        <p:txBody>
+          <a:bodyPr/>
+          <a:lstStyle/>
+          <a:p>
+            <a:r>
+              <a:rPr lang="en-US" dirty="0"/>
+              <a:t>Rightmost </a:t>
+            </a:r>
+            <a:r>
+              <a:rPr lang="en-US" dirty="0" smtClean="0"/>
+              <a:t>Derivations:</a:t>
+            </a:r>
+            <a:endParaRPr lang="en-US" dirty="0"/>
+          </a:p>
+        </p:txBody>
+      </p:sp>
+      <p:sp>
+        <p:nvSpPr>
+          <p:cNvPr id="3" name="Content Placeholder 2"/>
+          <p:cNvSpPr>
+            <a:spLocks noGrp="1"/>
+          </p:cNvSpPr>
+          <p:nvPr>
+            <p:ph idx="1"/>
+          </p:nvPr>
+        </p:nvSpPr>
+        <p:spPr>
+          <a:xfrm>
+            <a:off x="2589212" y="2133600"/>
+            <a:ext cx="8915400" cy="4724400"/>
+          </a:xfrm>
+        </p:spPr>
+        <p:txBody>
+          <a:bodyPr>
+            <a:normAutofit/>
+          </a:bodyPr>
+          <a:lstStyle/>
+          <a:p>
+            <a:r>
+              <a:rPr lang="en-US" dirty="0" smtClean="0">
+                <a:latin typeface="Century Gothic" panose="020B0502020202020204" pitchFamily="34" charset="0"/>
+              </a:rPr>
+              <a:t>S= </a:t>
+            </a:r>
+            <a:r>
+              <a:rPr lang="en-US" dirty="0" smtClean="0">
+                <a:latin typeface="Century Gothic" panose="020B0502020202020204" pitchFamily="34" charset="0"/>
+              </a:rPr>
+              <a:t>S+S|S*</a:t>
+            </a:r>
+            <a:r>
+              <a:rPr lang="en-US" dirty="0" err="1" smtClean="0">
+                <a:latin typeface="Century Gothic" panose="020B0502020202020204" pitchFamily="34" charset="0"/>
+              </a:rPr>
+              <a:t>S|a|b|c</a:t>
+            </a:r>
+            <a:r>
+              <a:rPr lang="en-US" dirty="0">
+                <a:latin typeface="Century Gothic" panose="020B0502020202020204" pitchFamily="34" charset="0"/>
+              </a:rPr>
+              <a:t>	</a:t>
+            </a:r>
+            <a:endParaRPr lang="en-US" dirty="0" smtClean="0">
+              <a:latin typeface="Century Gothic" panose="020B0502020202020204" pitchFamily="34" charset="0"/>
+            </a:endParaRPr>
+          </a:p>
+          <a:p>
+            <a:r>
+              <a:rPr lang="en-US" dirty="0" smtClean="0">
+                <a:latin typeface="Century Gothic" panose="020B0502020202020204" pitchFamily="34" charset="0"/>
+              </a:rPr>
+              <a:t>W= a+b*c</a:t>
+            </a:r>
+          </a:p>
+          <a:p>
+            <a:r>
+              <a:rPr lang="en-US" dirty="0" smtClean="0">
+                <a:latin typeface="Century Gothic" panose="020B0502020202020204" pitchFamily="34" charset="0"/>
+              </a:rPr>
+              <a:t>S</a:t>
+            </a:r>
+            <a:r>
+              <a:rPr lang="en-US" dirty="0">
+                <a:latin typeface="Century Gothic" panose="020B0502020202020204" pitchFamily="34" charset="0"/>
+              </a:rPr>
+              <a:t>		</a:t>
+            </a:r>
+            <a:r>
+              <a:rPr lang="en-US" dirty="0" smtClean="0">
+                <a:latin typeface="Century Gothic" panose="020B0502020202020204" pitchFamily="34" charset="0"/>
+              </a:rPr>
+              <a:t>S*S</a:t>
+            </a:r>
+            <a:r>
+              <a:rPr lang="en-US" dirty="0">
+                <a:latin typeface="Century Gothic" panose="020B0502020202020204" pitchFamily="34" charset="0"/>
+              </a:rPr>
+              <a:t>		</a:t>
+            </a:r>
+            <a:endParaRPr lang="en-US" dirty="0" smtClean="0">
+              <a:latin typeface="Century Gothic" panose="020B0502020202020204" pitchFamily="34" charset="0"/>
+            </a:endParaRPr>
+          </a:p>
+          <a:p>
+            <a:r>
+              <a:rPr lang="en-US" dirty="0" smtClean="0">
+                <a:latin typeface="Century Gothic" panose="020B0502020202020204" pitchFamily="34" charset="0"/>
+              </a:rPr>
+              <a:t>S</a:t>
+            </a:r>
+            <a:r>
+              <a:rPr lang="en-US" dirty="0">
+                <a:latin typeface="Century Gothic" panose="020B0502020202020204" pitchFamily="34" charset="0"/>
+              </a:rPr>
+              <a:t>		</a:t>
+            </a:r>
+            <a:r>
+              <a:rPr lang="en-US" dirty="0" smtClean="0">
+                <a:latin typeface="Century Gothic" panose="020B0502020202020204" pitchFamily="34" charset="0"/>
+              </a:rPr>
+              <a:t>S*c		</a:t>
+            </a:r>
+            <a:r>
+              <a:rPr lang="en-US" dirty="0">
+                <a:latin typeface="Century Gothic" panose="020B0502020202020204" pitchFamily="34" charset="0"/>
+              </a:rPr>
+              <a:t>	</a:t>
+            </a:r>
+            <a:endParaRPr lang="en-US" dirty="0" smtClean="0">
+              <a:latin typeface="Century Gothic" panose="020B0502020202020204" pitchFamily="34" charset="0"/>
+            </a:endParaRPr>
+          </a:p>
+          <a:p>
+            <a:r>
+              <a:rPr lang="en-US" dirty="0" smtClean="0">
+                <a:latin typeface="Century Gothic" panose="020B0502020202020204" pitchFamily="34" charset="0"/>
+              </a:rPr>
+              <a:t>S</a:t>
+            </a:r>
+            <a:r>
+              <a:rPr lang="en-US" dirty="0">
+                <a:latin typeface="Century Gothic" panose="020B0502020202020204" pitchFamily="34" charset="0"/>
+              </a:rPr>
+              <a:t>		</a:t>
+            </a:r>
+            <a:r>
+              <a:rPr lang="en-US" dirty="0" smtClean="0">
+                <a:latin typeface="Century Gothic" panose="020B0502020202020204" pitchFamily="34" charset="0"/>
+              </a:rPr>
+              <a:t>S+S*c</a:t>
+            </a:r>
+            <a:r>
+              <a:rPr lang="en-US" dirty="0">
+                <a:latin typeface="Century Gothic" panose="020B0502020202020204" pitchFamily="34" charset="0"/>
+              </a:rPr>
+              <a:t>	</a:t>
+            </a:r>
+            <a:r>
+              <a:rPr lang="en-US" dirty="0" smtClean="0">
+                <a:latin typeface="Century Gothic" panose="020B0502020202020204" pitchFamily="34" charset="0"/>
+              </a:rPr>
+              <a:t>	</a:t>
+            </a:r>
+          </a:p>
+          <a:p>
+            <a:r>
+              <a:rPr lang="en-US" dirty="0" smtClean="0">
+                <a:latin typeface="Century Gothic" panose="020B0502020202020204" pitchFamily="34" charset="0"/>
+              </a:rPr>
+              <a:t>S</a:t>
+            </a:r>
+            <a:r>
+              <a:rPr lang="en-US" dirty="0">
+                <a:latin typeface="Century Gothic" panose="020B0502020202020204" pitchFamily="34" charset="0"/>
+              </a:rPr>
+              <a:t>		</a:t>
+            </a:r>
+            <a:r>
+              <a:rPr lang="en-US" dirty="0" err="1">
+                <a:latin typeface="Century Gothic" panose="020B0502020202020204" pitchFamily="34" charset="0"/>
+              </a:rPr>
+              <a:t>S</a:t>
+            </a:r>
+            <a:r>
+              <a:rPr lang="en-US" dirty="0" err="1" smtClean="0">
+                <a:latin typeface="Century Gothic" panose="020B0502020202020204" pitchFamily="34" charset="0"/>
+              </a:rPr>
+              <a:t>+b</a:t>
+            </a:r>
+            <a:r>
+              <a:rPr lang="en-US" dirty="0" smtClean="0">
+                <a:latin typeface="Century Gothic" panose="020B0502020202020204" pitchFamily="34" charset="0"/>
+              </a:rPr>
+              <a:t>*c	</a:t>
+            </a:r>
+          </a:p>
+          <a:p>
+            <a:r>
+              <a:rPr lang="en-US" dirty="0" smtClean="0">
+                <a:latin typeface="Century Gothic" panose="020B0502020202020204" pitchFamily="34" charset="0"/>
+              </a:rPr>
+              <a:t>S		a+b*c	</a:t>
+            </a:r>
+            <a:endParaRPr lang="en-US" dirty="0">
+              <a:latin typeface="Century Gothic" panose="020B0502020202020204" pitchFamily="34" charset="0"/>
+            </a:endParaRPr>
+          </a:p>
+          <a:p>
+            <a:endParaRPr lang="en-US" dirty="0"/>
+          </a:p>
+        </p:txBody>
+      </p:sp>
+      <p:cxnSp>
+        <p:nvCxnSpPr>
+          <p:cNvPr id="11" name="Straight Arrow Connector 10"/>
+          <p:cNvCxnSpPr/>
+          <p:nvPr/>
+        </p:nvCxnSpPr>
+        <p:spPr>
+          <a:xfrm>
+            <a:off x="3244516" y="3157665"/>
             <a:ext cx="721895" cy="0"/>
           </a:xfrm>
           <a:prstGeom prst="straightConnector1">
@@ -9218,13 +13503,733 @@
       </p:cxnSp>
       <p:cxnSp>
         <p:nvCxnSpPr>
-          <p:cNvPr id="21" name="Straight Arrow Connector 20"/>
+          <p:cNvPr id="13" name="Straight Arrow Connector 12"/>
           <p:cNvCxnSpPr/>
           <p:nvPr/>
         </p:nvCxnSpPr>
         <p:spPr>
           <a:xfrm>
-            <a:off x="8644746" y="5529736"/>
+            <a:off x="3244516" y="3537761"/>
+            <a:ext cx="721895" cy="0"/>
+          </a:xfrm>
+          <a:prstGeom prst="straightConnector1">
+            <a:avLst/>
+          </a:prstGeom>
+          <a:ln>
+            <a:tailEnd type="triangle"/>
+          </a:ln>
+        </p:spPr>
+        <p:style>
+          <a:lnRef idx="1">
+            <a:schemeClr val="dk1"/>
+          </a:lnRef>
+          <a:fillRef idx="0">
+            <a:schemeClr val="dk1"/>
+          </a:fillRef>
+          <a:effectRef idx="0">
+            <a:schemeClr val="dk1"/>
+          </a:effectRef>
+          <a:fontRef idx="minor">
+            <a:schemeClr val="tx1"/>
+          </a:fontRef>
+        </p:style>
+      </p:cxnSp>
+      <p:cxnSp>
+        <p:nvCxnSpPr>
+          <p:cNvPr id="18" name="Straight Arrow Connector 17"/>
+          <p:cNvCxnSpPr/>
+          <p:nvPr/>
+        </p:nvCxnSpPr>
+        <p:spPr>
+          <a:xfrm>
+            <a:off x="3244516" y="3944159"/>
+            <a:ext cx="721895" cy="0"/>
+          </a:xfrm>
+          <a:prstGeom prst="straightConnector1">
+            <a:avLst/>
+          </a:prstGeom>
+          <a:ln>
+            <a:tailEnd type="triangle"/>
+          </a:ln>
+        </p:spPr>
+        <p:style>
+          <a:lnRef idx="1">
+            <a:schemeClr val="dk1"/>
+          </a:lnRef>
+          <a:fillRef idx="0">
+            <a:schemeClr val="dk1"/>
+          </a:fillRef>
+          <a:effectRef idx="0">
+            <a:schemeClr val="dk1"/>
+          </a:effectRef>
+          <a:fontRef idx="minor">
+            <a:schemeClr val="tx1"/>
+          </a:fontRef>
+        </p:style>
+      </p:cxnSp>
+      <p:cxnSp>
+        <p:nvCxnSpPr>
+          <p:cNvPr id="20" name="Straight Arrow Connector 19"/>
+          <p:cNvCxnSpPr/>
+          <p:nvPr/>
+        </p:nvCxnSpPr>
+        <p:spPr>
+          <a:xfrm>
+            <a:off x="3244516" y="4329696"/>
+            <a:ext cx="721895" cy="0"/>
+          </a:xfrm>
+          <a:prstGeom prst="straightConnector1">
+            <a:avLst/>
+          </a:prstGeom>
+          <a:ln>
+            <a:tailEnd type="triangle"/>
+          </a:ln>
+        </p:spPr>
+        <p:style>
+          <a:lnRef idx="1">
+            <a:schemeClr val="dk1"/>
+          </a:lnRef>
+          <a:fillRef idx="0">
+            <a:schemeClr val="dk1"/>
+          </a:fillRef>
+          <a:effectRef idx="0">
+            <a:schemeClr val="dk1"/>
+          </a:effectRef>
+          <a:fontRef idx="minor">
+            <a:schemeClr val="tx1"/>
+          </a:fontRef>
+        </p:style>
+      </p:cxnSp>
+      <p:cxnSp>
+        <p:nvCxnSpPr>
+          <p:cNvPr id="9" name="Straight Arrow Connector 8"/>
+          <p:cNvCxnSpPr/>
+          <p:nvPr/>
+        </p:nvCxnSpPr>
+        <p:spPr>
+          <a:xfrm>
+            <a:off x="3244516" y="4729746"/>
+            <a:ext cx="721895" cy="0"/>
+          </a:xfrm>
+          <a:prstGeom prst="straightConnector1">
+            <a:avLst/>
+          </a:prstGeom>
+          <a:ln>
+            <a:tailEnd type="triangle"/>
+          </a:ln>
+        </p:spPr>
+        <p:style>
+          <a:lnRef idx="1">
+            <a:schemeClr val="dk1"/>
+          </a:lnRef>
+          <a:fillRef idx="0">
+            <a:schemeClr val="dk1"/>
+          </a:fillRef>
+          <a:effectRef idx="0">
+            <a:schemeClr val="dk1"/>
+          </a:effectRef>
+          <a:fontRef idx="minor">
+            <a:schemeClr val="tx1"/>
+          </a:fontRef>
+        </p:style>
+      </p:cxnSp>
+    </p:spTree>
+    <p:extLst>
+      <p:ext uri="{BB962C8B-B14F-4D97-AF65-F5344CB8AC3E}">
+        <p14:creationId xmlns:p14="http://schemas.microsoft.com/office/powerpoint/2010/main" val="1982841729"/>
+      </p:ext>
+    </p:extLst>
+  </p:cSld>
+  <p:clrMapOvr>
+    <a:masterClrMapping/>
+  </p:clrMapOvr>
+</p:sld>
+</file>
+
+<file path=ppt/slides/slide17.xml><?xml version="1.0" encoding="utf-8"?>
+<p:sld xmlns:a="http://schemas.openxmlformats.org/drawingml/2006/main" xmlns:r="http://schemas.openxmlformats.org/officeDocument/2006/relationships" xmlns:p="http://schemas.openxmlformats.org/presentationml/2006/main">
+  <p:cSld>
+    <p:spTree>
+      <p:nvGrpSpPr>
+        <p:cNvPr id="1" name=""/>
+        <p:cNvGrpSpPr/>
+        <p:nvPr/>
+      </p:nvGrpSpPr>
+      <p:grpSpPr>
+        <a:xfrm>
+          <a:off x="0" y="0"/>
+          <a:ext cx="0" cy="0"/>
+          <a:chOff x="0" y="0"/>
+          <a:chExt cx="0" cy="0"/>
+        </a:xfrm>
+      </p:grpSpPr>
+      <p:sp>
+        <p:nvSpPr>
+          <p:cNvPr id="2" name="Title 1"/>
+          <p:cNvSpPr>
+            <a:spLocks noGrp="1"/>
+          </p:cNvSpPr>
+          <p:nvPr>
+            <p:ph type="title"/>
+          </p:nvPr>
+        </p:nvSpPr>
+        <p:spPr/>
+        <p:txBody>
+          <a:bodyPr/>
+          <a:lstStyle/>
+          <a:p>
+            <a:r>
+              <a:rPr lang="en-US" dirty="0"/>
+              <a:t>Rightmost </a:t>
+            </a:r>
+            <a:r>
+              <a:rPr lang="en-US" dirty="0" smtClean="0"/>
+              <a:t>Derivations:</a:t>
+            </a:r>
+            <a:endParaRPr lang="en-US" dirty="0"/>
+          </a:p>
+        </p:txBody>
+      </p:sp>
+      <p:sp>
+        <p:nvSpPr>
+          <p:cNvPr id="3" name="Content Placeholder 2"/>
+          <p:cNvSpPr>
+            <a:spLocks noGrp="1"/>
+          </p:cNvSpPr>
+          <p:nvPr>
+            <p:ph idx="1"/>
+          </p:nvPr>
+        </p:nvSpPr>
+        <p:spPr>
+          <a:xfrm>
+            <a:off x="2589212" y="2133600"/>
+            <a:ext cx="8915400" cy="4724400"/>
+          </a:xfrm>
+        </p:spPr>
+        <p:txBody>
+          <a:bodyPr>
+            <a:normAutofit/>
+          </a:bodyPr>
+          <a:lstStyle/>
+          <a:p>
+            <a:r>
+              <a:rPr lang="en-US" dirty="0" smtClean="0">
+                <a:latin typeface="Century Gothic" panose="020B0502020202020204" pitchFamily="34" charset="0"/>
+              </a:rPr>
+              <a:t>S	 </a:t>
+            </a:r>
+            <a:r>
+              <a:rPr lang="en-US" dirty="0" err="1" smtClean="0">
+                <a:latin typeface="Century Gothic" panose="020B0502020202020204" pitchFamily="34" charset="0"/>
+              </a:rPr>
+              <a:t>aAB</a:t>
+            </a:r>
+            <a:r>
+              <a:rPr lang="en-US" dirty="0">
+                <a:latin typeface="Century Gothic" panose="020B0502020202020204" pitchFamily="34" charset="0"/>
+              </a:rPr>
+              <a:t>	</a:t>
+            </a:r>
+            <a:endParaRPr lang="en-US" dirty="0" smtClean="0">
+              <a:latin typeface="Century Gothic" panose="020B0502020202020204" pitchFamily="34" charset="0"/>
+            </a:endParaRPr>
+          </a:p>
+          <a:p>
+            <a:r>
+              <a:rPr lang="en-US" dirty="0" smtClean="0">
+                <a:latin typeface="Century Gothic" panose="020B0502020202020204" pitchFamily="34" charset="0"/>
+              </a:rPr>
+              <a:t>A	</a:t>
+            </a:r>
+            <a:r>
+              <a:rPr lang="en-US" dirty="0" err="1" smtClean="0">
+                <a:latin typeface="Century Gothic" panose="020B0502020202020204" pitchFamily="34" charset="0"/>
+              </a:rPr>
+              <a:t>bBb</a:t>
+            </a:r>
+            <a:endParaRPr lang="en-US" dirty="0" smtClean="0">
+              <a:latin typeface="Century Gothic" panose="020B0502020202020204" pitchFamily="34" charset="0"/>
+            </a:endParaRPr>
+          </a:p>
+          <a:p>
+            <a:r>
+              <a:rPr lang="en-US" dirty="0" smtClean="0">
+                <a:latin typeface="Century Gothic" panose="020B0502020202020204" pitchFamily="34" charset="0"/>
+              </a:rPr>
+              <a:t>B</a:t>
+            </a:r>
+            <a:r>
+              <a:rPr lang="en-US" dirty="0">
+                <a:latin typeface="Century Gothic" panose="020B0502020202020204" pitchFamily="34" charset="0"/>
+              </a:rPr>
+              <a:t>	</a:t>
+            </a:r>
+            <a:r>
+              <a:rPr lang="en-US" dirty="0">
+                <a:latin typeface="Century Gothic" panose="020B0502020202020204" pitchFamily="34" charset="0"/>
+              </a:rPr>
+              <a:t>A| €</a:t>
+            </a:r>
+            <a:endParaRPr lang="en-US" dirty="0" smtClean="0">
+              <a:latin typeface="Century Gothic" panose="020B0502020202020204" pitchFamily="34" charset="0"/>
+            </a:endParaRPr>
+          </a:p>
+          <a:p>
+            <a:r>
+              <a:rPr lang="en-US" dirty="0" smtClean="0">
+                <a:latin typeface="Century Gothic" panose="020B0502020202020204" pitchFamily="34" charset="0"/>
+              </a:rPr>
+              <a:t>S		</a:t>
+            </a:r>
+            <a:r>
+              <a:rPr lang="en-US" dirty="0" err="1" smtClean="0">
+                <a:latin typeface="Century Gothic" panose="020B0502020202020204" pitchFamily="34" charset="0"/>
+              </a:rPr>
+              <a:t>aAB</a:t>
+            </a:r>
+            <a:endParaRPr lang="en-US" dirty="0" smtClean="0">
+              <a:latin typeface="Century Gothic" panose="020B0502020202020204" pitchFamily="34" charset="0"/>
+            </a:endParaRPr>
+          </a:p>
+          <a:p>
+            <a:r>
+              <a:rPr lang="en-US" dirty="0">
+                <a:latin typeface="Century Gothic" panose="020B0502020202020204" pitchFamily="34" charset="0"/>
+              </a:rPr>
+              <a:t>S		</a:t>
+            </a:r>
+            <a:r>
+              <a:rPr lang="en-US" dirty="0" err="1">
+                <a:latin typeface="Century Gothic" panose="020B0502020202020204" pitchFamily="34" charset="0"/>
+              </a:rPr>
+              <a:t>aA</a:t>
+            </a:r>
+            <a:r>
+              <a:rPr lang="en-US" dirty="0" smtClean="0">
+                <a:latin typeface="Century Gothic" panose="020B0502020202020204" pitchFamily="34" charset="0"/>
+              </a:rPr>
+              <a:t>€</a:t>
+            </a:r>
+            <a:r>
+              <a:rPr lang="en-US" dirty="0" smtClean="0">
+                <a:latin typeface="Century Gothic" panose="020B0502020202020204" pitchFamily="34" charset="0"/>
+              </a:rPr>
+              <a:t>		</a:t>
+            </a:r>
+            <a:r>
+              <a:rPr lang="en-US" dirty="0">
+                <a:latin typeface="Century Gothic" panose="020B0502020202020204" pitchFamily="34" charset="0"/>
+              </a:rPr>
+              <a:t>	</a:t>
+            </a:r>
+            <a:endParaRPr lang="en-US" dirty="0" smtClean="0">
+              <a:latin typeface="Century Gothic" panose="020B0502020202020204" pitchFamily="34" charset="0"/>
+            </a:endParaRPr>
+          </a:p>
+          <a:p>
+            <a:r>
+              <a:rPr lang="en-US" dirty="0" smtClean="0">
+                <a:latin typeface="Century Gothic" panose="020B0502020202020204" pitchFamily="34" charset="0"/>
+              </a:rPr>
+              <a:t>S</a:t>
+            </a:r>
+            <a:r>
+              <a:rPr lang="en-US" dirty="0">
+                <a:latin typeface="Century Gothic" panose="020B0502020202020204" pitchFamily="34" charset="0"/>
+              </a:rPr>
+              <a:t>		</a:t>
+            </a:r>
+            <a:r>
+              <a:rPr lang="en-US" dirty="0" err="1" smtClean="0">
+                <a:latin typeface="Century Gothic" panose="020B0502020202020204" pitchFamily="34" charset="0"/>
+              </a:rPr>
+              <a:t>abBb</a:t>
+            </a:r>
+            <a:r>
+              <a:rPr lang="en-US" dirty="0">
+                <a:latin typeface="Century Gothic" panose="020B0502020202020204" pitchFamily="34" charset="0"/>
+              </a:rPr>
+              <a:t>	</a:t>
+            </a:r>
+            <a:r>
+              <a:rPr lang="en-US" dirty="0" smtClean="0">
+                <a:latin typeface="Century Gothic" panose="020B0502020202020204" pitchFamily="34" charset="0"/>
+              </a:rPr>
+              <a:t>	</a:t>
+            </a:r>
+          </a:p>
+          <a:p>
+            <a:r>
+              <a:rPr lang="en-US" dirty="0" smtClean="0">
+                <a:latin typeface="Century Gothic" panose="020B0502020202020204" pitchFamily="34" charset="0"/>
+              </a:rPr>
+              <a:t>S		</a:t>
+            </a:r>
+            <a:r>
+              <a:rPr lang="en-US" dirty="0" err="1" smtClean="0">
+                <a:latin typeface="Century Gothic" panose="020B0502020202020204" pitchFamily="34" charset="0"/>
+              </a:rPr>
+              <a:t>abAb</a:t>
+            </a:r>
+            <a:endParaRPr lang="en-US" dirty="0">
+              <a:latin typeface="Century Gothic" panose="020B0502020202020204" pitchFamily="34" charset="0"/>
+            </a:endParaRPr>
+          </a:p>
+          <a:p>
+            <a:r>
+              <a:rPr lang="en-US" dirty="0" smtClean="0">
+                <a:latin typeface="Century Gothic" panose="020B0502020202020204" pitchFamily="34" charset="0"/>
+              </a:rPr>
+              <a:t>S	</a:t>
+            </a:r>
+            <a:r>
+              <a:rPr lang="en-US" dirty="0">
+                <a:latin typeface="Century Gothic" panose="020B0502020202020204" pitchFamily="34" charset="0"/>
+              </a:rPr>
+              <a:t>	</a:t>
+            </a:r>
+            <a:r>
+              <a:rPr lang="en-US" dirty="0" err="1" smtClean="0">
+                <a:latin typeface="Century Gothic" panose="020B0502020202020204" pitchFamily="34" charset="0"/>
+              </a:rPr>
+              <a:t>abbBbb</a:t>
+            </a:r>
+            <a:r>
+              <a:rPr lang="en-US" dirty="0" smtClean="0">
+                <a:latin typeface="Century Gothic" panose="020B0502020202020204" pitchFamily="34" charset="0"/>
+              </a:rPr>
+              <a:t>	</a:t>
+            </a:r>
+            <a:endParaRPr lang="en-US" dirty="0" smtClean="0">
+              <a:latin typeface="Century Gothic" panose="020B0502020202020204" pitchFamily="34" charset="0"/>
+            </a:endParaRPr>
+          </a:p>
+          <a:p>
+            <a:r>
+              <a:rPr lang="en-US" dirty="0" smtClean="0">
+                <a:latin typeface="Century Gothic" panose="020B0502020202020204" pitchFamily="34" charset="0"/>
+              </a:rPr>
+              <a:t>S		</a:t>
+            </a:r>
+            <a:r>
+              <a:rPr lang="en-US" dirty="0" err="1" smtClean="0">
+                <a:latin typeface="Century Gothic" panose="020B0502020202020204" pitchFamily="34" charset="0"/>
+              </a:rPr>
+              <a:t>abb€bb</a:t>
+            </a:r>
+            <a:r>
+              <a:rPr lang="en-US" dirty="0" smtClean="0">
+                <a:latin typeface="Century Gothic" panose="020B0502020202020204" pitchFamily="34" charset="0"/>
+              </a:rPr>
+              <a:t>	</a:t>
+            </a:r>
+            <a:endParaRPr lang="en-US" dirty="0" smtClean="0">
+              <a:latin typeface="Century Gothic" panose="020B0502020202020204" pitchFamily="34" charset="0"/>
+            </a:endParaRPr>
+          </a:p>
+          <a:p>
+            <a:r>
+              <a:rPr lang="en-US" dirty="0">
+                <a:latin typeface="Century Gothic" panose="020B0502020202020204" pitchFamily="34" charset="0"/>
+              </a:rPr>
+              <a:t>S		</a:t>
+            </a:r>
+            <a:r>
+              <a:rPr lang="en-US" dirty="0" err="1" smtClean="0">
+                <a:latin typeface="Century Gothic" panose="020B0502020202020204" pitchFamily="34" charset="0"/>
+              </a:rPr>
+              <a:t>abbbb</a:t>
+            </a:r>
+            <a:r>
+              <a:rPr lang="en-US" dirty="0">
+                <a:latin typeface="Century Gothic" panose="020B0502020202020204" pitchFamily="34" charset="0"/>
+              </a:rPr>
+              <a:t>	</a:t>
+            </a:r>
+          </a:p>
+          <a:p>
+            <a:endParaRPr lang="en-US" dirty="0">
+              <a:latin typeface="Century Gothic" panose="020B0502020202020204" pitchFamily="34" charset="0"/>
+            </a:endParaRPr>
+          </a:p>
+          <a:p>
+            <a:endParaRPr lang="en-US" dirty="0"/>
+          </a:p>
+        </p:txBody>
+      </p:sp>
+      <p:cxnSp>
+        <p:nvCxnSpPr>
+          <p:cNvPr id="11" name="Straight Arrow Connector 10"/>
+          <p:cNvCxnSpPr/>
+          <p:nvPr/>
+        </p:nvCxnSpPr>
+        <p:spPr>
+          <a:xfrm>
+            <a:off x="3244516" y="5119815"/>
+            <a:ext cx="721895" cy="0"/>
+          </a:xfrm>
+          <a:prstGeom prst="straightConnector1">
+            <a:avLst/>
+          </a:prstGeom>
+          <a:ln>
+            <a:tailEnd type="triangle"/>
+          </a:ln>
+        </p:spPr>
+        <p:style>
+          <a:lnRef idx="1">
+            <a:schemeClr val="dk1"/>
+          </a:lnRef>
+          <a:fillRef idx="0">
+            <a:schemeClr val="dk1"/>
+          </a:fillRef>
+          <a:effectRef idx="0">
+            <a:schemeClr val="dk1"/>
+          </a:effectRef>
+          <a:fontRef idx="minor">
+            <a:schemeClr val="tx1"/>
+          </a:fontRef>
+        </p:style>
+      </p:cxnSp>
+      <p:cxnSp>
+        <p:nvCxnSpPr>
+          <p:cNvPr id="13" name="Straight Arrow Connector 12"/>
+          <p:cNvCxnSpPr/>
+          <p:nvPr/>
+        </p:nvCxnSpPr>
+        <p:spPr>
+          <a:xfrm>
+            <a:off x="3244516" y="3537761"/>
+            <a:ext cx="721895" cy="0"/>
+          </a:xfrm>
+          <a:prstGeom prst="straightConnector1">
+            <a:avLst/>
+          </a:prstGeom>
+          <a:ln>
+            <a:tailEnd type="triangle"/>
+          </a:ln>
+        </p:spPr>
+        <p:style>
+          <a:lnRef idx="1">
+            <a:schemeClr val="dk1"/>
+          </a:lnRef>
+          <a:fillRef idx="0">
+            <a:schemeClr val="dk1"/>
+          </a:fillRef>
+          <a:effectRef idx="0">
+            <a:schemeClr val="dk1"/>
+          </a:effectRef>
+          <a:fontRef idx="minor">
+            <a:schemeClr val="tx1"/>
+          </a:fontRef>
+        </p:style>
+      </p:cxnSp>
+      <p:cxnSp>
+        <p:nvCxnSpPr>
+          <p:cNvPr id="18" name="Straight Arrow Connector 17"/>
+          <p:cNvCxnSpPr/>
+          <p:nvPr/>
+        </p:nvCxnSpPr>
+        <p:spPr>
+          <a:xfrm>
+            <a:off x="3244516" y="3944159"/>
+            <a:ext cx="721895" cy="0"/>
+          </a:xfrm>
+          <a:prstGeom prst="straightConnector1">
+            <a:avLst/>
+          </a:prstGeom>
+          <a:ln>
+            <a:tailEnd type="triangle"/>
+          </a:ln>
+        </p:spPr>
+        <p:style>
+          <a:lnRef idx="1">
+            <a:schemeClr val="dk1"/>
+          </a:lnRef>
+          <a:fillRef idx="0">
+            <a:schemeClr val="dk1"/>
+          </a:fillRef>
+          <a:effectRef idx="0">
+            <a:schemeClr val="dk1"/>
+          </a:effectRef>
+          <a:fontRef idx="minor">
+            <a:schemeClr val="tx1"/>
+          </a:fontRef>
+        </p:style>
+      </p:cxnSp>
+      <p:cxnSp>
+        <p:nvCxnSpPr>
+          <p:cNvPr id="20" name="Straight Arrow Connector 19"/>
+          <p:cNvCxnSpPr/>
+          <p:nvPr/>
+        </p:nvCxnSpPr>
+        <p:spPr>
+          <a:xfrm>
+            <a:off x="3244516" y="4329696"/>
+            <a:ext cx="721895" cy="0"/>
+          </a:xfrm>
+          <a:prstGeom prst="straightConnector1">
+            <a:avLst/>
+          </a:prstGeom>
+          <a:ln>
+            <a:tailEnd type="triangle"/>
+          </a:ln>
+        </p:spPr>
+        <p:style>
+          <a:lnRef idx="1">
+            <a:schemeClr val="dk1"/>
+          </a:lnRef>
+          <a:fillRef idx="0">
+            <a:schemeClr val="dk1"/>
+          </a:fillRef>
+          <a:effectRef idx="0">
+            <a:schemeClr val="dk1"/>
+          </a:effectRef>
+          <a:fontRef idx="minor">
+            <a:schemeClr val="tx1"/>
+          </a:fontRef>
+        </p:style>
+      </p:cxnSp>
+      <p:cxnSp>
+        <p:nvCxnSpPr>
+          <p:cNvPr id="19" name="Straight Arrow Connector 18"/>
+          <p:cNvCxnSpPr/>
+          <p:nvPr/>
+        </p:nvCxnSpPr>
+        <p:spPr>
+          <a:xfrm>
+            <a:off x="3244516" y="4748796"/>
+            <a:ext cx="721895" cy="0"/>
+          </a:xfrm>
+          <a:prstGeom prst="straightConnector1">
+            <a:avLst/>
+          </a:prstGeom>
+          <a:ln>
+            <a:tailEnd type="triangle"/>
+          </a:ln>
+        </p:spPr>
+        <p:style>
+          <a:lnRef idx="1">
+            <a:schemeClr val="dk1"/>
+          </a:lnRef>
+          <a:fillRef idx="0">
+            <a:schemeClr val="dk1"/>
+          </a:fillRef>
+          <a:effectRef idx="0">
+            <a:schemeClr val="dk1"/>
+          </a:effectRef>
+          <a:fontRef idx="minor">
+            <a:schemeClr val="tx1"/>
+          </a:fontRef>
+        </p:style>
+      </p:cxnSp>
+      <p:cxnSp>
+        <p:nvCxnSpPr>
+          <p:cNvPr id="10" name="Straight Arrow Connector 9"/>
+          <p:cNvCxnSpPr/>
+          <p:nvPr/>
+        </p:nvCxnSpPr>
+        <p:spPr>
+          <a:xfrm>
+            <a:off x="3282616" y="2308941"/>
+            <a:ext cx="209550" cy="0"/>
+          </a:xfrm>
+          <a:prstGeom prst="straightConnector1">
+            <a:avLst/>
+          </a:prstGeom>
+          <a:ln>
+            <a:tailEnd type="triangle"/>
+          </a:ln>
+        </p:spPr>
+        <p:style>
+          <a:lnRef idx="1">
+            <a:schemeClr val="dk1"/>
+          </a:lnRef>
+          <a:fillRef idx="0">
+            <a:schemeClr val="dk1"/>
+          </a:fillRef>
+          <a:effectRef idx="0">
+            <a:schemeClr val="dk1"/>
+          </a:effectRef>
+          <a:fontRef idx="minor">
+            <a:schemeClr val="tx1"/>
+          </a:fontRef>
+        </p:style>
+      </p:cxnSp>
+      <p:cxnSp>
+        <p:nvCxnSpPr>
+          <p:cNvPr id="12" name="Straight Arrow Connector 11"/>
+          <p:cNvCxnSpPr/>
+          <p:nvPr/>
+        </p:nvCxnSpPr>
+        <p:spPr>
+          <a:xfrm>
+            <a:off x="3282616" y="2703589"/>
+            <a:ext cx="209550" cy="0"/>
+          </a:xfrm>
+          <a:prstGeom prst="straightConnector1">
+            <a:avLst/>
+          </a:prstGeom>
+          <a:ln>
+            <a:tailEnd type="triangle"/>
+          </a:ln>
+        </p:spPr>
+        <p:style>
+          <a:lnRef idx="1">
+            <a:schemeClr val="dk1"/>
+          </a:lnRef>
+          <a:fillRef idx="0">
+            <a:schemeClr val="dk1"/>
+          </a:fillRef>
+          <a:effectRef idx="0">
+            <a:schemeClr val="dk1"/>
+          </a:effectRef>
+          <a:fontRef idx="minor">
+            <a:schemeClr val="tx1"/>
+          </a:fontRef>
+        </p:style>
+      </p:cxnSp>
+      <p:cxnSp>
+        <p:nvCxnSpPr>
+          <p:cNvPr id="14" name="Straight Arrow Connector 13"/>
+          <p:cNvCxnSpPr/>
+          <p:nvPr/>
+        </p:nvCxnSpPr>
+        <p:spPr>
+          <a:xfrm>
+            <a:off x="3282616" y="3100146"/>
+            <a:ext cx="209550" cy="0"/>
+          </a:xfrm>
+          <a:prstGeom prst="straightConnector1">
+            <a:avLst/>
+          </a:prstGeom>
+          <a:ln>
+            <a:tailEnd type="triangle"/>
+          </a:ln>
+        </p:spPr>
+        <p:style>
+          <a:lnRef idx="1">
+            <a:schemeClr val="dk1"/>
+          </a:lnRef>
+          <a:fillRef idx="0">
+            <a:schemeClr val="dk1"/>
+          </a:fillRef>
+          <a:effectRef idx="0">
+            <a:schemeClr val="dk1"/>
+          </a:effectRef>
+          <a:fontRef idx="minor">
+            <a:schemeClr val="tx1"/>
+          </a:fontRef>
+        </p:style>
+      </p:cxnSp>
+      <p:cxnSp>
+        <p:nvCxnSpPr>
+          <p:cNvPr id="15" name="Straight Arrow Connector 14"/>
+          <p:cNvCxnSpPr/>
+          <p:nvPr/>
+        </p:nvCxnSpPr>
+        <p:spPr>
+          <a:xfrm>
+            <a:off x="3244516" y="5519865"/>
             <a:ext cx="721895" cy="0"/>
           </a:xfrm>
           <a:prstGeom prst="straightConnector1">
@@ -9257,238 +14262,7 @@
         </p:nvCxnSpPr>
         <p:spPr>
           <a:xfrm>
-            <a:off x="8644746" y="6275517"/>
-            <a:ext cx="721895" cy="0"/>
-          </a:xfrm>
-          <a:prstGeom prst="straightConnector1">
-            <a:avLst/>
-          </a:prstGeom>
-          <a:ln>
-            <a:tailEnd type="triangle"/>
-          </a:ln>
-        </p:spPr>
-        <p:style>
-          <a:lnRef idx="1">
-            <a:schemeClr val="dk1"/>
-          </a:lnRef>
-          <a:fillRef idx="0">
-            <a:schemeClr val="dk1"/>
-          </a:fillRef>
-          <a:effectRef idx="0">
-            <a:schemeClr val="dk1"/>
-          </a:effectRef>
-          <a:fontRef idx="minor">
-            <a:schemeClr val="tx1"/>
-          </a:fontRef>
-        </p:style>
-      </p:cxnSp>
-      <p:cxnSp>
-        <p:nvCxnSpPr>
-          <p:cNvPr id="23" name="Straight Arrow Connector 22"/>
-          <p:cNvCxnSpPr/>
-          <p:nvPr/>
-        </p:nvCxnSpPr>
-        <p:spPr>
-          <a:xfrm>
-            <a:off x="8644746" y="4728775"/>
-            <a:ext cx="721895" cy="0"/>
-          </a:xfrm>
-          <a:prstGeom prst="straightConnector1">
-            <a:avLst/>
-          </a:prstGeom>
-          <a:ln>
-            <a:tailEnd type="triangle"/>
-          </a:ln>
-        </p:spPr>
-        <p:style>
-          <a:lnRef idx="1">
-            <a:schemeClr val="dk1"/>
-          </a:lnRef>
-          <a:fillRef idx="0">
-            <a:schemeClr val="dk1"/>
-          </a:fillRef>
-          <a:effectRef idx="0">
-            <a:schemeClr val="dk1"/>
-          </a:effectRef>
-          <a:fontRef idx="minor">
-            <a:schemeClr val="tx1"/>
-          </a:fontRef>
-        </p:style>
-      </p:cxnSp>
-      <p:cxnSp>
-        <p:nvCxnSpPr>
-          <p:cNvPr id="25" name="Straight Arrow Connector 24"/>
-          <p:cNvCxnSpPr/>
-          <p:nvPr/>
-        </p:nvCxnSpPr>
-        <p:spPr>
-          <a:xfrm>
-            <a:off x="3274307" y="6704877"/>
-            <a:ext cx="721895" cy="0"/>
-          </a:xfrm>
-          <a:prstGeom prst="straightConnector1">
-            <a:avLst/>
-          </a:prstGeom>
-          <a:ln>
-            <a:tailEnd type="triangle"/>
-          </a:ln>
-        </p:spPr>
-        <p:style>
-          <a:lnRef idx="1">
-            <a:schemeClr val="dk1"/>
-          </a:lnRef>
-          <a:fillRef idx="0">
-            <a:schemeClr val="dk1"/>
-          </a:fillRef>
-          <a:effectRef idx="0">
-            <a:schemeClr val="dk1"/>
-          </a:effectRef>
-          <a:fontRef idx="minor">
-            <a:schemeClr val="tx1"/>
-          </a:fontRef>
-        </p:style>
-      </p:cxnSp>
-      <p:cxnSp>
-        <p:nvCxnSpPr>
-          <p:cNvPr id="26" name="Straight Arrow Connector 25"/>
-          <p:cNvCxnSpPr/>
-          <p:nvPr/>
-        </p:nvCxnSpPr>
-        <p:spPr>
-          <a:xfrm>
-            <a:off x="3274307" y="6291216"/>
-            <a:ext cx="721895" cy="0"/>
-          </a:xfrm>
-          <a:prstGeom prst="straightConnector1">
-            <a:avLst/>
-          </a:prstGeom>
-          <a:ln>
-            <a:tailEnd type="triangle"/>
-          </a:ln>
-        </p:spPr>
-        <p:style>
-          <a:lnRef idx="1">
-            <a:schemeClr val="dk1"/>
-          </a:lnRef>
-          <a:fillRef idx="0">
-            <a:schemeClr val="dk1"/>
-          </a:fillRef>
-          <a:effectRef idx="0">
-            <a:schemeClr val="dk1"/>
-          </a:effectRef>
-          <a:fontRef idx="minor">
-            <a:schemeClr val="tx1"/>
-          </a:fontRef>
-        </p:style>
-      </p:cxnSp>
-      <p:cxnSp>
-        <p:nvCxnSpPr>
-          <p:cNvPr id="27" name="Straight Arrow Connector 26"/>
-          <p:cNvCxnSpPr/>
-          <p:nvPr/>
-        </p:nvCxnSpPr>
-        <p:spPr>
-          <a:xfrm>
-            <a:off x="3266285" y="5120665"/>
-            <a:ext cx="721895" cy="0"/>
-          </a:xfrm>
-          <a:prstGeom prst="straightConnector1">
-            <a:avLst/>
-          </a:prstGeom>
-          <a:ln>
-            <a:tailEnd type="triangle"/>
-          </a:ln>
-        </p:spPr>
-        <p:style>
-          <a:lnRef idx="1">
-            <a:schemeClr val="dk1"/>
-          </a:lnRef>
-          <a:fillRef idx="0">
-            <a:schemeClr val="dk1"/>
-          </a:fillRef>
-          <a:effectRef idx="0">
-            <a:schemeClr val="dk1"/>
-          </a:effectRef>
-          <a:fontRef idx="minor">
-            <a:schemeClr val="tx1"/>
-          </a:fontRef>
-        </p:style>
-      </p:cxnSp>
-      <p:cxnSp>
-        <p:nvCxnSpPr>
-          <p:cNvPr id="28" name="Straight Arrow Connector 27"/>
-          <p:cNvCxnSpPr/>
-          <p:nvPr/>
-        </p:nvCxnSpPr>
-        <p:spPr>
-          <a:xfrm>
-            <a:off x="3266285" y="4728775"/>
-            <a:ext cx="721895" cy="0"/>
-          </a:xfrm>
-          <a:prstGeom prst="straightConnector1">
-            <a:avLst/>
-          </a:prstGeom>
-          <a:ln>
-            <a:tailEnd type="triangle"/>
-          </a:ln>
-        </p:spPr>
-        <p:style>
-          <a:lnRef idx="1">
-            <a:schemeClr val="dk1"/>
-          </a:lnRef>
-          <a:fillRef idx="0">
-            <a:schemeClr val="dk1"/>
-          </a:fillRef>
-          <a:effectRef idx="0">
-            <a:schemeClr val="dk1"/>
-          </a:effectRef>
-          <a:fontRef idx="minor">
-            <a:schemeClr val="tx1"/>
-          </a:fontRef>
-        </p:style>
-      </p:cxnSp>
-      <p:cxnSp>
-        <p:nvCxnSpPr>
-          <p:cNvPr id="24" name="Straight Arrow Connector 23"/>
-          <p:cNvCxnSpPr/>
-          <p:nvPr/>
-        </p:nvCxnSpPr>
-        <p:spPr>
-          <a:xfrm>
-            <a:off x="8644746" y="3513761"/>
-            <a:ext cx="721895" cy="0"/>
-          </a:xfrm>
-          <a:prstGeom prst="straightConnector1">
-            <a:avLst/>
-          </a:prstGeom>
-          <a:ln>
-            <a:tailEnd type="triangle"/>
-          </a:ln>
-        </p:spPr>
-        <p:style>
-          <a:lnRef idx="1">
-            <a:schemeClr val="dk1"/>
-          </a:lnRef>
-          <a:fillRef idx="0">
-            <a:schemeClr val="dk1"/>
-          </a:fillRef>
-          <a:effectRef idx="0">
-            <a:schemeClr val="dk1"/>
-          </a:effectRef>
-          <a:fontRef idx="minor">
-            <a:schemeClr val="tx1"/>
-          </a:fontRef>
-        </p:style>
-      </p:cxnSp>
-      <p:cxnSp>
-        <p:nvCxnSpPr>
-          <p:cNvPr id="29" name="Straight Arrow Connector 28"/>
-          <p:cNvCxnSpPr/>
-          <p:nvPr/>
-        </p:nvCxnSpPr>
-        <p:spPr>
-          <a:xfrm>
-            <a:off x="8644746" y="3119985"/>
+            <a:off x="3244516" y="5919915"/>
             <a:ext cx="721895" cy="0"/>
           </a:xfrm>
           <a:prstGeom prst="straightConnector1">
@@ -9516,7 +14290,383 @@
     </p:spTree>
     <p:extLst>
       <p:ext uri="{BB962C8B-B14F-4D97-AF65-F5344CB8AC3E}">
-        <p14:creationId xmlns:p14="http://schemas.microsoft.com/office/powerpoint/2010/main" val="668283654"/>
+        <p14:creationId xmlns:p14="http://schemas.microsoft.com/office/powerpoint/2010/main" val="2917757899"/>
+      </p:ext>
+    </p:extLst>
+  </p:cSld>
+  <p:clrMapOvr>
+    <a:masterClrMapping/>
+  </p:clrMapOvr>
+</p:sld>
+</file>
+
+<file path=ppt/slides/slide18.xml><?xml version="1.0" encoding="utf-8"?>
+<p:sld xmlns:a="http://schemas.openxmlformats.org/drawingml/2006/main" xmlns:r="http://schemas.openxmlformats.org/officeDocument/2006/relationships" xmlns:p="http://schemas.openxmlformats.org/presentationml/2006/main">
+  <p:cSld>
+    <p:spTree>
+      <p:nvGrpSpPr>
+        <p:cNvPr id="1" name=""/>
+        <p:cNvGrpSpPr/>
+        <p:nvPr/>
+      </p:nvGrpSpPr>
+      <p:grpSpPr>
+        <a:xfrm>
+          <a:off x="0" y="0"/>
+          <a:ext cx="0" cy="0"/>
+          <a:chOff x="0" y="0"/>
+          <a:chExt cx="0" cy="0"/>
+        </a:xfrm>
+      </p:grpSpPr>
+      <p:sp>
+        <p:nvSpPr>
+          <p:cNvPr id="2" name="Title 1"/>
+          <p:cNvSpPr>
+            <a:spLocks noGrp="1"/>
+          </p:cNvSpPr>
+          <p:nvPr>
+            <p:ph type="title"/>
+          </p:nvPr>
+        </p:nvSpPr>
+        <p:spPr/>
+        <p:txBody>
+          <a:bodyPr/>
+          <a:lstStyle/>
+          <a:p>
+            <a:r>
+              <a:rPr lang="en-US" dirty="0" smtClean="0"/>
+              <a:t>Leftmost and Rightmost Derivations:</a:t>
+            </a:r>
+            <a:endParaRPr lang="en-US" dirty="0"/>
+          </a:p>
+        </p:txBody>
+      </p:sp>
+      <p:sp>
+        <p:nvSpPr>
+          <p:cNvPr id="3" name="Content Placeholder 2"/>
+          <p:cNvSpPr>
+            <a:spLocks noGrp="1"/>
+          </p:cNvSpPr>
+          <p:nvPr>
+            <p:ph idx="1"/>
+          </p:nvPr>
+        </p:nvSpPr>
+        <p:spPr/>
+        <p:txBody>
+          <a:bodyPr/>
+          <a:lstStyle/>
+          <a:p>
+            <a:r>
+              <a:rPr lang="en-US" dirty="0" smtClean="0"/>
+              <a:t>Find the leftmost derivation and rightmost derivation</a:t>
+            </a:r>
+          </a:p>
+          <a:p>
+            <a:r>
+              <a:rPr lang="en-US" dirty="0" smtClean="0"/>
+              <a:t>S	</a:t>
+            </a:r>
+            <a:r>
+              <a:rPr lang="en-US" dirty="0" err="1" smtClean="0"/>
+              <a:t>aB|bA</a:t>
+            </a:r>
+            <a:endParaRPr lang="en-US" dirty="0" smtClean="0"/>
+          </a:p>
+          <a:p>
+            <a:r>
+              <a:rPr lang="en-US" dirty="0" smtClean="0"/>
+              <a:t>A	</a:t>
+            </a:r>
+            <a:r>
+              <a:rPr lang="en-US" dirty="0" err="1" smtClean="0"/>
+              <a:t>a|aS|bAA</a:t>
+            </a:r>
+            <a:endParaRPr lang="en-US" dirty="0" smtClean="0"/>
+          </a:p>
+          <a:p>
+            <a:r>
+              <a:rPr lang="en-US" dirty="0" smtClean="0"/>
+              <a:t>B	</a:t>
+            </a:r>
+            <a:r>
+              <a:rPr lang="en-US" dirty="0" err="1" smtClean="0"/>
+              <a:t>b|bS|aBB</a:t>
+            </a:r>
+            <a:endParaRPr lang="en-US" dirty="0" smtClean="0"/>
+          </a:p>
+          <a:p>
+            <a:r>
+              <a:rPr lang="en-US" dirty="0" smtClean="0"/>
+              <a:t>For the string </a:t>
+            </a:r>
+            <a:r>
+              <a:rPr lang="en-US" dirty="0" err="1" smtClean="0"/>
+              <a:t>baaabbabba</a:t>
+            </a:r>
+            <a:endParaRPr lang="en-US" dirty="0"/>
+          </a:p>
+        </p:txBody>
+      </p:sp>
+      <p:cxnSp>
+        <p:nvCxnSpPr>
+          <p:cNvPr id="4" name="Straight Arrow Connector 3"/>
+          <p:cNvCxnSpPr/>
+          <p:nvPr/>
+        </p:nvCxnSpPr>
+        <p:spPr>
+          <a:xfrm>
+            <a:off x="3282616" y="2728041"/>
+            <a:ext cx="209550" cy="0"/>
+          </a:xfrm>
+          <a:prstGeom prst="straightConnector1">
+            <a:avLst/>
+          </a:prstGeom>
+          <a:ln>
+            <a:tailEnd type="triangle"/>
+          </a:ln>
+        </p:spPr>
+        <p:style>
+          <a:lnRef idx="1">
+            <a:schemeClr val="dk1"/>
+          </a:lnRef>
+          <a:fillRef idx="0">
+            <a:schemeClr val="dk1"/>
+          </a:fillRef>
+          <a:effectRef idx="0">
+            <a:schemeClr val="dk1"/>
+          </a:effectRef>
+          <a:fontRef idx="minor">
+            <a:schemeClr val="tx1"/>
+          </a:fontRef>
+        </p:style>
+      </p:cxnSp>
+      <p:cxnSp>
+        <p:nvCxnSpPr>
+          <p:cNvPr id="5" name="Straight Arrow Connector 4"/>
+          <p:cNvCxnSpPr/>
+          <p:nvPr/>
+        </p:nvCxnSpPr>
+        <p:spPr>
+          <a:xfrm>
+            <a:off x="3282616" y="3122689"/>
+            <a:ext cx="209550" cy="0"/>
+          </a:xfrm>
+          <a:prstGeom prst="straightConnector1">
+            <a:avLst/>
+          </a:prstGeom>
+          <a:ln>
+            <a:tailEnd type="triangle"/>
+          </a:ln>
+        </p:spPr>
+        <p:style>
+          <a:lnRef idx="1">
+            <a:schemeClr val="dk1"/>
+          </a:lnRef>
+          <a:fillRef idx="0">
+            <a:schemeClr val="dk1"/>
+          </a:fillRef>
+          <a:effectRef idx="0">
+            <a:schemeClr val="dk1"/>
+          </a:effectRef>
+          <a:fontRef idx="minor">
+            <a:schemeClr val="tx1"/>
+          </a:fontRef>
+        </p:style>
+      </p:cxnSp>
+      <p:cxnSp>
+        <p:nvCxnSpPr>
+          <p:cNvPr id="6" name="Straight Arrow Connector 5"/>
+          <p:cNvCxnSpPr/>
+          <p:nvPr/>
+        </p:nvCxnSpPr>
+        <p:spPr>
+          <a:xfrm>
+            <a:off x="3282616" y="3519246"/>
+            <a:ext cx="209550" cy="0"/>
+          </a:xfrm>
+          <a:prstGeom prst="straightConnector1">
+            <a:avLst/>
+          </a:prstGeom>
+          <a:ln>
+            <a:tailEnd type="triangle"/>
+          </a:ln>
+        </p:spPr>
+        <p:style>
+          <a:lnRef idx="1">
+            <a:schemeClr val="dk1"/>
+          </a:lnRef>
+          <a:fillRef idx="0">
+            <a:schemeClr val="dk1"/>
+          </a:fillRef>
+          <a:effectRef idx="0">
+            <a:schemeClr val="dk1"/>
+          </a:effectRef>
+          <a:fontRef idx="minor">
+            <a:schemeClr val="tx1"/>
+          </a:fontRef>
+        </p:style>
+      </p:cxnSp>
+    </p:spTree>
+    <p:extLst>
+      <p:ext uri="{BB962C8B-B14F-4D97-AF65-F5344CB8AC3E}">
+        <p14:creationId xmlns:p14="http://schemas.microsoft.com/office/powerpoint/2010/main" val="265240872"/>
+      </p:ext>
+    </p:extLst>
+  </p:cSld>
+  <p:clrMapOvr>
+    <a:masterClrMapping/>
+  </p:clrMapOvr>
+</p:sld>
+</file>
+
+<file path=ppt/slides/slide19.xml><?xml version="1.0" encoding="utf-8"?>
+<p:sld xmlns:a="http://schemas.openxmlformats.org/drawingml/2006/main" xmlns:r="http://schemas.openxmlformats.org/officeDocument/2006/relationships" xmlns:p="http://schemas.openxmlformats.org/presentationml/2006/main">
+  <p:cSld>
+    <p:spTree>
+      <p:nvGrpSpPr>
+        <p:cNvPr id="1" name=""/>
+        <p:cNvGrpSpPr/>
+        <p:nvPr/>
+      </p:nvGrpSpPr>
+      <p:grpSpPr>
+        <a:xfrm>
+          <a:off x="0" y="0"/>
+          <a:ext cx="0" cy="0"/>
+          <a:chOff x="0" y="0"/>
+          <a:chExt cx="0" cy="0"/>
+        </a:xfrm>
+      </p:grpSpPr>
+      <p:sp>
+        <p:nvSpPr>
+          <p:cNvPr id="2" name="Title 1"/>
+          <p:cNvSpPr>
+            <a:spLocks noGrp="1"/>
+          </p:cNvSpPr>
+          <p:nvPr>
+            <p:ph type="title"/>
+          </p:nvPr>
+        </p:nvSpPr>
+        <p:spPr/>
+        <p:txBody>
+          <a:bodyPr/>
+          <a:lstStyle/>
+          <a:p>
+            <a:r>
+              <a:rPr lang="en-US" dirty="0" smtClean="0"/>
+              <a:t>Derivation Trees:</a:t>
+            </a:r>
+            <a:endParaRPr lang="en-US" dirty="0"/>
+          </a:p>
+        </p:txBody>
+      </p:sp>
+      <p:sp>
+        <p:nvSpPr>
+          <p:cNvPr id="3" name="Content Placeholder 2"/>
+          <p:cNvSpPr>
+            <a:spLocks noGrp="1"/>
+          </p:cNvSpPr>
+          <p:nvPr>
+            <p:ph idx="1"/>
+          </p:nvPr>
+        </p:nvSpPr>
+        <p:spPr/>
+        <p:txBody>
+          <a:bodyPr/>
+          <a:lstStyle/>
+          <a:p>
+            <a:r>
+              <a:rPr lang="en-US" dirty="0" smtClean="0"/>
+              <a:t>A second way of showing derivations,</a:t>
+            </a:r>
+            <a:r>
+              <a:rPr lang="en-US" dirty="0"/>
+              <a:t> independent of the order in which productions are used, is </a:t>
+            </a:r>
+            <a:r>
+              <a:rPr lang="en-US" dirty="0" smtClean="0"/>
+              <a:t>by a </a:t>
+            </a:r>
+            <a:r>
+              <a:rPr lang="en-US" b="1" dirty="0"/>
+              <a:t>derivation </a:t>
+            </a:r>
+            <a:r>
+              <a:rPr lang="en-US" dirty="0"/>
+              <a:t>or </a:t>
+            </a:r>
+            <a:r>
+              <a:rPr lang="en-US" b="1" dirty="0"/>
+              <a:t>parse tree. </a:t>
+            </a:r>
+            <a:r>
+              <a:rPr lang="en-US" dirty="0"/>
+              <a:t>A derivation tree is an ordered tree in which nodes are labeled with </a:t>
+            </a:r>
+            <a:r>
+              <a:rPr lang="en-US" dirty="0" smtClean="0"/>
+              <a:t>the left </a:t>
+            </a:r>
+            <a:r>
+              <a:rPr lang="en-US" dirty="0"/>
+              <a:t>sides of productions and in which the children of a node represent its corresponding right sides</a:t>
+            </a:r>
+            <a:r>
+              <a:rPr lang="en-US" dirty="0" smtClean="0"/>
+              <a:t>.</a:t>
+            </a:r>
+            <a:endParaRPr lang="en-US" dirty="0" smtClean="0"/>
+          </a:p>
+        </p:txBody>
+      </p:sp>
+      <p:pic>
+        <p:nvPicPr>
+          <p:cNvPr id="7" name="Picture 6"/>
+          <p:cNvPicPr>
+            <a:picLocks noChangeAspect="1"/>
+          </p:cNvPicPr>
+          <p:nvPr/>
+        </p:nvPicPr>
+        <p:blipFill rotWithShape="1">
+          <a:blip r:embed="rId2"/>
+          <a:srcRect l="30469" t="23599" r="28906" b="32491"/>
+          <a:stretch/>
+        </p:blipFill>
+        <p:spPr>
+          <a:xfrm>
+            <a:off x="5983388" y="3409217"/>
+            <a:ext cx="5675212" cy="3448783"/>
+          </a:xfrm>
+          <a:prstGeom prst="rect">
+            <a:avLst/>
+          </a:prstGeom>
+        </p:spPr>
+      </p:pic>
+      <p:pic>
+        <p:nvPicPr>
+          <p:cNvPr id="8" name="Picture 7"/>
+          <p:cNvPicPr>
+            <a:picLocks noChangeAspect="1"/>
+          </p:cNvPicPr>
+          <p:nvPr/>
+        </p:nvPicPr>
+        <p:blipFill rotWithShape="1">
+          <a:blip r:embed="rId3"/>
+          <a:srcRect l="32031" t="68064" r="30157" b="8035"/>
+          <a:stretch/>
+        </p:blipFill>
+        <p:spPr>
+          <a:xfrm>
+            <a:off x="894556" y="3927161"/>
+            <a:ext cx="4610100" cy="1638300"/>
+          </a:xfrm>
+          <a:prstGeom prst="rect">
+            <a:avLst/>
+          </a:prstGeom>
+        </p:spPr>
+      </p:pic>
+    </p:spTree>
+    <p:extLst>
+      <p:ext uri="{BB962C8B-B14F-4D97-AF65-F5344CB8AC3E}">
+        <p14:creationId xmlns:p14="http://schemas.microsoft.com/office/powerpoint/2010/main" val="3403502919"/>
       </p:ext>
     </p:extLst>
   </p:cSld>
@@ -10301,7 +15451,7 @@
           <a:p>
             <a:r>
               <a:rPr lang="en-US" dirty="0" smtClean="0"/>
-              <a:t>Context Free Language Example:</a:t>
+              <a:t>Context Free Language Example: </a:t>
             </a:r>
             <a:endParaRPr lang="en-US" dirty="0"/>
           </a:p>
@@ -12019,12 +17169,9 @@
             </a:r>
             <a:r>
               <a:rPr lang="en-US" dirty="0"/>
-              <a:t>		a | </a:t>
-            </a:r>
-            <a:r>
-              <a:rPr lang="en-US" dirty="0" smtClean="0"/>
-              <a:t>f</a:t>
-            </a:r>
+              <a:t>		a | c</a:t>
+            </a:r>
+            <a:endParaRPr lang="en-US" dirty="0" smtClean="0"/>
           </a:p>
           <a:p>
             <a:pPr>
@@ -12095,7 +17242,7 @@
             </a:pPr>
             <a:r>
               <a:rPr lang="en-US" dirty="0" smtClean="0"/>
-              <a:t>Y		AB</a:t>
+              <a:t>Y		A|B</a:t>
             </a:r>
           </a:p>
           <a:p>
@@ -12610,11 +17757,7 @@
             </a:pPr>
             <a:r>
               <a:rPr lang="en-US" sz="1800" dirty="0" smtClean="0"/>
-              <a:t>S		</a:t>
-            </a:r>
-            <a:r>
-              <a:rPr lang="en-US" sz="1800" dirty="0" smtClean="0"/>
-              <a:t>X|Y</a:t>
+              <a:t>S		X|Y</a:t>
             </a:r>
           </a:p>
           <a:p>
@@ -12648,15 +17791,7 @@
             </a:r>
             <a:r>
               <a:rPr lang="en-US" sz="1800" dirty="0" smtClean="0"/>
-              <a:t>A </a:t>
-            </a:r>
-            <a:r>
-              <a:rPr lang="en-US" sz="1800" dirty="0" smtClean="0"/>
-              <a:t>| </a:t>
-            </a:r>
-            <a:r>
-              <a:rPr lang="en-US" sz="1800" dirty="0" smtClean="0"/>
-              <a:t>B</a:t>
+              <a:t>A | B</a:t>
             </a:r>
           </a:p>
           <a:p>
@@ -12680,7 +17815,6 @@
               <a:rPr lang="en-US" sz="1800" dirty="0" smtClean="0"/>
               <a:t>b</a:t>
             </a:r>
-            <a:endParaRPr lang="en-US" sz="1800" dirty="0" smtClean="0"/>
           </a:p>
           <a:p>
             <a:pPr>
@@ -12819,7 +17953,7 @@
         </p:nvCxnSpPr>
         <p:spPr>
           <a:xfrm>
-            <a:off x="3270641" y="2618155"/>
+            <a:off x="3270641" y="2713692"/>
             <a:ext cx="721895" cy="0"/>
           </a:xfrm>
           <a:prstGeom prst="straightConnector1">
@@ -12852,7 +17986,7 @@
         </p:nvCxnSpPr>
         <p:spPr>
           <a:xfrm>
-            <a:off x="3266285" y="3345320"/>
+            <a:off x="3266285" y="3536392"/>
             <a:ext cx="721895" cy="0"/>
           </a:xfrm>
           <a:prstGeom prst="straightConnector1">
@@ -12885,7 +18019,7 @@
         </p:nvCxnSpPr>
         <p:spPr>
           <a:xfrm>
-            <a:off x="3266285" y="3738350"/>
+            <a:off x="3266285" y="3943070"/>
             <a:ext cx="721895" cy="0"/>
           </a:xfrm>
           <a:prstGeom prst="straightConnector1">
@@ -12918,7 +18052,7 @@
         </p:nvCxnSpPr>
         <p:spPr>
           <a:xfrm>
-            <a:off x="3274307" y="4077295"/>
+            <a:off x="3274307" y="4336607"/>
             <a:ext cx="721895" cy="0"/>
           </a:xfrm>
           <a:prstGeom prst="straightConnector1">
@@ -12951,7 +18085,7 @@
         </p:nvCxnSpPr>
         <p:spPr>
           <a:xfrm>
-            <a:off x="3274307" y="3000733"/>
+            <a:off x="3274307" y="3123565"/>
             <a:ext cx="721895" cy="0"/>
           </a:xfrm>
           <a:prstGeom prst="straightConnector1">
@@ -13254,36 +18388,40 @@
               <a:buAutoNum type="arabicPeriod" startAt="8"/>
             </a:pPr>
             <a:r>
-              <a:rPr lang="en-US" sz="1600" dirty="0" smtClean="0"/>
-              <a:t>R.E	=	</a:t>
-            </a:r>
-            <a:r>
-              <a:rPr lang="en-US" sz="1600" dirty="0" smtClean="0"/>
-              <a:t>a*</a:t>
-            </a:r>
-            <a:endParaRPr lang="en-US" sz="1600" dirty="0" smtClean="0"/>
+              <a:rPr lang="en-US" dirty="0" smtClean="0"/>
+              <a:t>R.E	=	a*</a:t>
+            </a:r>
           </a:p>
           <a:p>
             <a:pPr marL="400050" lvl="1" indent="0">
               <a:buNone/>
             </a:pPr>
             <a:r>
-              <a:rPr lang="en-US" dirty="0" smtClean="0"/>
+              <a:rPr lang="en-US" sz="1800" dirty="0" smtClean="0"/>
               <a:t>S		</a:t>
             </a:r>
             <a:r>
-              <a:rPr lang="en-US" dirty="0"/>
+              <a:rPr lang="en-US" sz="1800" dirty="0"/>
               <a:t> € </a:t>
             </a:r>
-            <a:endParaRPr lang="en-US" dirty="0" smtClean="0"/>
+            <a:endParaRPr lang="en-US" sz="1800" dirty="0" smtClean="0"/>
           </a:p>
           <a:p>
             <a:pPr marL="400050" lvl="1" indent="0">
               <a:buNone/>
             </a:pPr>
             <a:r>
-              <a:rPr lang="en-US" dirty="0" smtClean="0"/>
+              <a:rPr lang="en-US" sz="1800" dirty="0" smtClean="0"/>
               <a:t>S		AS</a:t>
+            </a:r>
+          </a:p>
+          <a:p>
+            <a:pPr marL="400050" lvl="1" indent="0">
+              <a:buNone/>
+            </a:pPr>
+            <a:r>
+              <a:rPr lang="en-US" sz="1800" dirty="0" smtClean="0"/>
+              <a:t>A		a</a:t>
             </a:r>
           </a:p>
           <a:p>
@@ -13292,191 +18430,137 @@
               <a:buAutoNum type="arabicPeriod" startAt="8"/>
             </a:pPr>
             <a:r>
-              <a:rPr lang="en-US" sz="1600" dirty="0" smtClean="0"/>
-              <a:t>R.E	=	(a+b</a:t>
-            </a:r>
-            <a:r>
-              <a:rPr lang="en-US" sz="1600" dirty="0" smtClean="0"/>
-              <a:t>)*</a:t>
-            </a:r>
-            <a:endParaRPr lang="en-US" sz="1600" dirty="0" smtClean="0"/>
+              <a:rPr lang="en-US" dirty="0" smtClean="0"/>
+              <a:t>R.E	=	(a+b)*</a:t>
+            </a:r>
           </a:p>
           <a:p>
             <a:pPr marL="400050" lvl="1" indent="0">
               <a:buNone/>
             </a:pPr>
             <a:r>
-              <a:rPr lang="en-US" dirty="0" smtClean="0"/>
+              <a:rPr lang="en-US" sz="1800" dirty="0" smtClean="0"/>
               <a:t>S</a:t>
             </a:r>
             <a:r>
-              <a:rPr lang="en-US" dirty="0"/>
-              <a:t>		</a:t>
-            </a:r>
-            <a:r>
-              <a:rPr lang="en-US" dirty="0"/>
-              <a:t> €</a:t>
-            </a:r>
-            <a:endParaRPr lang="en-US" dirty="0" smtClean="0"/>
+              <a:rPr lang="en-US" sz="1800" dirty="0"/>
+              <a:t>		 €</a:t>
+            </a:r>
+            <a:endParaRPr lang="en-US" sz="1800" dirty="0" smtClean="0"/>
           </a:p>
           <a:p>
             <a:pPr marL="400050" lvl="1" indent="0">
               <a:buNone/>
             </a:pPr>
             <a:r>
-              <a:rPr lang="en-US" dirty="0" smtClean="0"/>
-              <a:t>S		</a:t>
-            </a:r>
-            <a:r>
-              <a:rPr lang="en-US" dirty="0" smtClean="0"/>
-              <a:t>aS</a:t>
-            </a:r>
-            <a:endParaRPr lang="en-US" dirty="0" smtClean="0"/>
+              <a:rPr lang="en-US" sz="1800" dirty="0" smtClean="0"/>
+              <a:t>S		AS</a:t>
+            </a:r>
           </a:p>
           <a:p>
             <a:pPr marL="400050" lvl="1" indent="0">
               <a:buNone/>
             </a:pPr>
             <a:r>
-              <a:rPr lang="en-US" dirty="0"/>
-              <a:t>s</a:t>
-            </a:r>
-            <a:r>
-              <a:rPr lang="en-US" dirty="0"/>
-              <a:t>		</a:t>
-            </a:r>
-            <a:r>
-              <a:rPr lang="en-US" dirty="0" smtClean="0"/>
-              <a:t>bS</a:t>
-            </a:r>
-            <a:endParaRPr lang="en-US" dirty="0" smtClean="0"/>
+              <a:rPr lang="en-US" sz="1800" dirty="0"/>
+              <a:t>S		</a:t>
+            </a:r>
+            <a:r>
+              <a:rPr lang="en-US" sz="1800" dirty="0" smtClean="0"/>
+              <a:t>BS</a:t>
+            </a:r>
+          </a:p>
+          <a:p>
+            <a:pPr marL="400050" lvl="1" indent="0">
+              <a:buNone/>
+            </a:pPr>
+            <a:r>
+              <a:rPr lang="en-US" sz="1800" dirty="0" smtClean="0"/>
+              <a:t>A		</a:t>
+            </a:r>
+            <a:r>
+              <a:rPr lang="en-US" sz="1800" dirty="0"/>
+              <a:t>€</a:t>
+            </a:r>
+          </a:p>
+          <a:p>
+            <a:pPr marL="400050" lvl="1" indent="0">
+              <a:buNone/>
+            </a:pPr>
+            <a:r>
+              <a:rPr lang="en-US" sz="1800" dirty="0" smtClean="0"/>
+              <a:t>A		a</a:t>
+            </a:r>
+          </a:p>
+          <a:p>
+            <a:pPr marL="400050" lvl="1" indent="0">
+              <a:buNone/>
+            </a:pPr>
+            <a:r>
+              <a:rPr lang="en-US" sz="1800" dirty="0"/>
+              <a:t>B		€</a:t>
+            </a:r>
+          </a:p>
+          <a:p>
+            <a:pPr marL="400050" lvl="1" indent="0">
+              <a:buNone/>
+            </a:pPr>
+            <a:r>
+              <a:rPr lang="en-US" sz="1800" dirty="0" smtClean="0"/>
+              <a:t>B		b</a:t>
+            </a:r>
+          </a:p>
+          <a:p>
+            <a:pPr marL="400050" lvl="1" indent="0">
+              <a:buNone/>
+            </a:pPr>
+            <a:endParaRPr lang="en-US" sz="1800" dirty="0" smtClean="0"/>
+          </a:p>
+          <a:p>
+            <a:pPr marL="400050" lvl="1" indent="0">
+              <a:buNone/>
+            </a:pPr>
+            <a:r>
+              <a:rPr lang="en-US" sz="1800" dirty="0"/>
+              <a:t>	</a:t>
+            </a:r>
+            <a:r>
+              <a:rPr lang="en-US" sz="1800" dirty="0" smtClean="0"/>
+              <a:t> 				</a:t>
+            </a:r>
           </a:p>
           <a:p>
             <a:pPr>
               <a:buFont typeface="+mj-lt"/>
               <a:buAutoNum type="arabicPeriod" startAt="8"/>
             </a:pPr>
-            <a:r>
-              <a:rPr lang="en-US" sz="1600" dirty="0"/>
-              <a:t>R.E	=	(</a:t>
-            </a:r>
-            <a:r>
-              <a:rPr lang="en-US" sz="1600" dirty="0" smtClean="0"/>
-              <a:t>a+b</a:t>
-            </a:r>
-            <a:r>
-              <a:rPr lang="en-US" sz="1600" dirty="0" smtClean="0"/>
-              <a:t>)*a(a+b)*</a:t>
-            </a:r>
-            <a:endParaRPr lang="en-US" sz="1600" dirty="0" smtClean="0"/>
+            <a:endParaRPr lang="en-US" dirty="0"/>
           </a:p>
           <a:p>
             <a:pPr marL="400050" lvl="1" indent="0">
               <a:buNone/>
             </a:pPr>
-            <a:r>
-              <a:rPr lang="en-US" dirty="0"/>
-              <a:t>S		</a:t>
-            </a:r>
-            <a:r>
-              <a:rPr lang="en-US" dirty="0" smtClean="0"/>
-              <a:t>XYX</a:t>
-            </a:r>
-            <a:endParaRPr lang="en-US" dirty="0"/>
+            <a:endParaRPr lang="en-US" sz="1800" dirty="0"/>
           </a:p>
           <a:p>
             <a:pPr marL="400050" lvl="1" indent="0">
+              <a:buFont typeface="Wingdings 3" charset="2"/>
               <a:buNone/>
             </a:pPr>
-            <a:r>
-              <a:rPr lang="en-US" dirty="0"/>
-              <a:t>Y</a:t>
-            </a:r>
-            <a:r>
-              <a:rPr lang="en-US" dirty="0"/>
-              <a:t>		</a:t>
-            </a:r>
-            <a:r>
-              <a:rPr lang="en-US" dirty="0"/>
-              <a:t>a</a:t>
-            </a:r>
-            <a:endParaRPr lang="en-US" dirty="0"/>
+            <a:endParaRPr lang="en-US" sz="1800" dirty="0" smtClean="0"/>
           </a:p>
           <a:p>
             <a:pPr marL="400050" lvl="1" indent="0">
+              <a:buFont typeface="Wingdings 3" charset="2"/>
               <a:buNone/>
             </a:pPr>
-            <a:r>
-              <a:rPr lang="en-US" dirty="0"/>
-              <a:t>x</a:t>
-            </a:r>
-            <a:r>
-              <a:rPr lang="en-US" dirty="0"/>
-              <a:t>		</a:t>
-            </a:r>
-            <a:r>
-              <a:rPr lang="en-US" dirty="0" smtClean="0"/>
-              <a:t>€</a:t>
-            </a:r>
-            <a:endParaRPr lang="en-US" dirty="0" smtClean="0"/>
-          </a:p>
-          <a:p>
-            <a:pPr marL="400050" lvl="1" indent="0">
-              <a:buNone/>
-            </a:pPr>
-            <a:r>
-              <a:rPr lang="en-US" dirty="0"/>
-              <a:t>X</a:t>
-            </a:r>
-            <a:r>
-              <a:rPr lang="en-US" dirty="0" smtClean="0"/>
-              <a:t>		</a:t>
-            </a:r>
-            <a:r>
-              <a:rPr lang="en-US" dirty="0" err="1" smtClean="0"/>
-              <a:t>aX</a:t>
-            </a:r>
-            <a:endParaRPr lang="en-US" dirty="0" smtClean="0"/>
-          </a:p>
-          <a:p>
-            <a:pPr marL="400050" lvl="1" indent="0">
-              <a:buNone/>
-            </a:pPr>
-            <a:r>
-              <a:rPr lang="en-US" dirty="0" smtClean="0"/>
-              <a:t>X		</a:t>
-            </a:r>
-            <a:r>
-              <a:rPr lang="en-US" dirty="0" err="1" smtClean="0"/>
-              <a:t>bX</a:t>
-            </a:r>
-            <a:endParaRPr lang="en-US" dirty="0"/>
+            <a:endParaRPr lang="en-US" sz="1800" dirty="0" smtClean="0"/>
           </a:p>
           <a:p>
             <a:pPr>
               <a:buFont typeface="+mj-lt"/>
               <a:buAutoNum type="arabicPeriod" startAt="8"/>
             </a:pPr>
-            <a:endParaRPr lang="en-US" sz="1600" dirty="0"/>
-          </a:p>
-          <a:p>
-            <a:pPr marL="400050" lvl="1" indent="0">
-              <a:buNone/>
-            </a:pPr>
-            <a:endParaRPr lang="en-US" dirty="0"/>
-          </a:p>
-          <a:p>
-            <a:pPr marL="400050" lvl="1" indent="0">
-              <a:buFont typeface="Wingdings 3" charset="2"/>
-              <a:buNone/>
-            </a:pPr>
-            <a:endParaRPr lang="en-US" dirty="0" smtClean="0"/>
-          </a:p>
-          <a:p>
-            <a:pPr marL="400050" lvl="1" indent="0">
-              <a:buFont typeface="Wingdings 3" charset="2"/>
-              <a:buNone/>
-            </a:pPr>
             <a:endParaRPr lang="en-US" dirty="0" smtClean="0"/>
           </a:p>
           <a:p>
@@ -13484,14 +18568,7 @@
               <a:buFont typeface="+mj-lt"/>
               <a:buAutoNum type="arabicPeriod" startAt="8"/>
             </a:pPr>
-            <a:endParaRPr lang="en-US" sz="1600" dirty="0" smtClean="0"/>
-          </a:p>
-          <a:p>
-            <a:pPr>
-              <a:buFont typeface="+mj-lt"/>
-              <a:buAutoNum type="arabicPeriod" startAt="8"/>
-            </a:pPr>
-            <a:endParaRPr lang="en-US" sz="1600" dirty="0"/>
+            <a:endParaRPr lang="en-US" dirty="0"/>
           </a:p>
         </p:txBody>
       </p:sp>
@@ -13503,7 +18580,7 @@
         </p:nvCxnSpPr>
         <p:spPr>
           <a:xfrm>
-            <a:off x="8644746" y="2602344"/>
+            <a:off x="8644746" y="2725176"/>
             <a:ext cx="721895" cy="0"/>
           </a:xfrm>
           <a:prstGeom prst="straightConnector1">
@@ -13536,7 +18613,7 @@
         </p:nvCxnSpPr>
         <p:spPr>
           <a:xfrm>
-            <a:off x="8644746" y="2939229"/>
+            <a:off x="8644746" y="3116653"/>
             <a:ext cx="721895" cy="0"/>
           </a:xfrm>
           <a:prstGeom prst="straightConnector1">
@@ -13569,7 +18646,7 @@
         </p:nvCxnSpPr>
         <p:spPr>
           <a:xfrm>
-            <a:off x="8644746" y="4285699"/>
+            <a:off x="8644746" y="4736080"/>
             <a:ext cx="721895" cy="0"/>
           </a:xfrm>
           <a:prstGeom prst="straightConnector1">
@@ -13602,139 +18679,7 @@
         </p:nvCxnSpPr>
         <p:spPr>
           <a:xfrm>
-            <a:off x="8644746" y="3921232"/>
-            <a:ext cx="721895" cy="0"/>
-          </a:xfrm>
-          <a:prstGeom prst="straightConnector1">
-            <a:avLst/>
-          </a:prstGeom>
-          <a:ln>
-            <a:tailEnd type="triangle"/>
-          </a:ln>
-        </p:spPr>
-        <p:style>
-          <a:lnRef idx="1">
-            <a:schemeClr val="dk1"/>
-          </a:lnRef>
-          <a:fillRef idx="0">
-            <a:schemeClr val="dk1"/>
-          </a:fillRef>
-          <a:effectRef idx="0">
-            <a:schemeClr val="dk1"/>
-          </a:effectRef>
-          <a:fontRef idx="minor">
-            <a:schemeClr val="tx1"/>
-          </a:fontRef>
-        </p:style>
-      </p:cxnSp>
-      <p:cxnSp>
-        <p:nvCxnSpPr>
-          <p:cNvPr id="19" name="Straight Arrow Connector 18"/>
-          <p:cNvCxnSpPr/>
-          <p:nvPr/>
-        </p:nvCxnSpPr>
-        <p:spPr>
-          <a:xfrm>
-            <a:off x="8644746" y="5948434"/>
-            <a:ext cx="721895" cy="0"/>
-          </a:xfrm>
-          <a:prstGeom prst="straightConnector1">
-            <a:avLst/>
-          </a:prstGeom>
-          <a:ln>
-            <a:tailEnd type="triangle"/>
-          </a:ln>
-        </p:spPr>
-        <p:style>
-          <a:lnRef idx="1">
-            <a:schemeClr val="dk1"/>
-          </a:lnRef>
-          <a:fillRef idx="0">
-            <a:schemeClr val="dk1"/>
-          </a:fillRef>
-          <a:effectRef idx="0">
-            <a:schemeClr val="dk1"/>
-          </a:effectRef>
-          <a:fontRef idx="minor">
-            <a:schemeClr val="tx1"/>
-          </a:fontRef>
-        </p:style>
-      </p:cxnSp>
-      <p:cxnSp>
-        <p:nvCxnSpPr>
-          <p:cNvPr id="20" name="Straight Arrow Connector 19"/>
-          <p:cNvCxnSpPr/>
-          <p:nvPr/>
-        </p:nvCxnSpPr>
-        <p:spPr>
-          <a:xfrm>
-            <a:off x="8644746" y="5587489"/>
-            <a:ext cx="721895" cy="0"/>
-          </a:xfrm>
-          <a:prstGeom prst="straightConnector1">
-            <a:avLst/>
-          </a:prstGeom>
-          <a:ln>
-            <a:tailEnd type="triangle"/>
-          </a:ln>
-        </p:spPr>
-        <p:style>
-          <a:lnRef idx="1">
-            <a:schemeClr val="dk1"/>
-          </a:lnRef>
-          <a:fillRef idx="0">
-            <a:schemeClr val="dk1"/>
-          </a:fillRef>
-          <a:effectRef idx="0">
-            <a:schemeClr val="dk1"/>
-          </a:effectRef>
-          <a:fontRef idx="minor">
-            <a:schemeClr val="tx1"/>
-          </a:fontRef>
-        </p:style>
-      </p:cxnSp>
-      <p:cxnSp>
-        <p:nvCxnSpPr>
-          <p:cNvPr id="21" name="Straight Arrow Connector 20"/>
-          <p:cNvCxnSpPr/>
-          <p:nvPr/>
-        </p:nvCxnSpPr>
-        <p:spPr>
-          <a:xfrm>
-            <a:off x="8644746" y="6315279"/>
-            <a:ext cx="721895" cy="0"/>
-          </a:xfrm>
-          <a:prstGeom prst="straightConnector1">
-            <a:avLst/>
-          </a:prstGeom>
-          <a:ln>
-            <a:tailEnd type="triangle"/>
-          </a:ln>
-        </p:spPr>
-        <p:style>
-          <a:lnRef idx="1">
-            <a:schemeClr val="dk1"/>
-          </a:lnRef>
-          <a:fillRef idx="0">
-            <a:schemeClr val="dk1"/>
-          </a:fillRef>
-          <a:effectRef idx="0">
-            <a:schemeClr val="dk1"/>
-          </a:effectRef>
-          <a:fontRef idx="minor">
-            <a:schemeClr val="tx1"/>
-          </a:fontRef>
-        </p:style>
-      </p:cxnSp>
-      <p:cxnSp>
-        <p:nvCxnSpPr>
-          <p:cNvPr id="22" name="Straight Arrow Connector 21"/>
-          <p:cNvCxnSpPr/>
-          <p:nvPr/>
-        </p:nvCxnSpPr>
-        <p:spPr>
-          <a:xfrm>
-            <a:off x="8644746" y="6756777"/>
+            <a:off x="8644746" y="4336607"/>
             <a:ext cx="721895" cy="0"/>
           </a:xfrm>
           <a:prstGeom prst="straightConnector1">
@@ -13767,7 +18712,7 @@
         </p:nvCxnSpPr>
         <p:spPr>
           <a:xfrm>
-            <a:off x="8644746" y="4728775"/>
+            <a:off x="8644746" y="5120665"/>
             <a:ext cx="721895" cy="0"/>
           </a:xfrm>
           <a:prstGeom prst="straightConnector1">
@@ -13900,6 +18845,171 @@
         <p:spPr>
           <a:xfrm>
             <a:off x="3266285" y="5501887"/>
+            <a:ext cx="721895" cy="0"/>
+          </a:xfrm>
+          <a:prstGeom prst="straightConnector1">
+            <a:avLst/>
+          </a:prstGeom>
+          <a:ln>
+            <a:tailEnd type="triangle"/>
+          </a:ln>
+        </p:spPr>
+        <p:style>
+          <a:lnRef idx="1">
+            <a:schemeClr val="dk1"/>
+          </a:lnRef>
+          <a:fillRef idx="0">
+            <a:schemeClr val="dk1"/>
+          </a:fillRef>
+          <a:effectRef idx="0">
+            <a:schemeClr val="dk1"/>
+          </a:effectRef>
+          <a:fontRef idx="minor">
+            <a:schemeClr val="tx1"/>
+          </a:fontRef>
+        </p:style>
+      </p:cxnSp>
+      <p:cxnSp>
+        <p:nvCxnSpPr>
+          <p:cNvPr id="29" name="Straight Arrow Connector 28"/>
+          <p:cNvCxnSpPr/>
+          <p:nvPr/>
+        </p:nvCxnSpPr>
+        <p:spPr>
+          <a:xfrm>
+            <a:off x="8644746" y="3526565"/>
+            <a:ext cx="721895" cy="0"/>
+          </a:xfrm>
+          <a:prstGeom prst="straightConnector1">
+            <a:avLst/>
+          </a:prstGeom>
+          <a:ln>
+            <a:tailEnd type="triangle"/>
+          </a:ln>
+        </p:spPr>
+        <p:style>
+          <a:lnRef idx="1">
+            <a:schemeClr val="dk1"/>
+          </a:lnRef>
+          <a:fillRef idx="0">
+            <a:schemeClr val="dk1"/>
+          </a:fillRef>
+          <a:effectRef idx="0">
+            <a:schemeClr val="dk1"/>
+          </a:effectRef>
+          <a:fontRef idx="minor">
+            <a:schemeClr val="tx1"/>
+          </a:fontRef>
+        </p:style>
+      </p:cxnSp>
+      <p:cxnSp>
+        <p:nvCxnSpPr>
+          <p:cNvPr id="30" name="Straight Arrow Connector 29"/>
+          <p:cNvCxnSpPr/>
+          <p:nvPr/>
+        </p:nvCxnSpPr>
+        <p:spPr>
+          <a:xfrm>
+            <a:off x="8644746" y="5920342"/>
+            <a:ext cx="721895" cy="0"/>
+          </a:xfrm>
+          <a:prstGeom prst="straightConnector1">
+            <a:avLst/>
+          </a:prstGeom>
+          <a:ln>
+            <a:tailEnd type="triangle"/>
+          </a:ln>
+        </p:spPr>
+        <p:style>
+          <a:lnRef idx="1">
+            <a:schemeClr val="dk1"/>
+          </a:lnRef>
+          <a:fillRef idx="0">
+            <a:schemeClr val="dk1"/>
+          </a:fillRef>
+          <a:effectRef idx="0">
+            <a:schemeClr val="dk1"/>
+          </a:effectRef>
+          <a:fontRef idx="minor">
+            <a:schemeClr val="tx1"/>
+          </a:fontRef>
+        </p:style>
+      </p:cxnSp>
+      <p:cxnSp>
+        <p:nvCxnSpPr>
+          <p:cNvPr id="31" name="Straight Arrow Connector 30"/>
+          <p:cNvCxnSpPr/>
+          <p:nvPr/>
+        </p:nvCxnSpPr>
+        <p:spPr>
+          <a:xfrm>
+            <a:off x="8644746" y="5519464"/>
+            <a:ext cx="721895" cy="0"/>
+          </a:xfrm>
+          <a:prstGeom prst="straightConnector1">
+            <a:avLst/>
+          </a:prstGeom>
+          <a:ln>
+            <a:tailEnd type="triangle"/>
+          </a:ln>
+        </p:spPr>
+        <p:style>
+          <a:lnRef idx="1">
+            <a:schemeClr val="dk1"/>
+          </a:lnRef>
+          <a:fillRef idx="0">
+            <a:schemeClr val="dk1"/>
+          </a:fillRef>
+          <a:effectRef idx="0">
+            <a:schemeClr val="dk1"/>
+          </a:effectRef>
+          <a:fontRef idx="minor">
+            <a:schemeClr val="tx1"/>
+          </a:fontRef>
+        </p:style>
+      </p:cxnSp>
+      <p:cxnSp>
+        <p:nvCxnSpPr>
+          <p:cNvPr id="32" name="Straight Arrow Connector 31"/>
+          <p:cNvCxnSpPr/>
+          <p:nvPr/>
+        </p:nvCxnSpPr>
+        <p:spPr>
+          <a:xfrm>
+            <a:off x="8644746" y="6311117"/>
+            <a:ext cx="721895" cy="0"/>
+          </a:xfrm>
+          <a:prstGeom prst="straightConnector1">
+            <a:avLst/>
+          </a:prstGeom>
+          <a:ln>
+            <a:tailEnd type="triangle"/>
+          </a:ln>
+        </p:spPr>
+        <p:style>
+          <a:lnRef idx="1">
+            <a:schemeClr val="dk1"/>
+          </a:lnRef>
+          <a:fillRef idx="0">
+            <a:schemeClr val="dk1"/>
+          </a:fillRef>
+          <a:effectRef idx="0">
+            <a:schemeClr val="dk1"/>
+          </a:effectRef>
+          <a:fontRef idx="minor">
+            <a:schemeClr val="tx1"/>
+          </a:fontRef>
+        </p:style>
+      </p:cxnSp>
+      <p:cxnSp>
+        <p:nvCxnSpPr>
+          <p:cNvPr id="34" name="Straight Arrow Connector 33"/>
+          <p:cNvCxnSpPr/>
+          <p:nvPr/>
+        </p:nvCxnSpPr>
+        <p:spPr>
+          <a:xfrm>
+            <a:off x="8644746" y="6704877"/>
             <a:ext cx="721895" cy="0"/>
           </a:xfrm>
           <a:prstGeom prst="straightConnector1">
